--- a/docx/画图.pptx
+++ b/docx/画图.pptx
@@ -271,7 +271,7 @@
           <a:p>
             <a:fld id="{B1D4CC93-8288-4999-A88F-F5B0C6702533}" type="datetimeFigureOut">
               <a:rPr lang="zh-CN" altLang="en-US" smtClean="0"/>
-              <a:t>2024/10/22</a:t>
+              <a:t>2024/10/23</a:t>
             </a:fld>
             <a:endParaRPr lang="zh-CN" altLang="en-US"/>
           </a:p>
@@ -469,7 +469,7 @@
           <a:p>
             <a:fld id="{B1D4CC93-8288-4999-A88F-F5B0C6702533}" type="datetimeFigureOut">
               <a:rPr lang="zh-CN" altLang="en-US" smtClean="0"/>
-              <a:t>2024/10/22</a:t>
+              <a:t>2024/10/23</a:t>
             </a:fld>
             <a:endParaRPr lang="zh-CN" altLang="en-US"/>
           </a:p>
@@ -677,7 +677,7 @@
           <a:p>
             <a:fld id="{B1D4CC93-8288-4999-A88F-F5B0C6702533}" type="datetimeFigureOut">
               <a:rPr lang="zh-CN" altLang="en-US" smtClean="0"/>
-              <a:t>2024/10/22</a:t>
+              <a:t>2024/10/23</a:t>
             </a:fld>
             <a:endParaRPr lang="zh-CN" altLang="en-US"/>
           </a:p>
@@ -875,7 +875,7 @@
           <a:p>
             <a:fld id="{B1D4CC93-8288-4999-A88F-F5B0C6702533}" type="datetimeFigureOut">
               <a:rPr lang="zh-CN" altLang="en-US" smtClean="0"/>
-              <a:t>2024/10/22</a:t>
+              <a:t>2024/10/23</a:t>
             </a:fld>
             <a:endParaRPr lang="zh-CN" altLang="en-US"/>
           </a:p>
@@ -1150,7 +1150,7 @@
           <a:p>
             <a:fld id="{B1D4CC93-8288-4999-A88F-F5B0C6702533}" type="datetimeFigureOut">
               <a:rPr lang="zh-CN" altLang="en-US" smtClean="0"/>
-              <a:t>2024/10/22</a:t>
+              <a:t>2024/10/23</a:t>
             </a:fld>
             <a:endParaRPr lang="zh-CN" altLang="en-US"/>
           </a:p>
@@ -1415,7 +1415,7 @@
           <a:p>
             <a:fld id="{B1D4CC93-8288-4999-A88F-F5B0C6702533}" type="datetimeFigureOut">
               <a:rPr lang="zh-CN" altLang="en-US" smtClean="0"/>
-              <a:t>2024/10/22</a:t>
+              <a:t>2024/10/23</a:t>
             </a:fld>
             <a:endParaRPr lang="zh-CN" altLang="en-US"/>
           </a:p>
@@ -1827,7 +1827,7 @@
           <a:p>
             <a:fld id="{B1D4CC93-8288-4999-A88F-F5B0C6702533}" type="datetimeFigureOut">
               <a:rPr lang="zh-CN" altLang="en-US" smtClean="0"/>
-              <a:t>2024/10/22</a:t>
+              <a:t>2024/10/23</a:t>
             </a:fld>
             <a:endParaRPr lang="zh-CN" altLang="en-US"/>
           </a:p>
@@ -1968,7 +1968,7 @@
           <a:p>
             <a:fld id="{B1D4CC93-8288-4999-A88F-F5B0C6702533}" type="datetimeFigureOut">
               <a:rPr lang="zh-CN" altLang="en-US" smtClean="0"/>
-              <a:t>2024/10/22</a:t>
+              <a:t>2024/10/23</a:t>
             </a:fld>
             <a:endParaRPr lang="zh-CN" altLang="en-US"/>
           </a:p>
@@ -2081,7 +2081,7 @@
           <a:p>
             <a:fld id="{B1D4CC93-8288-4999-A88F-F5B0C6702533}" type="datetimeFigureOut">
               <a:rPr lang="zh-CN" altLang="en-US" smtClean="0"/>
-              <a:t>2024/10/22</a:t>
+              <a:t>2024/10/23</a:t>
             </a:fld>
             <a:endParaRPr lang="zh-CN" altLang="en-US"/>
           </a:p>
@@ -2392,7 +2392,7 @@
           <a:p>
             <a:fld id="{B1D4CC93-8288-4999-A88F-F5B0C6702533}" type="datetimeFigureOut">
               <a:rPr lang="zh-CN" altLang="en-US" smtClean="0"/>
-              <a:t>2024/10/22</a:t>
+              <a:t>2024/10/23</a:t>
             </a:fld>
             <a:endParaRPr lang="zh-CN" altLang="en-US"/>
           </a:p>
@@ -2680,7 +2680,7 @@
           <a:p>
             <a:fld id="{B1D4CC93-8288-4999-A88F-F5B0C6702533}" type="datetimeFigureOut">
               <a:rPr lang="zh-CN" altLang="en-US" smtClean="0"/>
-              <a:t>2024/10/22</a:t>
+              <a:t>2024/10/23</a:t>
             </a:fld>
             <a:endParaRPr lang="zh-CN" altLang="en-US"/>
           </a:p>
@@ -2921,7 +2921,7 @@
           <a:p>
             <a:fld id="{B1D4CC93-8288-4999-A88F-F5B0C6702533}" type="datetimeFigureOut">
               <a:rPr lang="zh-CN" altLang="en-US" smtClean="0"/>
-              <a:t>2024/10/22</a:t>
+              <a:t>2024/10/23</a:t>
             </a:fld>
             <a:endParaRPr lang="zh-CN" altLang="en-US"/>
           </a:p>
@@ -4822,14 +4822,14 @@
           <p:nvPr>
             <p:extLst>
               <p:ext uri="{D42A27DB-BD31-4B8C-83A1-F6EECF244321}">
-                <p14:modId xmlns:p14="http://schemas.microsoft.com/office/powerpoint/2010/main" val="2809648300"/>
+                <p14:modId xmlns:p14="http://schemas.microsoft.com/office/powerpoint/2010/main" val="435511117"/>
               </p:ext>
             </p:extLst>
           </p:nvPr>
         </p:nvGraphicFramePr>
         <p:xfrm>
           <a:off x="1874982" y="100829"/>
-          <a:ext cx="8127999" cy="6334760"/>
+          <a:ext cx="9549891" cy="5730240"/>
         </p:xfrm>
         <a:graphic>
           <a:graphicData uri="http://schemas.openxmlformats.org/drawingml/2006/table">
@@ -4838,7 +4838,7 @@
                 <a:tableStyleId>{5C22544A-7EE6-4342-B048-85BDC9FD1C3A}</a:tableStyleId>
               </a:tblPr>
               <a:tblGrid>
-                <a:gridCol w="1450109">
+                <a:gridCol w="1620000">
                   <a:extLst>
                     <a:ext uri="{9D8B030D-6E8A-4147-A177-3AD203B41FA5}">
                       <a16:colId xmlns:a16="http://schemas.microsoft.com/office/drawing/2014/main" val="2308680098"/>
@@ -4852,7 +4852,7 @@
                     </a:ext>
                   </a:extLst>
                 </a:gridCol>
-                <a:gridCol w="5587999">
+                <a:gridCol w="6840000">
                   <a:extLst>
                     <a:ext uri="{9D8B030D-6E8A-4147-A177-3AD203B41FA5}">
                       <a16:colId xmlns:a16="http://schemas.microsoft.com/office/drawing/2014/main" val="809706906"/>
@@ -5574,6 +5574,151 @@
                 <a:extLst>
                   <a:ext uri="{0D108BD9-81ED-4DB2-BD59-A6C34878D82A}">
                     <a16:rowId xmlns:a16="http://schemas.microsoft.com/office/drawing/2014/main" val="2783575936"/>
+                  </a:ext>
+                </a:extLst>
+              </a:tr>
+              <a:tr h="370840">
+                <a:tc>
+                  <a:txBody>
+                    <a:bodyPr/>
+                    <a:lstStyle/>
+                    <a:p>
+                      <a:pPr marL="0" marR="0" lvl="0" indent="0" algn="l" defTabSz="914400" rtl="0" eaLnBrk="1" fontAlgn="auto" latinLnBrk="0" hangingPunct="1">
+                        <a:lnSpc>
+                          <a:spcPct val="100000"/>
+                        </a:lnSpc>
+                        <a:spcBef>
+                          <a:spcPts val="0"/>
+                        </a:spcBef>
+                        <a:spcAft>
+                          <a:spcPts val="0"/>
+                        </a:spcAft>
+                        <a:buClrTx/>
+                        <a:buSzTx/>
+                        <a:buFontTx/>
+                        <a:buNone/>
+                        <a:tabLst/>
+                        <a:defRPr/>
+                      </a:pPr>
+                      <a:r>
+                        <a:rPr lang="en-US" altLang="zh-CN" sz="1800" b="0" kern="1200" dirty="0" err="1">
+                          <a:solidFill>
+                            <a:schemeClr val="dk1"/>
+                          </a:solidFill>
+                          <a:effectLst/>
+                          <a:latin typeface="+mn-lt"/>
+                          <a:ea typeface="+mn-ea"/>
+                          <a:cs typeface="+mn-cs"/>
+                        </a:rPr>
+                        <a:t>GetStrToken</a:t>
+                      </a:r>
+                      <a:endParaRPr lang="en-US" altLang="zh-CN" sz="1800" b="0" kern="1200" dirty="0">
+                        <a:solidFill>
+                          <a:schemeClr val="dk1"/>
+                        </a:solidFill>
+                        <a:effectLst/>
+                        <a:latin typeface="+mn-lt"/>
+                        <a:ea typeface="+mn-ea"/>
+                        <a:cs typeface="+mn-cs"/>
+                      </a:endParaRPr>
+                    </a:p>
+                  </a:txBody>
+                  <a:tcPr/>
+                </a:tc>
+                <a:tc>
+                  <a:txBody>
+                    <a:bodyPr/>
+                    <a:lstStyle/>
+                    <a:p>
+                      <a:r>
+                        <a:rPr lang="en-US" altLang="zh-CN" dirty="0" err="1"/>
+                        <a:t>wstring</a:t>
+                      </a:r>
+                      <a:endParaRPr lang="zh-CN" altLang="en-US" dirty="0"/>
+                    </a:p>
+                  </a:txBody>
+                  <a:tcPr/>
+                </a:tc>
+                <a:tc>
+                  <a:txBody>
+                    <a:bodyPr/>
+                    <a:lstStyle/>
+                    <a:p>
+                      <a:r>
+                        <a:rPr lang="zh-CN" altLang="en-US" dirty="0"/>
+                        <a:t>返回</a:t>
+                      </a:r>
+                      <a:r>
+                        <a:rPr lang="en-US" altLang="zh-CN" dirty="0" err="1"/>
+                        <a:t>strToken</a:t>
+                      </a:r>
+                      <a:r>
+                        <a:rPr lang="zh-CN" altLang="en-US" dirty="0"/>
+                        <a:t>。</a:t>
+                      </a:r>
+                    </a:p>
+                  </a:txBody>
+                  <a:tcPr/>
+                </a:tc>
+                <a:extLst>
+                  <a:ext uri="{0D108BD9-81ED-4DB2-BD59-A6C34878D82A}">
+                    <a16:rowId xmlns:a16="http://schemas.microsoft.com/office/drawing/2014/main" val="282197103"/>
+                  </a:ext>
+                </a:extLst>
+              </a:tr>
+              <a:tr h="370840">
+                <a:tc>
+                  <a:txBody>
+                    <a:bodyPr/>
+                    <a:lstStyle/>
+                    <a:p>
+                      <a:r>
+                        <a:rPr lang="en-US" altLang="zh-CN" dirty="0" err="1"/>
+                        <a:t>GetTokenType</a:t>
+                      </a:r>
+                      <a:endParaRPr lang="zh-CN" altLang="en-US" dirty="0"/>
+                    </a:p>
+                  </a:txBody>
+                  <a:tcPr/>
+                </a:tc>
+                <a:tc>
+                  <a:txBody>
+                    <a:bodyPr/>
+                    <a:lstStyle/>
+                    <a:p>
+                      <a:r>
+                        <a:rPr lang="en-US" altLang="zh-CN" dirty="0"/>
+                        <a:t>unsigned long</a:t>
+                      </a:r>
+                      <a:endParaRPr lang="zh-CN" altLang="en-US" dirty="0"/>
+                    </a:p>
+                  </a:txBody>
+                  <a:tcPr/>
+                </a:tc>
+                <a:tc>
+                  <a:txBody>
+                    <a:bodyPr/>
+                    <a:lstStyle/>
+                    <a:p>
+                      <a:r>
+                        <a:rPr lang="zh-CN" altLang="en-US" dirty="0"/>
+                        <a:t>返回</a:t>
+                      </a:r>
+                      <a:r>
+                        <a:rPr lang="en-US" altLang="zh-CN" dirty="0" err="1"/>
+                        <a:t>tokenType</a:t>
+                      </a:r>
+                      <a:r>
+                        <a:rPr lang="zh-CN" altLang="en-US" dirty="0"/>
+                        <a:t>。</a:t>
+                      </a:r>
+                    </a:p>
+                  </a:txBody>
+                  <a:tcPr/>
+                </a:tc>
+                <a:extLst>
+                  <a:ext uri="{0D108BD9-81ED-4DB2-BD59-A6C34878D82A}">
+                    <a16:rowId xmlns:a16="http://schemas.microsoft.com/office/drawing/2014/main" val="3241504772"/>
                   </a:ext>
                 </a:extLst>
               </a:tr>
@@ -7968,6 +8113,1450 @@
           <a:chExt cx="0" cy="0"/>
         </a:xfrm>
       </p:grpSpPr>
+      <p:graphicFrame>
+        <p:nvGraphicFramePr>
+          <p:cNvPr id="3" name="表格 2">
+            <a:extLst>
+              <a:ext uri="{FF2B5EF4-FFF2-40B4-BE49-F238E27FC236}">
+                <a16:creationId xmlns:a16="http://schemas.microsoft.com/office/drawing/2014/main" id="{EA362687-28AB-69BC-4D9B-C19665255B48}"/>
+              </a:ext>
+            </a:extLst>
+          </p:cNvPr>
+          <p:cNvGraphicFramePr>
+            <a:graphicFrameLocks noGrp="1"/>
+          </p:cNvGraphicFramePr>
+          <p:nvPr>
+            <p:extLst>
+              <p:ext uri="{D42A27DB-BD31-4B8C-83A1-F6EECF244321}">
+                <p14:modId xmlns:p14="http://schemas.microsoft.com/office/powerpoint/2010/main" val="1162978787"/>
+              </p:ext>
+            </p:extLst>
+          </p:nvPr>
+        </p:nvGraphicFramePr>
+        <p:xfrm>
+          <a:off x="0" y="0"/>
+          <a:ext cx="4932000" cy="4119880"/>
+        </p:xfrm>
+        <a:graphic>
+          <a:graphicData uri="http://schemas.openxmlformats.org/drawingml/2006/table">
+            <a:tbl>
+              <a:tblPr firstRow="1" bandRow="1">
+                <a:tableStyleId>{5940675A-B579-460E-94D1-54222C63F5DA}</a:tableStyleId>
+              </a:tblPr>
+              <a:tblGrid>
+                <a:gridCol w="4932000">
+                  <a:extLst>
+                    <a:ext uri="{9D8B030D-6E8A-4147-A177-3AD203B41FA5}">
+                      <a16:colId xmlns:a16="http://schemas.microsoft.com/office/drawing/2014/main" val="1851889152"/>
+                    </a:ext>
+                  </a:extLst>
+                </a:gridCol>
+              </a:tblGrid>
+              <a:tr h="370840">
+                <a:tc>
+                  <a:txBody>
+                    <a:bodyPr/>
+                    <a:lstStyle/>
+                    <a:p>
+                      <a:r>
+                        <a:rPr lang="en-US" altLang="zh-CN" dirty="0"/>
+                        <a:t>                               </a:t>
+                      </a:r>
+                      <a:r>
+                        <a:rPr lang="en-US" altLang="zh-CN" dirty="0" err="1"/>
+                        <a:t>SymTable</a:t>
+                      </a:r>
+                      <a:endParaRPr lang="zh-CN" altLang="en-US" dirty="0"/>
+                    </a:p>
+                  </a:txBody>
+                  <a:tcPr/>
+                </a:tc>
+                <a:extLst>
+                  <a:ext uri="{0D108BD9-81ED-4DB2-BD59-A6C34878D82A}">
+                    <a16:rowId xmlns:a16="http://schemas.microsoft.com/office/drawing/2014/main" val="1500299134"/>
+                  </a:ext>
+                </a:extLst>
+              </a:tr>
+              <a:tr h="370840">
+                <a:tc>
+                  <a:txBody>
+                    <a:bodyPr/>
+                    <a:lstStyle/>
+                    <a:p>
+                      <a:r>
+                        <a:rPr lang="en-US" altLang="zh-CN" dirty="0" err="1"/>
+                        <a:t>size_t</a:t>
+                      </a:r>
+                      <a:r>
+                        <a:rPr lang="en-US" altLang="zh-CN" dirty="0"/>
+                        <a:t> </a:t>
+                      </a:r>
+                      <a:r>
+                        <a:rPr lang="en-US" altLang="zh-CN" dirty="0" err="1"/>
+                        <a:t>sp</a:t>
+                      </a:r>
+                      <a:r>
+                        <a:rPr lang="en-US" altLang="zh-CN" dirty="0"/>
+                        <a:t>;                 </a:t>
+                      </a:r>
+                    </a:p>
+                    <a:p>
+                      <a:r>
+                        <a:rPr lang="en-US" altLang="zh-CN" dirty="0"/>
+                        <a:t>vector&lt;</a:t>
+                      </a:r>
+                      <a:r>
+                        <a:rPr lang="en-US" altLang="zh-CN" dirty="0" err="1"/>
+                        <a:t>SymTableItem</a:t>
+                      </a:r>
+                      <a:r>
+                        <a:rPr lang="en-US" altLang="zh-CN" dirty="0"/>
+                        <a:t>&gt; table;</a:t>
+                      </a:r>
+                    </a:p>
+                    <a:p>
+                      <a:r>
+                        <a:rPr lang="en-US" altLang="zh-CN" dirty="0"/>
+                        <a:t>vector&lt;</a:t>
+                      </a:r>
+                      <a:r>
+                        <a:rPr lang="en-US" altLang="zh-CN" dirty="0" err="1"/>
+                        <a:t>size_t</a:t>
+                      </a:r>
+                      <a:r>
+                        <a:rPr lang="en-US" altLang="zh-CN" dirty="0"/>
+                        <a:t>&gt; display;    </a:t>
+                      </a:r>
+                    </a:p>
+                    <a:p>
+                      <a:r>
+                        <a:rPr lang="en-US" altLang="zh-CN" dirty="0" err="1"/>
+                        <a:t>size_t</a:t>
+                      </a:r>
+                      <a:r>
+                        <a:rPr lang="en-US" altLang="zh-CN" dirty="0"/>
+                        <a:t> level; </a:t>
+                      </a:r>
+                      <a:endParaRPr lang="zh-CN" altLang="en-US" dirty="0"/>
+                    </a:p>
+                  </a:txBody>
+                  <a:tcPr/>
+                </a:tc>
+                <a:extLst>
+                  <a:ext uri="{0D108BD9-81ED-4DB2-BD59-A6C34878D82A}">
+                    <a16:rowId xmlns:a16="http://schemas.microsoft.com/office/drawing/2014/main" val="3021499194"/>
+                  </a:ext>
+                </a:extLst>
+              </a:tr>
+              <a:tr h="370840">
+                <a:tc>
+                  <a:txBody>
+                    <a:bodyPr/>
+                    <a:lstStyle/>
+                    <a:p>
+                      <a:r>
+                        <a:rPr lang="en-US" altLang="zh-CN" dirty="0" err="1"/>
+                        <a:t>SymTable</a:t>
+                      </a:r>
+                      <a:r>
+                        <a:rPr lang="en-US" altLang="zh-CN" dirty="0"/>
+                        <a:t>() : </a:t>
+                      </a:r>
+                      <a:r>
+                        <a:rPr lang="en-US" altLang="zh-CN" dirty="0" err="1"/>
+                        <a:t>sp</a:t>
+                      </a:r>
+                      <a:r>
+                        <a:rPr lang="en-US" altLang="zh-CN" dirty="0"/>
+                        <a:t>(0) ,level(0){</a:t>
+                      </a:r>
+                      <a:r>
+                        <a:rPr lang="en-US" altLang="zh-CN" dirty="0" err="1"/>
+                        <a:t>display.resize</a:t>
+                      </a:r>
+                      <a:r>
+                        <a:rPr lang="en-US" altLang="zh-CN" dirty="0"/>
+                        <a:t>(1, 0);};</a:t>
+                      </a:r>
+                    </a:p>
+                    <a:p>
+                      <a:r>
+                        <a:rPr lang="en-US" altLang="zh-CN" dirty="0"/>
+                        <a:t>void </a:t>
+                      </a:r>
+                      <a:r>
+                        <a:rPr lang="en-US" altLang="zh-CN" dirty="0" err="1"/>
+                        <a:t>SetLevel</a:t>
+                      </a:r>
+                      <a:r>
+                        <a:rPr lang="en-US" altLang="zh-CN" dirty="0"/>
+                        <a:t>(</a:t>
+                      </a:r>
+                      <a:r>
+                        <a:rPr lang="en-US" altLang="zh-CN" dirty="0" err="1"/>
+                        <a:t>size_t</a:t>
+                      </a:r>
+                      <a:r>
+                        <a:rPr lang="en-US" altLang="zh-CN" dirty="0"/>
+                        <a:t> </a:t>
+                      </a:r>
+                      <a:r>
+                        <a:rPr lang="en-US" altLang="zh-CN" dirty="0" err="1"/>
+                        <a:t>nowlevel</a:t>
+                      </a:r>
+                      <a:r>
+                        <a:rPr lang="en-US" altLang="zh-CN" dirty="0"/>
+                        <a:t>){level=</a:t>
+                      </a:r>
+                      <a:r>
+                        <a:rPr lang="en-US" altLang="zh-CN" dirty="0" err="1"/>
+                        <a:t>nowlevel</a:t>
+                      </a:r>
+                      <a:r>
+                        <a:rPr lang="en-US" altLang="zh-CN" dirty="0"/>
+                        <a:t>;};</a:t>
+                      </a:r>
+                    </a:p>
+                    <a:p>
+                      <a:r>
+                        <a:rPr lang="en-US" altLang="zh-CN" dirty="0" err="1"/>
+                        <a:t>size_t</a:t>
+                      </a:r>
+                      <a:r>
+                        <a:rPr lang="en-US" altLang="zh-CN" dirty="0"/>
+                        <a:t> </a:t>
+                      </a:r>
+                      <a:r>
+                        <a:rPr lang="en-US" altLang="zh-CN" dirty="0" err="1"/>
+                        <a:t>GetLevel</a:t>
+                      </a:r>
+                      <a:r>
+                        <a:rPr lang="en-US" altLang="zh-CN" dirty="0"/>
+                        <a:t>(){return level;};</a:t>
+                      </a:r>
+                    </a:p>
+                    <a:p>
+                      <a:r>
+                        <a:rPr lang="en-US" altLang="zh-CN" dirty="0" err="1"/>
+                        <a:t>size_t</a:t>
+                      </a:r>
+                      <a:r>
+                        <a:rPr lang="en-US" altLang="zh-CN" dirty="0"/>
+                        <a:t> </a:t>
+                      </a:r>
+                      <a:r>
+                        <a:rPr lang="en-US" altLang="zh-CN" dirty="0" err="1"/>
+                        <a:t>GetSp</a:t>
+                      </a:r>
+                      <a:r>
+                        <a:rPr lang="en-US" altLang="zh-CN" dirty="0"/>
+                        <a:t>(){return </a:t>
+                      </a:r>
+                      <a:r>
+                        <a:rPr lang="en-US" altLang="zh-CN" dirty="0" err="1"/>
+                        <a:t>sp</a:t>
+                      </a:r>
+                      <a:r>
+                        <a:rPr lang="en-US" altLang="zh-CN" dirty="0"/>
+                        <a:t>;};</a:t>
+                      </a:r>
+                    </a:p>
+                    <a:p>
+                      <a:r>
+                        <a:rPr lang="en-US" altLang="zh-CN" dirty="0"/>
+                        <a:t>void </a:t>
+                      </a:r>
+                      <a:r>
+                        <a:rPr lang="en-US" altLang="zh-CN" dirty="0" err="1"/>
+                        <a:t>showAll</a:t>
+                      </a:r>
+                      <a:r>
+                        <a:rPr lang="en-US" altLang="zh-CN" dirty="0"/>
+                        <a:t>();</a:t>
+                      </a:r>
+                    </a:p>
+                    <a:p>
+                      <a:r>
+                        <a:rPr lang="en-US" altLang="zh-CN" dirty="0"/>
+                        <a:t>int </a:t>
+                      </a:r>
+                      <a:r>
+                        <a:rPr lang="en-US" altLang="zh-CN" dirty="0" err="1"/>
+                        <a:t>InsertToTable</a:t>
+                      </a:r>
+                      <a:r>
+                        <a:rPr lang="en-US" altLang="zh-CN" dirty="0"/>
+                        <a:t>(</a:t>
+                      </a:r>
+                      <a:r>
+                        <a:rPr lang="en-US" altLang="zh-CN" dirty="0" err="1"/>
+                        <a:t>wstring</a:t>
+                      </a:r>
+                      <a:r>
+                        <a:rPr lang="en-US" altLang="zh-CN" dirty="0"/>
+                        <a:t> name, Category cat);   </a:t>
+                      </a:r>
+                    </a:p>
+                    <a:p>
+                      <a:r>
+                        <a:rPr lang="en-US" altLang="zh-CN" dirty="0"/>
+                        <a:t>int </a:t>
+                      </a:r>
+                      <a:r>
+                        <a:rPr lang="en-US" altLang="zh-CN" dirty="0" err="1"/>
+                        <a:t>SearchInfo</a:t>
+                      </a:r>
+                      <a:r>
+                        <a:rPr lang="en-US" altLang="zh-CN" dirty="0"/>
+                        <a:t>(</a:t>
+                      </a:r>
+                      <a:r>
+                        <a:rPr lang="en-US" altLang="zh-CN" dirty="0" err="1"/>
+                        <a:t>wstring</a:t>
+                      </a:r>
+                      <a:r>
+                        <a:rPr lang="en-US" altLang="zh-CN" dirty="0"/>
+                        <a:t> </a:t>
+                      </a:r>
+                      <a:r>
+                        <a:rPr lang="en-US" altLang="zh-CN" dirty="0" err="1"/>
+                        <a:t>name,Category</a:t>
+                      </a:r>
+                      <a:r>
+                        <a:rPr lang="en-US" altLang="zh-CN" dirty="0"/>
+                        <a:t> cat);      </a:t>
+                      </a:r>
+                    </a:p>
+                    <a:p>
+                      <a:r>
+                        <a:rPr lang="en-US" altLang="zh-CN" dirty="0"/>
+                        <a:t>void </a:t>
+                      </a:r>
+                      <a:r>
+                        <a:rPr lang="en-US" altLang="zh-CN" dirty="0" err="1"/>
+                        <a:t>MkTable</a:t>
+                      </a:r>
+                      <a:r>
+                        <a:rPr lang="en-US" altLang="zh-CN" dirty="0"/>
+                        <a:t>();                                 </a:t>
+                      </a:r>
+                    </a:p>
+                    <a:p>
+                      <a:r>
+                        <a:rPr lang="en-US" altLang="zh-CN" dirty="0"/>
+                        <a:t>void </a:t>
+                      </a:r>
+                      <a:r>
+                        <a:rPr lang="en-US" altLang="zh-CN" dirty="0" err="1"/>
+                        <a:t>InitAndClear</a:t>
+                      </a:r>
+                      <a:r>
+                        <a:rPr lang="en-US" altLang="zh-CN" dirty="0"/>
+                        <a:t>(); </a:t>
+                      </a:r>
+                      <a:endParaRPr lang="zh-CN" altLang="en-US" dirty="0"/>
+                    </a:p>
+                  </a:txBody>
+                  <a:tcPr/>
+                </a:tc>
+                <a:extLst>
+                  <a:ext uri="{0D108BD9-81ED-4DB2-BD59-A6C34878D82A}">
+                    <a16:rowId xmlns:a16="http://schemas.microsoft.com/office/drawing/2014/main" val="2151529414"/>
+                  </a:ext>
+                </a:extLst>
+              </a:tr>
+            </a:tbl>
+          </a:graphicData>
+        </a:graphic>
+      </p:graphicFrame>
+      <p:graphicFrame>
+        <p:nvGraphicFramePr>
+          <p:cNvPr id="5" name="表格 4">
+            <a:extLst>
+              <a:ext uri="{FF2B5EF4-FFF2-40B4-BE49-F238E27FC236}">
+                <a16:creationId xmlns:a16="http://schemas.microsoft.com/office/drawing/2014/main" id="{88DABCB5-2387-0E2E-4C93-8EF696285D2E}"/>
+              </a:ext>
+            </a:extLst>
+          </p:cNvPr>
+          <p:cNvGraphicFramePr>
+            <a:graphicFrameLocks noGrp="1"/>
+          </p:cNvGraphicFramePr>
+          <p:nvPr>
+            <p:extLst>
+              <p:ext uri="{D42A27DB-BD31-4B8C-83A1-F6EECF244321}">
+                <p14:modId xmlns:p14="http://schemas.microsoft.com/office/powerpoint/2010/main" val="1698559344"/>
+              </p:ext>
+            </p:extLst>
+          </p:nvPr>
+        </p:nvGraphicFramePr>
+        <p:xfrm>
+          <a:off x="5166037" y="1236980"/>
+          <a:ext cx="2880000" cy="1925320"/>
+        </p:xfrm>
+        <a:graphic>
+          <a:graphicData uri="http://schemas.openxmlformats.org/drawingml/2006/table">
+            <a:tbl>
+              <a:tblPr firstRow="1" bandRow="1">
+                <a:tableStyleId>{5940675A-B579-460E-94D1-54222C63F5DA}</a:tableStyleId>
+              </a:tblPr>
+              <a:tblGrid>
+                <a:gridCol w="2880000">
+                  <a:extLst>
+                    <a:ext uri="{9D8B030D-6E8A-4147-A177-3AD203B41FA5}">
+                      <a16:colId xmlns:a16="http://schemas.microsoft.com/office/drawing/2014/main" val="1851889152"/>
+                    </a:ext>
+                  </a:extLst>
+                </a:gridCol>
+              </a:tblGrid>
+              <a:tr h="370840">
+                <a:tc>
+                  <a:txBody>
+                    <a:bodyPr/>
+                    <a:lstStyle/>
+                    <a:p>
+                      <a:r>
+                        <a:rPr lang="en-US" altLang="zh-CN" dirty="0"/>
+                        <a:t>               </a:t>
+                      </a:r>
+                      <a:r>
+                        <a:rPr lang="en-US" altLang="zh-CN" dirty="0" err="1"/>
+                        <a:t>ProcInfo</a:t>
+                      </a:r>
+                      <a:endParaRPr lang="zh-CN" altLang="en-US" dirty="0"/>
+                    </a:p>
+                  </a:txBody>
+                  <a:tcPr/>
+                </a:tc>
+                <a:extLst>
+                  <a:ext uri="{0D108BD9-81ED-4DB2-BD59-A6C34878D82A}">
+                    <a16:rowId xmlns:a16="http://schemas.microsoft.com/office/drawing/2014/main" val="1500299134"/>
+                  </a:ext>
+                </a:extLst>
+              </a:tr>
+              <a:tr h="370840">
+                <a:tc>
+                  <a:txBody>
+                    <a:bodyPr/>
+                    <a:lstStyle/>
+                    <a:p>
+                      <a:r>
+                        <a:rPr lang="en-US" altLang="zh-CN" dirty="0"/>
+                        <a:t>bool </a:t>
+                      </a:r>
+                      <a:r>
+                        <a:rPr lang="en-US" altLang="zh-CN" dirty="0" err="1"/>
+                        <a:t>isDefined</a:t>
+                      </a:r>
+                      <a:r>
+                        <a:rPr lang="en-US" altLang="zh-CN" dirty="0"/>
+                        <a:t>;            </a:t>
+                      </a:r>
+                    </a:p>
+                    <a:p>
+                      <a:r>
+                        <a:rPr lang="en-US" altLang="zh-CN" dirty="0" err="1"/>
+                        <a:t>size_t</a:t>
+                      </a:r>
+                      <a:r>
+                        <a:rPr lang="en-US" altLang="zh-CN" dirty="0"/>
+                        <a:t> entry;              </a:t>
+                      </a:r>
+                    </a:p>
+                    <a:p>
+                      <a:r>
+                        <a:rPr lang="en-US" altLang="zh-CN" dirty="0"/>
+                        <a:t>vector&lt;</a:t>
+                      </a:r>
+                      <a:r>
+                        <a:rPr lang="en-US" altLang="zh-CN" dirty="0" err="1"/>
+                        <a:t>size_t</a:t>
+                      </a:r>
+                      <a:r>
+                        <a:rPr lang="en-US" altLang="zh-CN" dirty="0"/>
+                        <a:t>&gt; </a:t>
+                      </a:r>
+                      <a:r>
+                        <a:rPr lang="en-US" altLang="zh-CN" dirty="0" err="1"/>
+                        <a:t>formVarList</a:t>
+                      </a:r>
+                      <a:r>
+                        <a:rPr lang="en-US" altLang="zh-CN" dirty="0"/>
+                        <a:t>;</a:t>
+                      </a:r>
+                      <a:endParaRPr lang="zh-CN" altLang="en-US" dirty="0"/>
+                    </a:p>
+                  </a:txBody>
+                  <a:tcPr/>
+                </a:tc>
+                <a:extLst>
+                  <a:ext uri="{0D108BD9-81ED-4DB2-BD59-A6C34878D82A}">
+                    <a16:rowId xmlns:a16="http://schemas.microsoft.com/office/drawing/2014/main" val="3021499194"/>
+                  </a:ext>
+                </a:extLst>
+              </a:tr>
+              <a:tr h="370840">
+                <a:tc>
+                  <a:txBody>
+                    <a:bodyPr/>
+                    <a:lstStyle/>
+                    <a:p>
+                      <a:r>
+                        <a:rPr lang="en-US" altLang="zh-CN" dirty="0" err="1"/>
+                        <a:t>ProcInfo</a:t>
+                      </a:r>
+                      <a:r>
+                        <a:rPr lang="en-US" altLang="zh-CN" dirty="0"/>
+                        <a:t>() : Information(){};</a:t>
+                      </a:r>
+                    </a:p>
+                    <a:p>
+                      <a:r>
+                        <a:rPr lang="en-US" altLang="zh-CN" dirty="0"/>
+                        <a:t>void show() override;</a:t>
+                      </a:r>
+                      <a:endParaRPr lang="zh-CN" altLang="en-US" dirty="0"/>
+                    </a:p>
+                  </a:txBody>
+                  <a:tcPr/>
+                </a:tc>
+                <a:extLst>
+                  <a:ext uri="{0D108BD9-81ED-4DB2-BD59-A6C34878D82A}">
+                    <a16:rowId xmlns:a16="http://schemas.microsoft.com/office/drawing/2014/main" val="2151529414"/>
+                  </a:ext>
+                </a:extLst>
+              </a:tr>
+            </a:tbl>
+          </a:graphicData>
+        </a:graphic>
+      </p:graphicFrame>
+      <p:graphicFrame>
+        <p:nvGraphicFramePr>
+          <p:cNvPr id="6" name="表格 5">
+            <a:extLst>
+              <a:ext uri="{FF2B5EF4-FFF2-40B4-BE49-F238E27FC236}">
+                <a16:creationId xmlns:a16="http://schemas.microsoft.com/office/drawing/2014/main" id="{3CBC0FAA-995F-0F4E-17B5-43069B1C4934}"/>
+              </a:ext>
+            </a:extLst>
+          </p:cNvPr>
+          <p:cNvGraphicFramePr>
+            <a:graphicFrameLocks noGrp="1"/>
+          </p:cNvGraphicFramePr>
+          <p:nvPr>
+            <p:extLst>
+              <p:ext uri="{D42A27DB-BD31-4B8C-83A1-F6EECF244321}">
+                <p14:modId xmlns:p14="http://schemas.microsoft.com/office/powerpoint/2010/main" val="1600686813"/>
+              </p:ext>
+            </p:extLst>
+          </p:nvPr>
+        </p:nvGraphicFramePr>
+        <p:xfrm>
+          <a:off x="8372181" y="1097280"/>
+          <a:ext cx="3600000" cy="2204720"/>
+        </p:xfrm>
+        <a:graphic>
+          <a:graphicData uri="http://schemas.openxmlformats.org/drawingml/2006/table">
+            <a:tbl>
+              <a:tblPr firstRow="1" bandRow="1">
+                <a:tableStyleId>{5940675A-B579-460E-94D1-54222C63F5DA}</a:tableStyleId>
+              </a:tblPr>
+              <a:tblGrid>
+                <a:gridCol w="3600000">
+                  <a:extLst>
+                    <a:ext uri="{9D8B030D-6E8A-4147-A177-3AD203B41FA5}">
+                      <a16:colId xmlns:a16="http://schemas.microsoft.com/office/drawing/2014/main" val="1851889152"/>
+                    </a:ext>
+                  </a:extLst>
+                </a:gridCol>
+              </a:tblGrid>
+              <a:tr h="370840">
+                <a:tc>
+                  <a:txBody>
+                    <a:bodyPr/>
+                    <a:lstStyle/>
+                    <a:p>
+                      <a:r>
+                        <a:rPr lang="en-US" altLang="zh-CN" dirty="0"/>
+                        <a:t>                               </a:t>
+                      </a:r>
+                      <a:r>
+                        <a:rPr lang="en-US" altLang="zh-CN" dirty="0" err="1"/>
+                        <a:t>VarInfo</a:t>
+                      </a:r>
+                      <a:endParaRPr lang="zh-CN" altLang="en-US" dirty="0"/>
+                    </a:p>
+                  </a:txBody>
+                  <a:tcPr/>
+                </a:tc>
+                <a:extLst>
+                  <a:ext uri="{0D108BD9-81ED-4DB2-BD59-A6C34878D82A}">
+                    <a16:rowId xmlns:a16="http://schemas.microsoft.com/office/drawing/2014/main" val="1500299134"/>
+                  </a:ext>
+                </a:extLst>
+              </a:tr>
+              <a:tr h="370840">
+                <a:tc>
+                  <a:txBody>
+                    <a:bodyPr/>
+                    <a:lstStyle/>
+                    <a:p>
+                      <a:pPr marL="0" marR="0" lvl="0" indent="0" algn="l" defTabSz="914400" rtl="0" eaLnBrk="1" fontAlgn="auto" latinLnBrk="0" hangingPunct="1">
+                        <a:lnSpc>
+                          <a:spcPct val="100000"/>
+                        </a:lnSpc>
+                        <a:spcBef>
+                          <a:spcPts val="0"/>
+                        </a:spcBef>
+                        <a:spcAft>
+                          <a:spcPts val="0"/>
+                        </a:spcAft>
+                        <a:buClrTx/>
+                        <a:buSzTx/>
+                        <a:buFontTx/>
+                        <a:buNone/>
+                        <a:tabLst/>
+                        <a:defRPr/>
+                      </a:pPr>
+                      <a:r>
+                        <a:rPr lang="en-US" altLang="zh-CN" sz="1800" b="0" kern="1200" dirty="0">
+                          <a:solidFill>
+                            <a:schemeClr val="tx1"/>
+                          </a:solidFill>
+                          <a:effectLst/>
+                          <a:latin typeface="+mn-lt"/>
+                          <a:ea typeface="+mn-ea"/>
+                          <a:cs typeface="+mn-cs"/>
+                        </a:rPr>
+                        <a:t>int value; </a:t>
+                      </a:r>
+                    </a:p>
+                  </a:txBody>
+                  <a:tcPr/>
+                </a:tc>
+                <a:extLst>
+                  <a:ext uri="{0D108BD9-81ED-4DB2-BD59-A6C34878D82A}">
+                    <a16:rowId xmlns:a16="http://schemas.microsoft.com/office/drawing/2014/main" val="3021499194"/>
+                  </a:ext>
+                </a:extLst>
+              </a:tr>
+              <a:tr h="370840">
+                <a:tc>
+                  <a:txBody>
+                    <a:bodyPr/>
+                    <a:lstStyle/>
+                    <a:p>
+                      <a:r>
+                        <a:rPr lang="en-US" altLang="zh-CN" dirty="0" err="1"/>
+                        <a:t>VarInfo</a:t>
+                      </a:r>
+                      <a:r>
+                        <a:rPr lang="en-US" altLang="zh-CN" dirty="0"/>
+                        <a:t>() : Information(),value(0) {};</a:t>
+                      </a:r>
+                    </a:p>
+                    <a:p>
+                      <a:r>
+                        <a:rPr lang="en-US" altLang="zh-CN" dirty="0"/>
+                        <a:t>void </a:t>
+                      </a:r>
+                      <a:r>
+                        <a:rPr lang="en-US" altLang="zh-CN" dirty="0" err="1"/>
+                        <a:t>SetValue</a:t>
+                      </a:r>
+                      <a:r>
+                        <a:rPr lang="en-US" altLang="zh-CN" dirty="0"/>
+                        <a:t>(</a:t>
+                      </a:r>
+                      <a:r>
+                        <a:rPr lang="en-US" altLang="zh-CN" dirty="0" err="1"/>
+                        <a:t>wstring</a:t>
+                      </a:r>
+                      <a:r>
+                        <a:rPr lang="en-US" altLang="zh-CN" dirty="0"/>
+                        <a:t> </a:t>
+                      </a:r>
+                      <a:r>
+                        <a:rPr lang="en-US" altLang="zh-CN" dirty="0" err="1"/>
+                        <a:t>val</a:t>
+                      </a:r>
+                      <a:r>
+                        <a:rPr lang="en-US" altLang="zh-CN" dirty="0"/>
+                        <a:t>) override;</a:t>
+                      </a:r>
+                    </a:p>
+                    <a:p>
+                      <a:r>
+                        <a:rPr lang="en-US" altLang="zh-CN" dirty="0"/>
+                        <a:t>void </a:t>
+                      </a:r>
+                      <a:r>
+                        <a:rPr lang="en-US" altLang="zh-CN" dirty="0" err="1"/>
+                        <a:t>SetValue</a:t>
+                      </a:r>
+                      <a:r>
+                        <a:rPr lang="en-US" altLang="zh-CN" dirty="0"/>
+                        <a:t>(int </a:t>
+                      </a:r>
+                      <a:r>
+                        <a:rPr lang="en-US" altLang="zh-CN" dirty="0" err="1"/>
+                        <a:t>nowValue</a:t>
+                      </a:r>
+                      <a:r>
+                        <a:rPr lang="en-US" altLang="zh-CN" dirty="0"/>
+                        <a:t>);</a:t>
+                      </a:r>
+                    </a:p>
+                    <a:p>
+                      <a:r>
+                        <a:rPr lang="en-US" altLang="zh-CN" dirty="0"/>
+                        <a:t>int </a:t>
+                      </a:r>
+                      <a:r>
+                        <a:rPr lang="en-US" altLang="zh-CN" dirty="0" err="1"/>
+                        <a:t>GetValue</a:t>
+                      </a:r>
+                      <a:r>
+                        <a:rPr lang="en-US" altLang="zh-CN" dirty="0"/>
+                        <a:t>() override;</a:t>
+                      </a:r>
+                    </a:p>
+                    <a:p>
+                      <a:r>
+                        <a:rPr lang="en-US" altLang="zh-CN" dirty="0"/>
+                        <a:t>void show() override;</a:t>
+                      </a:r>
+                      <a:endParaRPr lang="zh-CN" altLang="en-US" dirty="0"/>
+                    </a:p>
+                  </a:txBody>
+                  <a:tcPr/>
+                </a:tc>
+                <a:extLst>
+                  <a:ext uri="{0D108BD9-81ED-4DB2-BD59-A6C34878D82A}">
+                    <a16:rowId xmlns:a16="http://schemas.microsoft.com/office/drawing/2014/main" val="2151529414"/>
+                  </a:ext>
+                </a:extLst>
+              </a:tr>
+            </a:tbl>
+          </a:graphicData>
+        </a:graphic>
+      </p:graphicFrame>
+      <p:graphicFrame>
+        <p:nvGraphicFramePr>
+          <p:cNvPr id="7" name="表格 6">
+            <a:extLst>
+              <a:ext uri="{FF2B5EF4-FFF2-40B4-BE49-F238E27FC236}">
+                <a16:creationId xmlns:a16="http://schemas.microsoft.com/office/drawing/2014/main" id="{C76702CD-A825-89A1-81E2-1FABDB9F2105}"/>
+              </a:ext>
+            </a:extLst>
+          </p:cNvPr>
+          <p:cNvGraphicFramePr>
+            <a:graphicFrameLocks noGrp="1"/>
+          </p:cNvGraphicFramePr>
+          <p:nvPr>
+            <p:extLst>
+              <p:ext uri="{D42A27DB-BD31-4B8C-83A1-F6EECF244321}">
+                <p14:modId xmlns:p14="http://schemas.microsoft.com/office/powerpoint/2010/main" val="517667713"/>
+              </p:ext>
+            </p:extLst>
+          </p:nvPr>
+        </p:nvGraphicFramePr>
+        <p:xfrm>
+          <a:off x="6466876" y="4658360"/>
+          <a:ext cx="4176000" cy="2199640"/>
+        </p:xfrm>
+        <a:graphic>
+          <a:graphicData uri="http://schemas.openxmlformats.org/drawingml/2006/table">
+            <a:tbl>
+              <a:tblPr firstRow="1" bandRow="1">
+                <a:tableStyleId>{5940675A-B579-460E-94D1-54222C63F5DA}</a:tableStyleId>
+              </a:tblPr>
+              <a:tblGrid>
+                <a:gridCol w="4176000">
+                  <a:extLst>
+                    <a:ext uri="{9D8B030D-6E8A-4147-A177-3AD203B41FA5}">
+                      <a16:colId xmlns:a16="http://schemas.microsoft.com/office/drawing/2014/main" val="1851889152"/>
+                    </a:ext>
+                  </a:extLst>
+                </a:gridCol>
+              </a:tblGrid>
+              <a:tr h="370840">
+                <a:tc>
+                  <a:txBody>
+                    <a:bodyPr/>
+                    <a:lstStyle/>
+                    <a:p>
+                      <a:r>
+                        <a:rPr lang="en-US" altLang="zh-CN" dirty="0"/>
+                        <a:t>                        </a:t>
+                      </a:r>
+                      <a:r>
+                        <a:rPr lang="en-US" altLang="zh-CN" dirty="0" err="1"/>
+                        <a:t>Infomation</a:t>
+                      </a:r>
+                      <a:endParaRPr lang="zh-CN" altLang="en-US" dirty="0"/>
+                    </a:p>
+                  </a:txBody>
+                  <a:tcPr/>
+                </a:tc>
+                <a:extLst>
+                  <a:ext uri="{0D108BD9-81ED-4DB2-BD59-A6C34878D82A}">
+                    <a16:rowId xmlns:a16="http://schemas.microsoft.com/office/drawing/2014/main" val="1500299134"/>
+                  </a:ext>
+                </a:extLst>
+              </a:tr>
+              <a:tr h="370840">
+                <a:tc>
+                  <a:txBody>
+                    <a:bodyPr/>
+                    <a:lstStyle/>
+                    <a:p>
+                      <a:pPr marL="0" marR="0" lvl="0" indent="0" algn="l" defTabSz="914400" rtl="0" eaLnBrk="1" fontAlgn="auto" latinLnBrk="0" hangingPunct="1">
+                        <a:lnSpc>
+                          <a:spcPct val="100000"/>
+                        </a:lnSpc>
+                        <a:spcBef>
+                          <a:spcPts val="0"/>
+                        </a:spcBef>
+                        <a:spcAft>
+                          <a:spcPts val="0"/>
+                        </a:spcAft>
+                        <a:buClrTx/>
+                        <a:buSzTx/>
+                        <a:buFontTx/>
+                        <a:buNone/>
+                        <a:tabLst/>
+                        <a:defRPr/>
+                      </a:pPr>
+                      <a:r>
+                        <a:rPr lang="en-US" altLang="zh-CN" sz="1800" b="0" kern="1200" dirty="0">
+                          <a:solidFill>
+                            <a:schemeClr val="tx1"/>
+                          </a:solidFill>
+                          <a:effectLst/>
+                          <a:latin typeface="+mn-lt"/>
+                          <a:ea typeface="+mn-ea"/>
+                          <a:cs typeface="+mn-cs"/>
+                        </a:rPr>
+                        <a:t>Category cat;</a:t>
+                      </a:r>
+                    </a:p>
+                    <a:p>
+                      <a:pPr marL="0" marR="0" lvl="0" indent="0" algn="l" defTabSz="914400" rtl="0" eaLnBrk="1" fontAlgn="auto" latinLnBrk="0" hangingPunct="1">
+                        <a:lnSpc>
+                          <a:spcPct val="100000"/>
+                        </a:lnSpc>
+                        <a:spcBef>
+                          <a:spcPts val="0"/>
+                        </a:spcBef>
+                        <a:spcAft>
+                          <a:spcPts val="0"/>
+                        </a:spcAft>
+                        <a:buClrTx/>
+                        <a:buSzTx/>
+                        <a:buFontTx/>
+                        <a:buNone/>
+                        <a:tabLst/>
+                        <a:defRPr/>
+                      </a:pPr>
+                      <a:r>
+                        <a:rPr lang="en-US" altLang="zh-CN" sz="1800" b="0" kern="1200" dirty="0" err="1">
+                          <a:solidFill>
+                            <a:schemeClr val="tx1"/>
+                          </a:solidFill>
+                          <a:effectLst/>
+                          <a:latin typeface="+mn-lt"/>
+                          <a:ea typeface="+mn-ea"/>
+                          <a:cs typeface="+mn-cs"/>
+                        </a:rPr>
+                        <a:t>size_t</a:t>
+                      </a:r>
+                      <a:r>
+                        <a:rPr lang="en-US" altLang="zh-CN" sz="1800" b="0" kern="1200" dirty="0">
+                          <a:solidFill>
+                            <a:schemeClr val="tx1"/>
+                          </a:solidFill>
+                          <a:effectLst/>
+                          <a:latin typeface="+mn-lt"/>
+                          <a:ea typeface="+mn-ea"/>
+                          <a:cs typeface="+mn-cs"/>
+                        </a:rPr>
+                        <a:t> level;</a:t>
+                      </a:r>
+                    </a:p>
+                  </a:txBody>
+                  <a:tcPr/>
+                </a:tc>
+                <a:extLst>
+                  <a:ext uri="{0D108BD9-81ED-4DB2-BD59-A6C34878D82A}">
+                    <a16:rowId xmlns:a16="http://schemas.microsoft.com/office/drawing/2014/main" val="3021499194"/>
+                  </a:ext>
+                </a:extLst>
+              </a:tr>
+              <a:tr h="370840">
+                <a:tc>
+                  <a:txBody>
+                    <a:bodyPr/>
+                    <a:lstStyle/>
+                    <a:p>
+                      <a:r>
+                        <a:rPr lang="en-US" altLang="zh-CN" dirty="0"/>
+                        <a:t>Information():cat(Category::NIL),level(0){};</a:t>
+                      </a:r>
+                    </a:p>
+                    <a:p>
+                      <a:r>
+                        <a:rPr lang="en-US" altLang="zh-CN" dirty="0"/>
+                        <a:t>virtual void </a:t>
+                      </a:r>
+                      <a:r>
+                        <a:rPr lang="en-US" altLang="zh-CN" dirty="0" err="1"/>
+                        <a:t>SetValue</a:t>
+                      </a:r>
+                      <a:r>
+                        <a:rPr lang="en-US" altLang="zh-CN" dirty="0"/>
+                        <a:t>(</a:t>
+                      </a:r>
+                      <a:r>
+                        <a:rPr lang="en-US" altLang="zh-CN" dirty="0" err="1"/>
+                        <a:t>wstring</a:t>
+                      </a:r>
+                      <a:r>
+                        <a:rPr lang="en-US" altLang="zh-CN" dirty="0"/>
+                        <a:t> value) {}</a:t>
+                      </a:r>
+                    </a:p>
+                    <a:p>
+                      <a:r>
+                        <a:rPr lang="en-US" altLang="zh-CN" dirty="0"/>
+                        <a:t>virtual int </a:t>
+                      </a:r>
+                      <a:r>
+                        <a:rPr lang="en-US" altLang="zh-CN" dirty="0" err="1"/>
+                        <a:t>GetValue</a:t>
+                      </a:r>
+                      <a:r>
+                        <a:rPr lang="en-US" altLang="zh-CN" dirty="0"/>
+                        <a:t>() { return -1; }</a:t>
+                      </a:r>
+                    </a:p>
+                    <a:p>
+                      <a:r>
+                        <a:rPr lang="en-US" altLang="zh-CN" dirty="0"/>
+                        <a:t>virtual void show();</a:t>
+                      </a:r>
+                      <a:endParaRPr lang="zh-CN" altLang="en-US" dirty="0"/>
+                    </a:p>
+                  </a:txBody>
+                  <a:tcPr/>
+                </a:tc>
+                <a:extLst>
+                  <a:ext uri="{0D108BD9-81ED-4DB2-BD59-A6C34878D82A}">
+                    <a16:rowId xmlns:a16="http://schemas.microsoft.com/office/drawing/2014/main" val="2151529414"/>
+                  </a:ext>
+                </a:extLst>
+              </a:tr>
+            </a:tbl>
+          </a:graphicData>
+        </a:graphic>
+      </p:graphicFrame>
+      <p:graphicFrame>
+        <p:nvGraphicFramePr>
+          <p:cNvPr id="8" name="表格 7">
+            <a:extLst>
+              <a:ext uri="{FF2B5EF4-FFF2-40B4-BE49-F238E27FC236}">
+                <a16:creationId xmlns:a16="http://schemas.microsoft.com/office/drawing/2014/main" id="{822CE086-EB81-D28B-B64F-92490816361F}"/>
+              </a:ext>
+            </a:extLst>
+          </p:cNvPr>
+          <p:cNvGraphicFramePr>
+            <a:graphicFrameLocks noGrp="1"/>
+          </p:cNvGraphicFramePr>
+          <p:nvPr>
+            <p:extLst>
+              <p:ext uri="{D42A27DB-BD31-4B8C-83A1-F6EECF244321}">
+                <p14:modId xmlns:p14="http://schemas.microsoft.com/office/powerpoint/2010/main" val="898519460"/>
+              </p:ext>
+            </p:extLst>
+          </p:nvPr>
+        </p:nvGraphicFramePr>
+        <p:xfrm>
+          <a:off x="1530000" y="5089510"/>
+          <a:ext cx="1872000" cy="1656080"/>
+        </p:xfrm>
+        <a:graphic>
+          <a:graphicData uri="http://schemas.openxmlformats.org/drawingml/2006/table">
+            <a:tbl>
+              <a:tblPr firstRow="1" bandRow="1">
+                <a:tableStyleId>{5940675A-B579-460E-94D1-54222C63F5DA}</a:tableStyleId>
+              </a:tblPr>
+              <a:tblGrid>
+                <a:gridCol w="1872000">
+                  <a:extLst>
+                    <a:ext uri="{9D8B030D-6E8A-4147-A177-3AD203B41FA5}">
+                      <a16:colId xmlns:a16="http://schemas.microsoft.com/office/drawing/2014/main" val="1851889152"/>
+                    </a:ext>
+                  </a:extLst>
+                </a:gridCol>
+              </a:tblGrid>
+              <a:tr h="370840">
+                <a:tc>
+                  <a:txBody>
+                    <a:bodyPr/>
+                    <a:lstStyle/>
+                    <a:p>
+                      <a:r>
+                        <a:rPr lang="en-US" altLang="zh-CN" dirty="0"/>
+                        <a:t>   </a:t>
+                      </a:r>
+                      <a:r>
+                        <a:rPr lang="en-US" altLang="zh-CN" dirty="0" err="1"/>
+                        <a:t>SymTableItem</a:t>
+                      </a:r>
+                      <a:endParaRPr lang="zh-CN" altLang="en-US" dirty="0"/>
+                    </a:p>
+                  </a:txBody>
+                  <a:tcPr/>
+                </a:tc>
+                <a:extLst>
+                  <a:ext uri="{0D108BD9-81ED-4DB2-BD59-A6C34878D82A}">
+                    <a16:rowId xmlns:a16="http://schemas.microsoft.com/office/drawing/2014/main" val="1500299134"/>
+                  </a:ext>
+                </a:extLst>
+              </a:tr>
+              <a:tr h="370840">
+                <a:tc>
+                  <a:txBody>
+                    <a:bodyPr/>
+                    <a:lstStyle/>
+                    <a:p>
+                      <a:r>
+                        <a:rPr lang="en-US" altLang="zh-CN" dirty="0"/>
+                        <a:t>Information *info;</a:t>
+                      </a:r>
+                    </a:p>
+                    <a:p>
+                      <a:r>
+                        <a:rPr lang="en-US" altLang="zh-CN" dirty="0" err="1"/>
+                        <a:t>wstring</a:t>
+                      </a:r>
+                      <a:r>
+                        <a:rPr lang="en-US" altLang="zh-CN" dirty="0"/>
+                        <a:t> name;     </a:t>
+                      </a:r>
+                    </a:p>
+                    <a:p>
+                      <a:r>
+                        <a:rPr lang="en-US" altLang="zh-CN" dirty="0" err="1"/>
+                        <a:t>size_t</a:t>
+                      </a:r>
+                      <a:r>
+                        <a:rPr lang="en-US" altLang="zh-CN" dirty="0"/>
+                        <a:t> previous;  </a:t>
+                      </a:r>
+                    </a:p>
+                  </a:txBody>
+                  <a:tcPr/>
+                </a:tc>
+                <a:extLst>
+                  <a:ext uri="{0D108BD9-81ED-4DB2-BD59-A6C34878D82A}">
+                    <a16:rowId xmlns:a16="http://schemas.microsoft.com/office/drawing/2014/main" val="3021499194"/>
+                  </a:ext>
+                </a:extLst>
+              </a:tr>
+              <a:tr h="370840">
+                <a:tc>
+                  <a:txBody>
+                    <a:bodyPr/>
+                    <a:lstStyle/>
+                    <a:p>
+                      <a:pPr marL="0" marR="0" lvl="0" indent="0" algn="l" defTabSz="914400" rtl="0" eaLnBrk="1" fontAlgn="auto" latinLnBrk="0" hangingPunct="1">
+                        <a:lnSpc>
+                          <a:spcPct val="100000"/>
+                        </a:lnSpc>
+                        <a:spcBef>
+                          <a:spcPts val="0"/>
+                        </a:spcBef>
+                        <a:spcAft>
+                          <a:spcPts val="0"/>
+                        </a:spcAft>
+                        <a:buClrTx/>
+                        <a:buSzTx/>
+                        <a:buFontTx/>
+                        <a:buNone/>
+                        <a:tabLst/>
+                        <a:defRPr/>
+                      </a:pPr>
+                      <a:r>
+                        <a:rPr lang="en-US" altLang="zh-CN" sz="1800" b="0" kern="1200" dirty="0">
+                          <a:solidFill>
+                            <a:schemeClr val="tx1"/>
+                          </a:solidFill>
+                          <a:effectLst/>
+                          <a:latin typeface="+mn-lt"/>
+                          <a:ea typeface="+mn-ea"/>
+                          <a:cs typeface="+mn-cs"/>
+                        </a:rPr>
+                        <a:t>void show();</a:t>
+                      </a:r>
+                    </a:p>
+                  </a:txBody>
+                  <a:tcPr/>
+                </a:tc>
+                <a:extLst>
+                  <a:ext uri="{0D108BD9-81ED-4DB2-BD59-A6C34878D82A}">
+                    <a16:rowId xmlns:a16="http://schemas.microsoft.com/office/drawing/2014/main" val="2151529414"/>
+                  </a:ext>
+                </a:extLst>
+              </a:tr>
+            </a:tbl>
+          </a:graphicData>
+        </a:graphic>
+      </p:graphicFrame>
+      <p:cxnSp>
+        <p:nvCxnSpPr>
+          <p:cNvPr id="10" name="直接连接符 9">
+            <a:extLst>
+              <a:ext uri="{FF2B5EF4-FFF2-40B4-BE49-F238E27FC236}">
+                <a16:creationId xmlns:a16="http://schemas.microsoft.com/office/drawing/2014/main" id="{1B644952-8E0B-742C-BCC2-7CB570C8866D}"/>
+              </a:ext>
+            </a:extLst>
+          </p:cNvPr>
+          <p:cNvCxnSpPr>
+            <a:cxnSpLocks/>
+            <a:endCxn id="3" idx="2"/>
+          </p:cNvCxnSpPr>
+          <p:nvPr/>
+        </p:nvCxnSpPr>
+        <p:spPr>
+          <a:xfrm flipV="1">
+            <a:off x="2466000" y="4119880"/>
+            <a:ext cx="0" cy="969630"/>
+          </a:xfrm>
+          <a:prstGeom prst="line">
+            <a:avLst/>
+          </a:prstGeom>
+          <a:ln>
+            <a:solidFill>
+              <a:schemeClr val="tx1"/>
+            </a:solidFill>
+          </a:ln>
+        </p:spPr>
+        <p:style>
+          <a:lnRef idx="1">
+            <a:schemeClr val="accent1"/>
+          </a:lnRef>
+          <a:fillRef idx="0">
+            <a:schemeClr val="accent1"/>
+          </a:fillRef>
+          <a:effectRef idx="0">
+            <a:schemeClr val="accent1"/>
+          </a:effectRef>
+          <a:fontRef idx="minor">
+            <a:schemeClr val="tx1"/>
+          </a:fontRef>
+        </p:style>
+      </p:cxnSp>
+      <p:sp>
+        <p:nvSpPr>
+          <p:cNvPr id="12" name="菱形 11">
+            <a:extLst>
+              <a:ext uri="{FF2B5EF4-FFF2-40B4-BE49-F238E27FC236}">
+                <a16:creationId xmlns:a16="http://schemas.microsoft.com/office/drawing/2014/main" id="{FD0BCE29-FF84-42E4-68D2-BF12930D242D}"/>
+              </a:ext>
+            </a:extLst>
+          </p:cNvPr>
+          <p:cNvSpPr/>
+          <p:nvPr/>
+        </p:nvSpPr>
+        <p:spPr>
+          <a:xfrm>
+            <a:off x="2332158" y="4131862"/>
+            <a:ext cx="267684" cy="410048"/>
+          </a:xfrm>
+          <a:prstGeom prst="diamond">
+            <a:avLst/>
+          </a:prstGeom>
+          <a:solidFill>
+            <a:schemeClr val="tx1"/>
+          </a:solidFill>
+          <a:ln>
+            <a:solidFill>
+              <a:schemeClr val="tx1"/>
+            </a:solidFill>
+          </a:ln>
+        </p:spPr>
+        <p:style>
+          <a:lnRef idx="2">
+            <a:schemeClr val="accent1">
+              <a:shade val="15000"/>
+            </a:schemeClr>
+          </a:lnRef>
+          <a:fillRef idx="1">
+            <a:schemeClr val="accent1"/>
+          </a:fillRef>
+          <a:effectRef idx="0">
+            <a:schemeClr val="accent1"/>
+          </a:effectRef>
+          <a:fontRef idx="minor">
+            <a:schemeClr val="lt1"/>
+          </a:fontRef>
+        </p:style>
+        <p:txBody>
+          <a:bodyPr rtlCol="0" anchor="ctr"/>
+          <a:lstStyle/>
+          <a:p>
+            <a:pPr algn="ctr"/>
+            <a:endParaRPr lang="zh-CN" altLang="en-US"/>
+          </a:p>
+        </p:txBody>
+      </p:sp>
+      <p:cxnSp>
+        <p:nvCxnSpPr>
+          <p:cNvPr id="13" name="直接连接符 12">
+            <a:extLst>
+              <a:ext uri="{FF2B5EF4-FFF2-40B4-BE49-F238E27FC236}">
+                <a16:creationId xmlns:a16="http://schemas.microsoft.com/office/drawing/2014/main" id="{92B18132-0A8F-E440-DC05-5626CEC875AB}"/>
+              </a:ext>
+            </a:extLst>
+          </p:cNvPr>
+          <p:cNvCxnSpPr>
+            <a:cxnSpLocks/>
+            <a:stCxn id="14" idx="1"/>
+          </p:cNvCxnSpPr>
+          <p:nvPr/>
+        </p:nvCxnSpPr>
+        <p:spPr>
+          <a:xfrm>
+            <a:off x="3402000" y="5970563"/>
+            <a:ext cx="3064876" cy="0"/>
+          </a:xfrm>
+          <a:prstGeom prst="line">
+            <a:avLst/>
+          </a:prstGeom>
+          <a:ln>
+            <a:solidFill>
+              <a:schemeClr val="tx1"/>
+            </a:solidFill>
+          </a:ln>
+        </p:spPr>
+        <p:style>
+          <a:lnRef idx="1">
+            <a:schemeClr val="accent1"/>
+          </a:lnRef>
+          <a:fillRef idx="0">
+            <a:schemeClr val="accent1"/>
+          </a:fillRef>
+          <a:effectRef idx="0">
+            <a:schemeClr val="accent1"/>
+          </a:effectRef>
+          <a:fontRef idx="minor">
+            <a:schemeClr val="tx1"/>
+          </a:fontRef>
+        </p:style>
+      </p:cxnSp>
+      <p:sp>
+        <p:nvSpPr>
+          <p:cNvPr id="14" name="菱形 13">
+            <a:extLst>
+              <a:ext uri="{FF2B5EF4-FFF2-40B4-BE49-F238E27FC236}">
+                <a16:creationId xmlns:a16="http://schemas.microsoft.com/office/drawing/2014/main" id="{A122BF40-0539-3F04-C1E6-B06500986A8B}"/>
+              </a:ext>
+            </a:extLst>
+          </p:cNvPr>
+          <p:cNvSpPr/>
+          <p:nvPr/>
+        </p:nvSpPr>
+        <p:spPr>
+          <a:xfrm>
+            <a:off x="3402000" y="5812561"/>
+            <a:ext cx="456302" cy="316004"/>
+          </a:xfrm>
+          <a:prstGeom prst="diamond">
+            <a:avLst/>
+          </a:prstGeom>
+          <a:solidFill>
+            <a:schemeClr val="tx1"/>
+          </a:solidFill>
+          <a:ln>
+            <a:solidFill>
+              <a:schemeClr val="tx1"/>
+            </a:solidFill>
+          </a:ln>
+        </p:spPr>
+        <p:style>
+          <a:lnRef idx="2">
+            <a:schemeClr val="accent1">
+              <a:shade val="15000"/>
+            </a:schemeClr>
+          </a:lnRef>
+          <a:fillRef idx="1">
+            <a:schemeClr val="accent1"/>
+          </a:fillRef>
+          <a:effectRef idx="0">
+            <a:schemeClr val="accent1"/>
+          </a:effectRef>
+          <a:fontRef idx="minor">
+            <a:schemeClr val="lt1"/>
+          </a:fontRef>
+        </p:style>
+        <p:txBody>
+          <a:bodyPr rtlCol="0" anchor="ctr"/>
+          <a:lstStyle/>
+          <a:p>
+            <a:pPr algn="ctr"/>
+            <a:endParaRPr lang="zh-CN" altLang="en-US" dirty="0"/>
+          </a:p>
+        </p:txBody>
+      </p:sp>
+      <p:cxnSp>
+        <p:nvCxnSpPr>
+          <p:cNvPr id="22" name="直接连接符 21">
+            <a:extLst>
+              <a:ext uri="{FF2B5EF4-FFF2-40B4-BE49-F238E27FC236}">
+                <a16:creationId xmlns:a16="http://schemas.microsoft.com/office/drawing/2014/main" id="{01BFA6FC-95B2-2C27-1422-951CD8B11EA3}"/>
+              </a:ext>
+            </a:extLst>
+          </p:cNvPr>
+          <p:cNvCxnSpPr>
+            <a:cxnSpLocks/>
+            <a:stCxn id="5" idx="2"/>
+          </p:cNvCxnSpPr>
+          <p:nvPr/>
+        </p:nvCxnSpPr>
+        <p:spPr>
+          <a:xfrm>
+            <a:off x="6606037" y="3162300"/>
+            <a:ext cx="1948839" cy="1234277"/>
+          </a:xfrm>
+          <a:prstGeom prst="line">
+            <a:avLst/>
+          </a:prstGeom>
+          <a:ln>
+            <a:solidFill>
+              <a:schemeClr val="tx1"/>
+            </a:solidFill>
+            <a:prstDash val="dash"/>
+          </a:ln>
+        </p:spPr>
+        <p:style>
+          <a:lnRef idx="1">
+            <a:schemeClr val="accent1"/>
+          </a:lnRef>
+          <a:fillRef idx="0">
+            <a:schemeClr val="accent1"/>
+          </a:fillRef>
+          <a:effectRef idx="0">
+            <a:schemeClr val="accent1"/>
+          </a:effectRef>
+          <a:fontRef idx="minor">
+            <a:schemeClr val="tx1"/>
+          </a:fontRef>
+        </p:style>
+      </p:cxnSp>
+      <p:sp>
+        <p:nvSpPr>
+          <p:cNvPr id="25" name="流程图: 合并 24">
+            <a:extLst>
+              <a:ext uri="{FF2B5EF4-FFF2-40B4-BE49-F238E27FC236}">
+                <a16:creationId xmlns:a16="http://schemas.microsoft.com/office/drawing/2014/main" id="{D788026C-3883-81C8-9371-8743FF991A1A}"/>
+              </a:ext>
+            </a:extLst>
+          </p:cNvPr>
+          <p:cNvSpPr/>
+          <p:nvPr/>
+        </p:nvSpPr>
+        <p:spPr>
+          <a:xfrm>
+            <a:off x="8402035" y="4396577"/>
+            <a:ext cx="321856" cy="290666"/>
+          </a:xfrm>
+          <a:prstGeom prst="flowChartMerge">
+            <a:avLst/>
+          </a:prstGeom>
+          <a:solidFill>
+            <a:schemeClr val="tx1"/>
+          </a:solidFill>
+          <a:ln>
+            <a:solidFill>
+              <a:schemeClr val="tx1"/>
+            </a:solidFill>
+          </a:ln>
+          <a:scene3d>
+            <a:camera prst="orthographicFront">
+              <a:rot lat="0" lon="0" rev="0"/>
+            </a:camera>
+            <a:lightRig rig="threePt" dir="t"/>
+          </a:scene3d>
+        </p:spPr>
+        <p:style>
+          <a:lnRef idx="2">
+            <a:schemeClr val="accent1">
+              <a:shade val="15000"/>
+            </a:schemeClr>
+          </a:lnRef>
+          <a:fillRef idx="1">
+            <a:schemeClr val="accent1"/>
+          </a:fillRef>
+          <a:effectRef idx="0">
+            <a:schemeClr val="accent1"/>
+          </a:effectRef>
+          <a:fontRef idx="minor">
+            <a:schemeClr val="lt1"/>
+          </a:fontRef>
+        </p:style>
+        <p:txBody>
+          <a:bodyPr rtlCol="0" anchor="ctr"/>
+          <a:lstStyle/>
+          <a:p>
+            <a:pPr algn="ctr"/>
+            <a:endParaRPr lang="zh-CN" altLang="en-US"/>
+          </a:p>
+        </p:txBody>
+      </p:sp>
+      <p:cxnSp>
+        <p:nvCxnSpPr>
+          <p:cNvPr id="28" name="直接连接符 27">
+            <a:extLst>
+              <a:ext uri="{FF2B5EF4-FFF2-40B4-BE49-F238E27FC236}">
+                <a16:creationId xmlns:a16="http://schemas.microsoft.com/office/drawing/2014/main" id="{8F768892-BE15-8013-F82C-BD7710DF9C97}"/>
+              </a:ext>
+            </a:extLst>
+          </p:cNvPr>
+          <p:cNvCxnSpPr>
+            <a:cxnSpLocks/>
+            <a:stCxn id="6" idx="2"/>
+          </p:cNvCxnSpPr>
+          <p:nvPr/>
+        </p:nvCxnSpPr>
+        <p:spPr>
+          <a:xfrm flipH="1">
+            <a:off x="8554876" y="3302000"/>
+            <a:ext cx="1617305" cy="1034886"/>
+          </a:xfrm>
+          <a:prstGeom prst="line">
+            <a:avLst/>
+          </a:prstGeom>
+          <a:ln>
+            <a:solidFill>
+              <a:schemeClr val="tx1"/>
+            </a:solidFill>
+            <a:prstDash val="dash"/>
+          </a:ln>
+        </p:spPr>
+        <p:style>
+          <a:lnRef idx="1">
+            <a:schemeClr val="accent1"/>
+          </a:lnRef>
+          <a:fillRef idx="0">
+            <a:schemeClr val="accent1"/>
+          </a:fillRef>
+          <a:effectRef idx="0">
+            <a:schemeClr val="accent1"/>
+          </a:effectRef>
+          <a:fontRef idx="minor">
+            <a:schemeClr val="tx1"/>
+          </a:fontRef>
+        </p:style>
+      </p:cxnSp>
     </p:spTree>
     <p:extLst>
       <p:ext uri="{BB962C8B-B14F-4D97-AF65-F5344CB8AC3E}">
@@ -8004,6 +9593,4357 @@
           <a:chExt cx="0" cy="0"/>
         </a:xfrm>
       </p:grpSpPr>
+      <p:sp>
+        <p:nvSpPr>
+          <p:cNvPr id="3" name="文本框 2">
+            <a:extLst>
+              <a:ext uri="{FF2B5EF4-FFF2-40B4-BE49-F238E27FC236}">
+                <a16:creationId xmlns:a16="http://schemas.microsoft.com/office/drawing/2014/main" id="{7E7C5B9E-9380-A7C0-D9DC-A5D679B619BE}"/>
+              </a:ext>
+            </a:extLst>
+          </p:cNvPr>
+          <p:cNvSpPr txBox="1"/>
+          <p:nvPr/>
+        </p:nvSpPr>
+        <p:spPr>
+          <a:xfrm>
+            <a:off x="222404" y="421920"/>
+            <a:ext cx="2740572" cy="5632311"/>
+          </a:xfrm>
+          <a:prstGeom prst="rect">
+            <a:avLst/>
+          </a:prstGeom>
+          <a:noFill/>
+        </p:spPr>
+        <p:txBody>
+          <a:bodyPr wrap="square">
+            <a:spAutoFit/>
+          </a:bodyPr>
+          <a:lstStyle/>
+          <a:p>
+            <a:r>
+              <a:rPr lang="zh-CN" altLang="en-US" dirty="0"/>
+              <a:t>program </a:t>
+            </a:r>
+            <a:r>
+              <a:rPr lang="zh-CN" altLang="en-US" dirty="0">
+                <a:solidFill>
+                  <a:srgbClr val="FF0000"/>
+                </a:solidFill>
+              </a:rPr>
+              <a:t>A</a:t>
+            </a:r>
+            <a:r>
+              <a:rPr lang="zh-CN" altLang="en-US" dirty="0"/>
+              <a:t>;</a:t>
+            </a:r>
+          </a:p>
+          <a:p>
+            <a:r>
+              <a:rPr lang="zh-CN" altLang="en-US" dirty="0">
+                <a:solidFill>
+                  <a:srgbClr val="FF0000"/>
+                </a:solidFill>
+              </a:rPr>
+              <a:t>var a;</a:t>
+            </a:r>
+          </a:p>
+          <a:p>
+            <a:r>
+              <a:rPr lang="zh-CN" altLang="en-US" dirty="0">
+                <a:solidFill>
+                  <a:srgbClr val="FF0000"/>
+                </a:solidFill>
+              </a:rPr>
+              <a:t>procedure P</a:t>
+            </a:r>
+            <a:r>
+              <a:rPr lang="zh-CN" altLang="en-US" dirty="0"/>
+              <a:t>(</a:t>
+            </a:r>
+            <a:r>
+              <a:rPr lang="zh-CN" altLang="en-US" dirty="0">
+                <a:solidFill>
+                  <a:schemeClr val="accent2"/>
+                </a:solidFill>
+              </a:rPr>
+              <a:t>i</a:t>
+            </a:r>
+            <a:r>
+              <a:rPr lang="zh-CN" altLang="en-US" dirty="0"/>
+              <a:t>);</a:t>
+            </a:r>
+          </a:p>
+          <a:p>
+            <a:r>
+              <a:rPr lang="zh-CN" altLang="en-US" dirty="0">
+                <a:solidFill>
+                  <a:schemeClr val="accent2"/>
+                </a:solidFill>
+              </a:rPr>
+              <a:t>    var a;</a:t>
+            </a:r>
+          </a:p>
+          <a:p>
+            <a:r>
+              <a:rPr lang="zh-CN" altLang="en-US" dirty="0">
+                <a:solidFill>
+                  <a:schemeClr val="accent2"/>
+                </a:solidFill>
+              </a:rPr>
+              <a:t>    procedure Pa</a:t>
+            </a:r>
+            <a:r>
+              <a:rPr lang="zh-CN" altLang="en-US" dirty="0"/>
+              <a:t>(</a:t>
+            </a:r>
+            <a:r>
+              <a:rPr lang="zh-CN" altLang="en-US" dirty="0">
+                <a:solidFill>
+                  <a:srgbClr val="00B050"/>
+                </a:solidFill>
+              </a:rPr>
+              <a:t>i</a:t>
+            </a:r>
+            <a:r>
+              <a:rPr lang="zh-CN" altLang="en-US" dirty="0"/>
+              <a:t>);</a:t>
+            </a:r>
+          </a:p>
+          <a:p>
+            <a:r>
+              <a:rPr lang="zh-CN" altLang="en-US" dirty="0"/>
+              <a:t>        </a:t>
+            </a:r>
+            <a:r>
+              <a:rPr lang="zh-CN" altLang="en-US" dirty="0">
+                <a:solidFill>
+                  <a:srgbClr val="00B050"/>
+                </a:solidFill>
+              </a:rPr>
+              <a:t>var a;</a:t>
+            </a:r>
+          </a:p>
+          <a:p>
+            <a:r>
+              <a:rPr lang="zh-CN" altLang="en-US" dirty="0">
+                <a:solidFill>
+                  <a:srgbClr val="00B050"/>
+                </a:solidFill>
+              </a:rPr>
+              <a:t>        procedure Pa1</a:t>
+            </a:r>
+            <a:r>
+              <a:rPr lang="zh-CN" altLang="en-US" dirty="0"/>
+              <a:t>(</a:t>
+            </a:r>
+            <a:r>
+              <a:rPr lang="zh-CN" altLang="en-US" dirty="0">
+                <a:solidFill>
+                  <a:srgbClr val="0070C0"/>
+                </a:solidFill>
+              </a:rPr>
+              <a:t>i</a:t>
+            </a:r>
+            <a:r>
+              <a:rPr lang="zh-CN" altLang="en-US" dirty="0"/>
+              <a:t>);</a:t>
+            </a:r>
+          </a:p>
+          <a:p>
+            <a:r>
+              <a:rPr lang="zh-CN" altLang="en-US" dirty="0"/>
+              <a:t>            </a:t>
+            </a:r>
+            <a:r>
+              <a:rPr lang="zh-CN" altLang="en-US" dirty="0">
+                <a:solidFill>
+                  <a:srgbClr val="0070C0"/>
+                </a:solidFill>
+              </a:rPr>
+              <a:t>var a;</a:t>
+            </a:r>
+          </a:p>
+          <a:p>
+            <a:r>
+              <a:rPr lang="zh-CN" altLang="en-US" dirty="0">
+                <a:solidFill>
+                  <a:srgbClr val="0070C0"/>
+                </a:solidFill>
+              </a:rPr>
+              <a:t>            begin</a:t>
+            </a:r>
+          </a:p>
+          <a:p>
+            <a:r>
+              <a:rPr lang="zh-CN" altLang="en-US" dirty="0">
+                <a:solidFill>
+                  <a:srgbClr val="0070C0"/>
+                </a:solidFill>
+              </a:rPr>
+              <a:t>            end;</a:t>
+            </a:r>
+          </a:p>
+          <a:p>
+            <a:r>
+              <a:rPr lang="zh-CN" altLang="en-US" dirty="0">
+                <a:solidFill>
+                  <a:srgbClr val="00B050"/>
+                </a:solidFill>
+              </a:rPr>
+              <a:t>        begin</a:t>
+            </a:r>
+          </a:p>
+          <a:p>
+            <a:r>
+              <a:rPr lang="zh-CN" altLang="en-US" dirty="0">
+                <a:solidFill>
+                  <a:srgbClr val="00B050"/>
+                </a:solidFill>
+              </a:rPr>
+              <a:t>        end;    </a:t>
+            </a:r>
+          </a:p>
+          <a:p>
+            <a:r>
+              <a:rPr lang="zh-CN" altLang="en-US" dirty="0"/>
+              <a:t>    </a:t>
+            </a:r>
+            <a:r>
+              <a:rPr lang="zh-CN" altLang="en-US" dirty="0">
+                <a:solidFill>
+                  <a:schemeClr val="accent2"/>
+                </a:solidFill>
+              </a:rPr>
+              <a:t>procedure Pb</a:t>
+            </a:r>
+            <a:r>
+              <a:rPr lang="zh-CN" altLang="en-US" dirty="0"/>
+              <a:t>(</a:t>
+            </a:r>
+            <a:r>
+              <a:rPr lang="zh-CN" altLang="en-US" dirty="0">
+                <a:solidFill>
+                  <a:srgbClr val="00B050"/>
+                </a:solidFill>
+              </a:rPr>
+              <a:t>i</a:t>
+            </a:r>
+            <a:r>
+              <a:rPr lang="zh-CN" altLang="en-US" dirty="0"/>
+              <a:t>);</a:t>
+            </a:r>
+          </a:p>
+          <a:p>
+            <a:r>
+              <a:rPr lang="zh-CN" altLang="en-US" dirty="0"/>
+              <a:t>        </a:t>
+            </a:r>
+            <a:r>
+              <a:rPr lang="zh-CN" altLang="en-US" dirty="0">
+                <a:solidFill>
+                  <a:srgbClr val="7030A0"/>
+                </a:solidFill>
+              </a:rPr>
+              <a:t>var a;</a:t>
+            </a:r>
+          </a:p>
+          <a:p>
+            <a:r>
+              <a:rPr lang="zh-CN" altLang="en-US" dirty="0">
+                <a:solidFill>
+                  <a:srgbClr val="7030A0"/>
+                </a:solidFill>
+              </a:rPr>
+              <a:t>        begin</a:t>
+            </a:r>
+          </a:p>
+          <a:p>
+            <a:r>
+              <a:rPr lang="zh-CN" altLang="en-US" dirty="0">
+                <a:solidFill>
+                  <a:srgbClr val="7030A0"/>
+                </a:solidFill>
+              </a:rPr>
+              <a:t>        end;</a:t>
+            </a:r>
+          </a:p>
+          <a:p>
+            <a:r>
+              <a:rPr lang="zh-CN" altLang="en-US" dirty="0">
+                <a:solidFill>
+                  <a:schemeClr val="accent2"/>
+                </a:solidFill>
+              </a:rPr>
+              <a:t>     begin</a:t>
+            </a:r>
+          </a:p>
+          <a:p>
+            <a:r>
+              <a:rPr lang="zh-CN" altLang="en-US" dirty="0">
+                <a:solidFill>
+                  <a:schemeClr val="accent2"/>
+                </a:solidFill>
+              </a:rPr>
+              <a:t>     end.</a:t>
+            </a:r>
+            <a:endParaRPr lang="en-US" altLang="zh-CN" dirty="0">
+              <a:solidFill>
+                <a:schemeClr val="accent2"/>
+              </a:solidFill>
+            </a:endParaRPr>
+          </a:p>
+          <a:p>
+            <a:r>
+              <a:rPr lang="zh-CN" altLang="en-US" dirty="0">
+                <a:solidFill>
+                  <a:srgbClr val="FF0000"/>
+                </a:solidFill>
+              </a:rPr>
+              <a:t>begin</a:t>
+            </a:r>
+          </a:p>
+          <a:p>
+            <a:r>
+              <a:rPr lang="zh-CN" altLang="en-US" dirty="0">
+                <a:solidFill>
+                  <a:srgbClr val="FF0000"/>
+                </a:solidFill>
+              </a:rPr>
+              <a:t>end.</a:t>
+            </a:r>
+          </a:p>
+        </p:txBody>
+      </p:sp>
+      <p:graphicFrame>
+        <p:nvGraphicFramePr>
+          <p:cNvPr id="4" name="表格 3">
+            <a:extLst>
+              <a:ext uri="{FF2B5EF4-FFF2-40B4-BE49-F238E27FC236}">
+                <a16:creationId xmlns:a16="http://schemas.microsoft.com/office/drawing/2014/main" id="{B613FE79-77C9-83CB-A4AE-3F4DB8F49081}"/>
+              </a:ext>
+            </a:extLst>
+          </p:cNvPr>
+          <p:cNvGraphicFramePr>
+            <a:graphicFrameLocks noGrp="1"/>
+          </p:cNvGraphicFramePr>
+          <p:nvPr>
+            <p:extLst>
+              <p:ext uri="{D42A27DB-BD31-4B8C-83A1-F6EECF244321}">
+                <p14:modId xmlns:p14="http://schemas.microsoft.com/office/powerpoint/2010/main" val="3274274424"/>
+              </p:ext>
+            </p:extLst>
+          </p:nvPr>
+        </p:nvGraphicFramePr>
+        <p:xfrm>
+          <a:off x="2509744" y="326517"/>
+          <a:ext cx="5106038" cy="5562600"/>
+        </p:xfrm>
+        <a:graphic>
+          <a:graphicData uri="http://schemas.openxmlformats.org/drawingml/2006/table">
+            <a:tbl>
+              <a:tblPr firstRow="1" bandRow="1">
+                <a:tableStyleId>{5940675A-B579-460E-94D1-54222C63F5DA}</a:tableStyleId>
+              </a:tblPr>
+              <a:tblGrid>
+                <a:gridCol w="647819">
+                  <a:extLst>
+                    <a:ext uri="{9D8B030D-6E8A-4147-A177-3AD203B41FA5}">
+                      <a16:colId xmlns:a16="http://schemas.microsoft.com/office/drawing/2014/main" val="2383135980"/>
+                    </a:ext>
+                  </a:extLst>
+                </a:gridCol>
+                <a:gridCol w="675528">
+                  <a:extLst>
+                    <a:ext uri="{9D8B030D-6E8A-4147-A177-3AD203B41FA5}">
+                      <a16:colId xmlns:a16="http://schemas.microsoft.com/office/drawing/2014/main" val="800073351"/>
+                    </a:ext>
+                  </a:extLst>
+                </a:gridCol>
+                <a:gridCol w="757382">
+                  <a:extLst>
+                    <a:ext uri="{9D8B030D-6E8A-4147-A177-3AD203B41FA5}">
+                      <a16:colId xmlns:a16="http://schemas.microsoft.com/office/drawing/2014/main" val="1959972364"/>
+                    </a:ext>
+                  </a:extLst>
+                </a:gridCol>
+                <a:gridCol w="1025236">
+                  <a:extLst>
+                    <a:ext uri="{9D8B030D-6E8A-4147-A177-3AD203B41FA5}">
+                      <a16:colId xmlns:a16="http://schemas.microsoft.com/office/drawing/2014/main" val="10169799"/>
+                    </a:ext>
+                  </a:extLst>
+                </a:gridCol>
+                <a:gridCol w="655782">
+                  <a:extLst>
+                    <a:ext uri="{9D8B030D-6E8A-4147-A177-3AD203B41FA5}">
+                      <a16:colId xmlns:a16="http://schemas.microsoft.com/office/drawing/2014/main" val="2984197069"/>
+                    </a:ext>
+                  </a:extLst>
+                </a:gridCol>
+                <a:gridCol w="480291">
+                  <a:extLst>
+                    <a:ext uri="{9D8B030D-6E8A-4147-A177-3AD203B41FA5}">
+                      <a16:colId xmlns:a16="http://schemas.microsoft.com/office/drawing/2014/main" val="854656820"/>
+                    </a:ext>
+                  </a:extLst>
+                </a:gridCol>
+                <a:gridCol w="864000">
+                  <a:extLst>
+                    <a:ext uri="{9D8B030D-6E8A-4147-A177-3AD203B41FA5}">
+                      <a16:colId xmlns:a16="http://schemas.microsoft.com/office/drawing/2014/main" val="2246719396"/>
+                    </a:ext>
+                  </a:extLst>
+                </a:gridCol>
+              </a:tblGrid>
+              <a:tr h="370840">
+                <a:tc>
+                  <a:txBody>
+                    <a:bodyPr/>
+                    <a:lstStyle/>
+                    <a:p>
+                      <a:r>
+                        <a:rPr lang="en-US" altLang="zh-CN" dirty="0" err="1"/>
+                        <a:t>addr</a:t>
+                      </a:r>
+                      <a:endParaRPr lang="zh-CN" altLang="en-US" dirty="0"/>
+                    </a:p>
+                  </a:txBody>
+                  <a:tcPr/>
+                </a:tc>
+                <a:tc>
+                  <a:txBody>
+                    <a:bodyPr/>
+                    <a:lstStyle/>
+                    <a:p>
+                      <a:r>
+                        <a:rPr lang="en-US" altLang="zh-CN" dirty="0"/>
+                        <a:t>cat</a:t>
+                      </a:r>
+                      <a:endParaRPr lang="zh-CN" altLang="en-US" dirty="0"/>
+                    </a:p>
+                  </a:txBody>
+                  <a:tcPr/>
+                </a:tc>
+                <a:tc>
+                  <a:txBody>
+                    <a:bodyPr/>
+                    <a:lstStyle/>
+                    <a:p>
+                      <a:r>
+                        <a:rPr lang="en-US" altLang="zh-CN" dirty="0"/>
+                        <a:t>name</a:t>
+                      </a:r>
+                      <a:endParaRPr lang="zh-CN" altLang="en-US" dirty="0"/>
+                    </a:p>
+                  </a:txBody>
+                  <a:tcPr/>
+                </a:tc>
+                <a:tc>
+                  <a:txBody>
+                    <a:bodyPr/>
+                    <a:lstStyle/>
+                    <a:p>
+                      <a:r>
+                        <a:rPr lang="en-US" altLang="zh-CN" dirty="0"/>
+                        <a:t>previous</a:t>
+                      </a:r>
+                      <a:endParaRPr lang="zh-CN" altLang="en-US" dirty="0"/>
+                    </a:p>
+                  </a:txBody>
+                  <a:tcPr/>
+                </a:tc>
+                <a:tc>
+                  <a:txBody>
+                    <a:bodyPr/>
+                    <a:lstStyle/>
+                    <a:p>
+                      <a:r>
+                        <a:rPr lang="en-US" altLang="zh-CN" dirty="0"/>
+                        <a:t>level</a:t>
+                      </a:r>
+                      <a:endParaRPr lang="zh-CN" altLang="en-US" dirty="0"/>
+                    </a:p>
+                  </a:txBody>
+                  <a:tcPr/>
+                </a:tc>
+                <a:tc>
+                  <a:txBody>
+                    <a:bodyPr/>
+                    <a:lstStyle/>
+                    <a:p>
+                      <a:r>
+                        <a:rPr lang="en-US" altLang="zh-CN" dirty="0" err="1"/>
+                        <a:t>sp</a:t>
+                      </a:r>
+                      <a:endParaRPr lang="zh-CN" altLang="en-US" dirty="0"/>
+                    </a:p>
+                  </a:txBody>
+                  <a:tcPr/>
+                </a:tc>
+                <a:tc>
+                  <a:txBody>
+                    <a:bodyPr/>
+                    <a:lstStyle/>
+                    <a:p>
+                      <a:r>
+                        <a:rPr lang="en-US" altLang="zh-CN" dirty="0"/>
+                        <a:t>display</a:t>
+                      </a:r>
+                      <a:endParaRPr lang="zh-CN" altLang="en-US" dirty="0"/>
+                    </a:p>
+                  </a:txBody>
+                  <a:tcPr/>
+                </a:tc>
+                <a:extLst>
+                  <a:ext uri="{0D108BD9-81ED-4DB2-BD59-A6C34878D82A}">
+                    <a16:rowId xmlns:a16="http://schemas.microsoft.com/office/drawing/2014/main" val="2671370334"/>
+                  </a:ext>
+                </a:extLst>
+              </a:tr>
+              <a:tr h="370840">
+                <a:tc>
+                  <a:txBody>
+                    <a:bodyPr/>
+                    <a:lstStyle/>
+                    <a:p>
+                      <a:r>
+                        <a:rPr lang="en-US" altLang="zh-CN" dirty="0"/>
+                        <a:t>0</a:t>
+                      </a:r>
+                      <a:endParaRPr lang="zh-CN" altLang="en-US" dirty="0"/>
+                    </a:p>
+                  </a:txBody>
+                  <a:tcPr>
+                    <a:solidFill>
+                      <a:srgbClr val="FF0000"/>
+                    </a:solidFill>
+                  </a:tcPr>
+                </a:tc>
+                <a:tc>
+                  <a:txBody>
+                    <a:bodyPr/>
+                    <a:lstStyle/>
+                    <a:p>
+                      <a:r>
+                        <a:rPr lang="en-US" altLang="zh-CN" dirty="0"/>
+                        <a:t>prog</a:t>
+                      </a:r>
+                      <a:endParaRPr lang="zh-CN" altLang="en-US" dirty="0"/>
+                    </a:p>
+                  </a:txBody>
+                  <a:tcPr>
+                    <a:solidFill>
+                      <a:srgbClr val="FF0000"/>
+                    </a:solidFill>
+                  </a:tcPr>
+                </a:tc>
+                <a:tc>
+                  <a:txBody>
+                    <a:bodyPr/>
+                    <a:lstStyle/>
+                    <a:p>
+                      <a:r>
+                        <a:rPr lang="en-US" altLang="zh-CN" dirty="0"/>
+                        <a:t>A</a:t>
+                      </a:r>
+                      <a:endParaRPr lang="zh-CN" altLang="en-US" dirty="0"/>
+                    </a:p>
+                  </a:txBody>
+                  <a:tcPr>
+                    <a:solidFill>
+                      <a:srgbClr val="FF0000"/>
+                    </a:solidFill>
+                  </a:tcPr>
+                </a:tc>
+                <a:tc>
+                  <a:txBody>
+                    <a:bodyPr/>
+                    <a:lstStyle/>
+                    <a:p>
+                      <a:r>
+                        <a:rPr lang="en-US" altLang="zh-CN" dirty="0"/>
+                        <a:t>0</a:t>
+                      </a:r>
+                      <a:endParaRPr lang="zh-CN" altLang="en-US" dirty="0"/>
+                    </a:p>
+                  </a:txBody>
+                  <a:tcPr>
+                    <a:solidFill>
+                      <a:srgbClr val="FF0000"/>
+                    </a:solidFill>
+                  </a:tcPr>
+                </a:tc>
+                <a:tc>
+                  <a:txBody>
+                    <a:bodyPr/>
+                    <a:lstStyle/>
+                    <a:p>
+                      <a:r>
+                        <a:rPr lang="en-US" altLang="zh-CN" dirty="0"/>
+                        <a:t>0</a:t>
+                      </a:r>
+                      <a:endParaRPr lang="zh-CN" altLang="en-US" dirty="0"/>
+                    </a:p>
+                  </a:txBody>
+                  <a:tcPr>
+                    <a:solidFill>
+                      <a:srgbClr val="FF0000"/>
+                    </a:solidFill>
+                  </a:tcPr>
+                </a:tc>
+                <a:tc>
+                  <a:txBody>
+                    <a:bodyPr/>
+                    <a:lstStyle/>
+                    <a:p>
+                      <a:r>
+                        <a:rPr lang="en-US" altLang="zh-CN" dirty="0"/>
+                        <a:t>0</a:t>
+                      </a:r>
+                      <a:endParaRPr lang="zh-CN" altLang="en-US" dirty="0"/>
+                    </a:p>
+                  </a:txBody>
+                  <a:tcPr>
+                    <a:solidFill>
+                      <a:srgbClr val="FF0000"/>
+                    </a:solidFill>
+                  </a:tcPr>
+                </a:tc>
+                <a:tc>
+                  <a:txBody>
+                    <a:bodyPr/>
+                    <a:lstStyle/>
+                    <a:p>
+                      <a:endParaRPr lang="zh-CN" altLang="en-US" dirty="0"/>
+                    </a:p>
+                  </a:txBody>
+                  <a:tcPr>
+                    <a:solidFill>
+                      <a:srgbClr val="FF0000"/>
+                    </a:solidFill>
+                  </a:tcPr>
+                </a:tc>
+                <a:extLst>
+                  <a:ext uri="{0D108BD9-81ED-4DB2-BD59-A6C34878D82A}">
+                    <a16:rowId xmlns:a16="http://schemas.microsoft.com/office/drawing/2014/main" val="1646782386"/>
+                  </a:ext>
+                </a:extLst>
+              </a:tr>
+              <a:tr h="370840">
+                <a:tc>
+                  <a:txBody>
+                    <a:bodyPr/>
+                    <a:lstStyle/>
+                    <a:p>
+                      <a:r>
+                        <a:rPr lang="en-US" altLang="zh-CN" dirty="0"/>
+                        <a:t>1</a:t>
+                      </a:r>
+                      <a:endParaRPr lang="zh-CN" altLang="en-US" dirty="0"/>
+                    </a:p>
+                  </a:txBody>
+                  <a:tcPr>
+                    <a:solidFill>
+                      <a:srgbClr val="FF0000"/>
+                    </a:solidFill>
+                  </a:tcPr>
+                </a:tc>
+                <a:tc>
+                  <a:txBody>
+                    <a:bodyPr/>
+                    <a:lstStyle/>
+                    <a:p>
+                      <a:r>
+                        <a:rPr lang="en-US" altLang="zh-CN" dirty="0"/>
+                        <a:t>var</a:t>
+                      </a:r>
+                      <a:endParaRPr lang="zh-CN" altLang="en-US" dirty="0"/>
+                    </a:p>
+                  </a:txBody>
+                  <a:tcPr>
+                    <a:solidFill>
+                      <a:srgbClr val="FF0000"/>
+                    </a:solidFill>
+                  </a:tcPr>
+                </a:tc>
+                <a:tc>
+                  <a:txBody>
+                    <a:bodyPr/>
+                    <a:lstStyle/>
+                    <a:p>
+                      <a:r>
+                        <a:rPr lang="en-US" altLang="zh-CN" dirty="0"/>
+                        <a:t>a</a:t>
+                      </a:r>
+                      <a:endParaRPr lang="zh-CN" altLang="en-US" dirty="0"/>
+                    </a:p>
+                  </a:txBody>
+                  <a:tcPr>
+                    <a:solidFill>
+                      <a:srgbClr val="FF0000"/>
+                    </a:solidFill>
+                  </a:tcPr>
+                </a:tc>
+                <a:tc>
+                  <a:txBody>
+                    <a:bodyPr/>
+                    <a:lstStyle/>
+                    <a:p>
+                      <a:r>
+                        <a:rPr lang="en-US" altLang="zh-CN" dirty="0"/>
+                        <a:t>0</a:t>
+                      </a:r>
+                      <a:endParaRPr lang="zh-CN" altLang="en-US" dirty="0"/>
+                    </a:p>
+                  </a:txBody>
+                  <a:tcPr>
+                    <a:solidFill>
+                      <a:srgbClr val="FF0000"/>
+                    </a:solidFill>
+                  </a:tcPr>
+                </a:tc>
+                <a:tc>
+                  <a:txBody>
+                    <a:bodyPr/>
+                    <a:lstStyle/>
+                    <a:p>
+                      <a:r>
+                        <a:rPr lang="en-US" altLang="zh-CN" dirty="0"/>
+                        <a:t>0</a:t>
+                      </a:r>
+                      <a:endParaRPr lang="zh-CN" altLang="en-US" dirty="0"/>
+                    </a:p>
+                  </a:txBody>
+                  <a:tcPr>
+                    <a:solidFill>
+                      <a:srgbClr val="FF0000"/>
+                    </a:solidFill>
+                  </a:tcPr>
+                </a:tc>
+                <a:tc>
+                  <a:txBody>
+                    <a:bodyPr/>
+                    <a:lstStyle/>
+                    <a:p>
+                      <a:r>
+                        <a:rPr lang="en-US" altLang="zh-CN" dirty="0"/>
+                        <a:t>0</a:t>
+                      </a:r>
+                      <a:endParaRPr lang="zh-CN" altLang="en-US" dirty="0"/>
+                    </a:p>
+                  </a:txBody>
+                  <a:tcPr>
+                    <a:solidFill>
+                      <a:srgbClr val="FF0000"/>
+                    </a:solidFill>
+                  </a:tcPr>
+                </a:tc>
+                <a:tc>
+                  <a:txBody>
+                    <a:bodyPr/>
+                    <a:lstStyle/>
+                    <a:p>
+                      <a:endParaRPr lang="zh-CN" altLang="en-US" dirty="0"/>
+                    </a:p>
+                  </a:txBody>
+                  <a:tcPr>
+                    <a:solidFill>
+                      <a:srgbClr val="FF0000"/>
+                    </a:solidFill>
+                  </a:tcPr>
+                </a:tc>
+                <a:extLst>
+                  <a:ext uri="{0D108BD9-81ED-4DB2-BD59-A6C34878D82A}">
+                    <a16:rowId xmlns:a16="http://schemas.microsoft.com/office/drawing/2014/main" val="4198296989"/>
+                  </a:ext>
+                </a:extLst>
+              </a:tr>
+              <a:tr h="370840">
+                <a:tc>
+                  <a:txBody>
+                    <a:bodyPr/>
+                    <a:lstStyle/>
+                    <a:p>
+                      <a:r>
+                        <a:rPr lang="en-US" altLang="zh-CN" dirty="0"/>
+                        <a:t>2</a:t>
+                      </a:r>
+                      <a:endParaRPr lang="zh-CN" altLang="en-US" dirty="0"/>
+                    </a:p>
+                  </a:txBody>
+                  <a:tcPr>
+                    <a:solidFill>
+                      <a:srgbClr val="FF0000"/>
+                    </a:solidFill>
+                  </a:tcPr>
+                </a:tc>
+                <a:tc>
+                  <a:txBody>
+                    <a:bodyPr/>
+                    <a:lstStyle/>
+                    <a:p>
+                      <a:r>
+                        <a:rPr lang="en-US" altLang="zh-CN" dirty="0"/>
+                        <a:t>proc</a:t>
+                      </a:r>
+                      <a:endParaRPr lang="zh-CN" altLang="en-US" dirty="0"/>
+                    </a:p>
+                  </a:txBody>
+                  <a:tcPr>
+                    <a:solidFill>
+                      <a:srgbClr val="FF0000"/>
+                    </a:solidFill>
+                  </a:tcPr>
+                </a:tc>
+                <a:tc>
+                  <a:txBody>
+                    <a:bodyPr/>
+                    <a:lstStyle/>
+                    <a:p>
+                      <a:r>
+                        <a:rPr lang="en-US" altLang="zh-CN" dirty="0"/>
+                        <a:t>P</a:t>
+                      </a:r>
+                      <a:endParaRPr lang="zh-CN" altLang="en-US" dirty="0"/>
+                    </a:p>
+                  </a:txBody>
+                  <a:tcPr>
+                    <a:solidFill>
+                      <a:srgbClr val="FF0000"/>
+                    </a:solidFill>
+                  </a:tcPr>
+                </a:tc>
+                <a:tc>
+                  <a:txBody>
+                    <a:bodyPr/>
+                    <a:lstStyle/>
+                    <a:p>
+                      <a:r>
+                        <a:rPr lang="en-US" altLang="zh-CN" dirty="0"/>
+                        <a:t>1</a:t>
+                      </a:r>
+                      <a:endParaRPr lang="zh-CN" altLang="en-US" dirty="0"/>
+                    </a:p>
+                  </a:txBody>
+                  <a:tcPr>
+                    <a:solidFill>
+                      <a:srgbClr val="FF0000"/>
+                    </a:solidFill>
+                  </a:tcPr>
+                </a:tc>
+                <a:tc>
+                  <a:txBody>
+                    <a:bodyPr/>
+                    <a:lstStyle/>
+                    <a:p>
+                      <a:r>
+                        <a:rPr lang="en-US" altLang="zh-CN" dirty="0"/>
+                        <a:t>0</a:t>
+                      </a:r>
+                      <a:endParaRPr lang="zh-CN" altLang="en-US" dirty="0"/>
+                    </a:p>
+                  </a:txBody>
+                  <a:tcPr>
+                    <a:solidFill>
+                      <a:srgbClr val="FF0000"/>
+                    </a:solidFill>
+                  </a:tcPr>
+                </a:tc>
+                <a:tc>
+                  <a:txBody>
+                    <a:bodyPr/>
+                    <a:lstStyle/>
+                    <a:p>
+                      <a:r>
+                        <a:rPr lang="en-US" altLang="zh-CN" dirty="0"/>
+                        <a:t>0</a:t>
+                      </a:r>
+                      <a:endParaRPr lang="zh-CN" altLang="en-US" dirty="0"/>
+                    </a:p>
+                  </a:txBody>
+                  <a:tcPr>
+                    <a:solidFill>
+                      <a:srgbClr val="FF0000"/>
+                    </a:solidFill>
+                  </a:tcPr>
+                </a:tc>
+                <a:tc>
+                  <a:txBody>
+                    <a:bodyPr/>
+                    <a:lstStyle/>
+                    <a:p>
+                      <a:endParaRPr lang="zh-CN" altLang="en-US" dirty="0"/>
+                    </a:p>
+                  </a:txBody>
+                  <a:tcPr>
+                    <a:solidFill>
+                      <a:srgbClr val="FF0000"/>
+                    </a:solidFill>
+                  </a:tcPr>
+                </a:tc>
+                <a:extLst>
+                  <a:ext uri="{0D108BD9-81ED-4DB2-BD59-A6C34878D82A}">
+                    <a16:rowId xmlns:a16="http://schemas.microsoft.com/office/drawing/2014/main" val="247819342"/>
+                  </a:ext>
+                </a:extLst>
+              </a:tr>
+              <a:tr h="370840">
+                <a:tc>
+                  <a:txBody>
+                    <a:bodyPr/>
+                    <a:lstStyle/>
+                    <a:p>
+                      <a:r>
+                        <a:rPr lang="en-US" altLang="zh-CN" dirty="0"/>
+                        <a:t>3</a:t>
+                      </a:r>
+                      <a:endParaRPr lang="zh-CN" altLang="en-US" dirty="0"/>
+                    </a:p>
+                  </a:txBody>
+                  <a:tcPr>
+                    <a:solidFill>
+                      <a:schemeClr val="accent2"/>
+                    </a:solidFill>
+                  </a:tcPr>
+                </a:tc>
+                <a:tc>
+                  <a:txBody>
+                    <a:bodyPr/>
+                    <a:lstStyle/>
+                    <a:p>
+                      <a:r>
+                        <a:rPr lang="en-US" altLang="zh-CN" dirty="0"/>
+                        <a:t>form</a:t>
+                      </a:r>
+                      <a:endParaRPr lang="zh-CN" altLang="en-US" dirty="0"/>
+                    </a:p>
+                  </a:txBody>
+                  <a:tcPr>
+                    <a:solidFill>
+                      <a:schemeClr val="accent2"/>
+                    </a:solidFill>
+                  </a:tcPr>
+                </a:tc>
+                <a:tc>
+                  <a:txBody>
+                    <a:bodyPr/>
+                    <a:lstStyle/>
+                    <a:p>
+                      <a:r>
+                        <a:rPr lang="en-US" altLang="zh-CN" dirty="0" err="1"/>
+                        <a:t>i</a:t>
+                      </a:r>
+                      <a:endParaRPr lang="zh-CN" altLang="en-US" dirty="0"/>
+                    </a:p>
+                  </a:txBody>
+                  <a:tcPr>
+                    <a:solidFill>
+                      <a:schemeClr val="accent2"/>
+                    </a:solidFill>
+                  </a:tcPr>
+                </a:tc>
+                <a:tc>
+                  <a:txBody>
+                    <a:bodyPr/>
+                    <a:lstStyle/>
+                    <a:p>
+                      <a:r>
+                        <a:rPr lang="en-US" altLang="zh-CN" dirty="0"/>
+                        <a:t>0</a:t>
+                      </a:r>
+                      <a:endParaRPr lang="zh-CN" altLang="en-US" dirty="0"/>
+                    </a:p>
+                  </a:txBody>
+                  <a:tcPr>
+                    <a:solidFill>
+                      <a:schemeClr val="accent2"/>
+                    </a:solidFill>
+                  </a:tcPr>
+                </a:tc>
+                <a:tc>
+                  <a:txBody>
+                    <a:bodyPr/>
+                    <a:lstStyle/>
+                    <a:p>
+                      <a:r>
+                        <a:rPr lang="en-US" altLang="zh-CN" dirty="0"/>
+                        <a:t>1</a:t>
+                      </a:r>
+                      <a:endParaRPr lang="zh-CN" altLang="en-US" dirty="0"/>
+                    </a:p>
+                  </a:txBody>
+                  <a:tcPr>
+                    <a:solidFill>
+                      <a:schemeClr val="accent2"/>
+                    </a:solidFill>
+                  </a:tcPr>
+                </a:tc>
+                <a:tc>
+                  <a:txBody>
+                    <a:bodyPr/>
+                    <a:lstStyle/>
+                    <a:p>
+                      <a:r>
+                        <a:rPr lang="en-US" altLang="zh-CN" dirty="0"/>
+                        <a:t>2</a:t>
+                      </a:r>
+                      <a:endParaRPr lang="zh-CN" altLang="en-US" dirty="0"/>
+                    </a:p>
+                  </a:txBody>
+                  <a:tcPr>
+                    <a:solidFill>
+                      <a:schemeClr val="accent2"/>
+                    </a:solidFill>
+                  </a:tcPr>
+                </a:tc>
+                <a:tc>
+                  <a:txBody>
+                    <a:bodyPr/>
+                    <a:lstStyle/>
+                    <a:p>
+                      <a:endParaRPr lang="zh-CN" altLang="en-US" dirty="0"/>
+                    </a:p>
+                  </a:txBody>
+                  <a:tcPr>
+                    <a:solidFill>
+                      <a:schemeClr val="accent2"/>
+                    </a:solidFill>
+                  </a:tcPr>
+                </a:tc>
+                <a:extLst>
+                  <a:ext uri="{0D108BD9-81ED-4DB2-BD59-A6C34878D82A}">
+                    <a16:rowId xmlns:a16="http://schemas.microsoft.com/office/drawing/2014/main" val="87651706"/>
+                  </a:ext>
+                </a:extLst>
+              </a:tr>
+              <a:tr h="370840">
+                <a:tc>
+                  <a:txBody>
+                    <a:bodyPr/>
+                    <a:lstStyle/>
+                    <a:p>
+                      <a:r>
+                        <a:rPr lang="en-US" altLang="zh-CN" dirty="0"/>
+                        <a:t>4</a:t>
+                      </a:r>
+                      <a:endParaRPr lang="zh-CN" altLang="en-US" dirty="0"/>
+                    </a:p>
+                  </a:txBody>
+                  <a:tcPr>
+                    <a:solidFill>
+                      <a:schemeClr val="accent2"/>
+                    </a:solidFill>
+                  </a:tcPr>
+                </a:tc>
+                <a:tc>
+                  <a:txBody>
+                    <a:bodyPr/>
+                    <a:lstStyle/>
+                    <a:p>
+                      <a:r>
+                        <a:rPr lang="en-US" altLang="zh-CN" dirty="0"/>
+                        <a:t>var</a:t>
+                      </a:r>
+                      <a:endParaRPr lang="zh-CN" altLang="en-US" dirty="0"/>
+                    </a:p>
+                  </a:txBody>
+                  <a:tcPr>
+                    <a:solidFill>
+                      <a:schemeClr val="accent2"/>
+                    </a:solidFill>
+                  </a:tcPr>
+                </a:tc>
+                <a:tc>
+                  <a:txBody>
+                    <a:bodyPr/>
+                    <a:lstStyle/>
+                    <a:p>
+                      <a:r>
+                        <a:rPr lang="en-US" altLang="zh-CN" dirty="0"/>
+                        <a:t>a</a:t>
+                      </a:r>
+                      <a:endParaRPr lang="zh-CN" altLang="en-US" dirty="0"/>
+                    </a:p>
+                  </a:txBody>
+                  <a:tcPr>
+                    <a:solidFill>
+                      <a:schemeClr val="accent2"/>
+                    </a:solidFill>
+                  </a:tcPr>
+                </a:tc>
+                <a:tc>
+                  <a:txBody>
+                    <a:bodyPr/>
+                    <a:lstStyle/>
+                    <a:p>
+                      <a:r>
+                        <a:rPr lang="en-US" altLang="zh-CN" dirty="0"/>
+                        <a:t>3</a:t>
+                      </a:r>
+                      <a:endParaRPr lang="zh-CN" altLang="en-US" dirty="0"/>
+                    </a:p>
+                  </a:txBody>
+                  <a:tcPr>
+                    <a:solidFill>
+                      <a:schemeClr val="accent2"/>
+                    </a:solidFill>
+                  </a:tcPr>
+                </a:tc>
+                <a:tc>
+                  <a:txBody>
+                    <a:bodyPr/>
+                    <a:lstStyle/>
+                    <a:p>
+                      <a:r>
+                        <a:rPr lang="en-US" altLang="zh-CN" dirty="0"/>
+                        <a:t>1</a:t>
+                      </a:r>
+                      <a:endParaRPr lang="zh-CN" altLang="en-US" dirty="0"/>
+                    </a:p>
+                  </a:txBody>
+                  <a:tcPr>
+                    <a:solidFill>
+                      <a:schemeClr val="accent2"/>
+                    </a:solidFill>
+                  </a:tcPr>
+                </a:tc>
+                <a:tc>
+                  <a:txBody>
+                    <a:bodyPr/>
+                    <a:lstStyle/>
+                    <a:p>
+                      <a:r>
+                        <a:rPr lang="en-US" altLang="zh-CN" dirty="0"/>
+                        <a:t>2</a:t>
+                      </a:r>
+                      <a:endParaRPr lang="zh-CN" altLang="en-US" dirty="0"/>
+                    </a:p>
+                  </a:txBody>
+                  <a:tcPr>
+                    <a:solidFill>
+                      <a:schemeClr val="accent2"/>
+                    </a:solidFill>
+                  </a:tcPr>
+                </a:tc>
+                <a:tc>
+                  <a:txBody>
+                    <a:bodyPr/>
+                    <a:lstStyle/>
+                    <a:p>
+                      <a:endParaRPr lang="zh-CN" altLang="en-US" dirty="0"/>
+                    </a:p>
+                  </a:txBody>
+                  <a:tcPr>
+                    <a:solidFill>
+                      <a:schemeClr val="accent2"/>
+                    </a:solidFill>
+                  </a:tcPr>
+                </a:tc>
+                <a:extLst>
+                  <a:ext uri="{0D108BD9-81ED-4DB2-BD59-A6C34878D82A}">
+                    <a16:rowId xmlns:a16="http://schemas.microsoft.com/office/drawing/2014/main" val="3400559933"/>
+                  </a:ext>
+                </a:extLst>
+              </a:tr>
+              <a:tr h="370840">
+                <a:tc>
+                  <a:txBody>
+                    <a:bodyPr/>
+                    <a:lstStyle/>
+                    <a:p>
+                      <a:r>
+                        <a:rPr lang="en-US" altLang="zh-CN" dirty="0"/>
+                        <a:t>5</a:t>
+                      </a:r>
+                      <a:endParaRPr lang="zh-CN" altLang="en-US" dirty="0"/>
+                    </a:p>
+                  </a:txBody>
+                  <a:tcPr>
+                    <a:solidFill>
+                      <a:schemeClr val="accent2"/>
+                    </a:solidFill>
+                  </a:tcPr>
+                </a:tc>
+                <a:tc>
+                  <a:txBody>
+                    <a:bodyPr/>
+                    <a:lstStyle/>
+                    <a:p>
+                      <a:r>
+                        <a:rPr lang="en-US" altLang="zh-CN" dirty="0"/>
+                        <a:t>proc</a:t>
+                      </a:r>
+                      <a:endParaRPr lang="zh-CN" altLang="en-US" dirty="0"/>
+                    </a:p>
+                  </a:txBody>
+                  <a:tcPr>
+                    <a:solidFill>
+                      <a:schemeClr val="accent2"/>
+                    </a:solidFill>
+                  </a:tcPr>
+                </a:tc>
+                <a:tc>
+                  <a:txBody>
+                    <a:bodyPr/>
+                    <a:lstStyle/>
+                    <a:p>
+                      <a:r>
+                        <a:rPr lang="en-US" altLang="zh-CN" dirty="0"/>
+                        <a:t>Pa</a:t>
+                      </a:r>
+                      <a:endParaRPr lang="zh-CN" altLang="en-US" dirty="0"/>
+                    </a:p>
+                  </a:txBody>
+                  <a:tcPr>
+                    <a:solidFill>
+                      <a:schemeClr val="accent2"/>
+                    </a:solidFill>
+                  </a:tcPr>
+                </a:tc>
+                <a:tc>
+                  <a:txBody>
+                    <a:bodyPr/>
+                    <a:lstStyle/>
+                    <a:p>
+                      <a:r>
+                        <a:rPr lang="en-US" altLang="zh-CN" dirty="0"/>
+                        <a:t>4</a:t>
+                      </a:r>
+                      <a:endParaRPr lang="zh-CN" altLang="en-US" dirty="0"/>
+                    </a:p>
+                  </a:txBody>
+                  <a:tcPr>
+                    <a:solidFill>
+                      <a:schemeClr val="accent2"/>
+                    </a:solidFill>
+                  </a:tcPr>
+                </a:tc>
+                <a:tc>
+                  <a:txBody>
+                    <a:bodyPr/>
+                    <a:lstStyle/>
+                    <a:p>
+                      <a:r>
+                        <a:rPr lang="en-US" altLang="zh-CN" dirty="0"/>
+                        <a:t>1</a:t>
+                      </a:r>
+                      <a:endParaRPr lang="zh-CN" altLang="en-US" dirty="0"/>
+                    </a:p>
+                  </a:txBody>
+                  <a:tcPr>
+                    <a:solidFill>
+                      <a:schemeClr val="accent2"/>
+                    </a:solidFill>
+                  </a:tcPr>
+                </a:tc>
+                <a:tc>
+                  <a:txBody>
+                    <a:bodyPr/>
+                    <a:lstStyle/>
+                    <a:p>
+                      <a:r>
+                        <a:rPr lang="en-US" altLang="zh-CN" dirty="0"/>
+                        <a:t>2</a:t>
+                      </a:r>
+                      <a:endParaRPr lang="zh-CN" altLang="en-US" dirty="0"/>
+                    </a:p>
+                  </a:txBody>
+                  <a:tcPr>
+                    <a:solidFill>
+                      <a:schemeClr val="accent2"/>
+                    </a:solidFill>
+                  </a:tcPr>
+                </a:tc>
+                <a:tc>
+                  <a:txBody>
+                    <a:bodyPr/>
+                    <a:lstStyle/>
+                    <a:p>
+                      <a:endParaRPr lang="zh-CN" altLang="en-US" dirty="0"/>
+                    </a:p>
+                  </a:txBody>
+                  <a:tcPr>
+                    <a:solidFill>
+                      <a:schemeClr val="accent2"/>
+                    </a:solidFill>
+                  </a:tcPr>
+                </a:tc>
+                <a:extLst>
+                  <a:ext uri="{0D108BD9-81ED-4DB2-BD59-A6C34878D82A}">
+                    <a16:rowId xmlns:a16="http://schemas.microsoft.com/office/drawing/2014/main" val="1751061685"/>
+                  </a:ext>
+                </a:extLst>
+              </a:tr>
+              <a:tr h="370840">
+                <a:tc>
+                  <a:txBody>
+                    <a:bodyPr/>
+                    <a:lstStyle/>
+                    <a:p>
+                      <a:r>
+                        <a:rPr lang="en-US" altLang="zh-CN" dirty="0"/>
+                        <a:t>6</a:t>
+                      </a:r>
+                      <a:endParaRPr lang="zh-CN" altLang="en-US" dirty="0"/>
+                    </a:p>
+                  </a:txBody>
+                  <a:tcPr>
+                    <a:solidFill>
+                      <a:srgbClr val="00B050"/>
+                    </a:solidFill>
+                  </a:tcPr>
+                </a:tc>
+                <a:tc>
+                  <a:txBody>
+                    <a:bodyPr/>
+                    <a:lstStyle/>
+                    <a:p>
+                      <a:r>
+                        <a:rPr lang="en-US" altLang="zh-CN" dirty="0"/>
+                        <a:t>form</a:t>
+                      </a:r>
+                      <a:endParaRPr lang="zh-CN" altLang="en-US" dirty="0"/>
+                    </a:p>
+                  </a:txBody>
+                  <a:tcPr>
+                    <a:solidFill>
+                      <a:srgbClr val="00B050"/>
+                    </a:solidFill>
+                  </a:tcPr>
+                </a:tc>
+                <a:tc>
+                  <a:txBody>
+                    <a:bodyPr/>
+                    <a:lstStyle/>
+                    <a:p>
+                      <a:r>
+                        <a:rPr lang="en-US" altLang="zh-CN" dirty="0" err="1"/>
+                        <a:t>i</a:t>
+                      </a:r>
+                      <a:endParaRPr lang="zh-CN" altLang="en-US" dirty="0"/>
+                    </a:p>
+                  </a:txBody>
+                  <a:tcPr>
+                    <a:solidFill>
+                      <a:srgbClr val="00B050"/>
+                    </a:solidFill>
+                  </a:tcPr>
+                </a:tc>
+                <a:tc>
+                  <a:txBody>
+                    <a:bodyPr/>
+                    <a:lstStyle/>
+                    <a:p>
+                      <a:r>
+                        <a:rPr lang="en-US" altLang="zh-CN" dirty="0"/>
+                        <a:t>0</a:t>
+                      </a:r>
+                      <a:endParaRPr lang="zh-CN" altLang="en-US" dirty="0"/>
+                    </a:p>
+                  </a:txBody>
+                  <a:tcPr>
+                    <a:solidFill>
+                      <a:srgbClr val="00B050"/>
+                    </a:solidFill>
+                  </a:tcPr>
+                </a:tc>
+                <a:tc>
+                  <a:txBody>
+                    <a:bodyPr/>
+                    <a:lstStyle/>
+                    <a:p>
+                      <a:r>
+                        <a:rPr lang="en-US" altLang="zh-CN" dirty="0"/>
+                        <a:t>2</a:t>
+                      </a:r>
+                      <a:endParaRPr lang="zh-CN" altLang="en-US" dirty="0"/>
+                    </a:p>
+                  </a:txBody>
+                  <a:tcPr>
+                    <a:solidFill>
+                      <a:srgbClr val="00B050"/>
+                    </a:solidFill>
+                  </a:tcPr>
+                </a:tc>
+                <a:tc>
+                  <a:txBody>
+                    <a:bodyPr/>
+                    <a:lstStyle/>
+                    <a:p>
+                      <a:r>
+                        <a:rPr lang="en-US" altLang="zh-CN" dirty="0"/>
+                        <a:t>5</a:t>
+                      </a:r>
+                      <a:endParaRPr lang="zh-CN" altLang="en-US" dirty="0"/>
+                    </a:p>
+                  </a:txBody>
+                  <a:tcPr>
+                    <a:solidFill>
+                      <a:srgbClr val="00B050"/>
+                    </a:solidFill>
+                  </a:tcPr>
+                </a:tc>
+                <a:tc>
+                  <a:txBody>
+                    <a:bodyPr/>
+                    <a:lstStyle/>
+                    <a:p>
+                      <a:endParaRPr lang="zh-CN" altLang="en-US" dirty="0"/>
+                    </a:p>
+                  </a:txBody>
+                  <a:tcPr>
+                    <a:solidFill>
+                      <a:srgbClr val="00B050"/>
+                    </a:solidFill>
+                  </a:tcPr>
+                </a:tc>
+                <a:extLst>
+                  <a:ext uri="{0D108BD9-81ED-4DB2-BD59-A6C34878D82A}">
+                    <a16:rowId xmlns:a16="http://schemas.microsoft.com/office/drawing/2014/main" val="1471716453"/>
+                  </a:ext>
+                </a:extLst>
+              </a:tr>
+              <a:tr h="370840">
+                <a:tc>
+                  <a:txBody>
+                    <a:bodyPr/>
+                    <a:lstStyle/>
+                    <a:p>
+                      <a:r>
+                        <a:rPr lang="en-US" altLang="zh-CN" dirty="0"/>
+                        <a:t>7</a:t>
+                      </a:r>
+                      <a:endParaRPr lang="zh-CN" altLang="en-US" dirty="0"/>
+                    </a:p>
+                  </a:txBody>
+                  <a:tcPr>
+                    <a:solidFill>
+                      <a:srgbClr val="00B050"/>
+                    </a:solidFill>
+                  </a:tcPr>
+                </a:tc>
+                <a:tc>
+                  <a:txBody>
+                    <a:bodyPr/>
+                    <a:lstStyle/>
+                    <a:p>
+                      <a:r>
+                        <a:rPr lang="en-US" altLang="zh-CN" dirty="0"/>
+                        <a:t>var</a:t>
+                      </a:r>
+                      <a:endParaRPr lang="zh-CN" altLang="en-US" dirty="0"/>
+                    </a:p>
+                  </a:txBody>
+                  <a:tcPr>
+                    <a:solidFill>
+                      <a:srgbClr val="00B050"/>
+                    </a:solidFill>
+                  </a:tcPr>
+                </a:tc>
+                <a:tc>
+                  <a:txBody>
+                    <a:bodyPr/>
+                    <a:lstStyle/>
+                    <a:p>
+                      <a:r>
+                        <a:rPr lang="en-US" altLang="zh-CN" dirty="0"/>
+                        <a:t>a</a:t>
+                      </a:r>
+                      <a:endParaRPr lang="zh-CN" altLang="en-US" dirty="0"/>
+                    </a:p>
+                  </a:txBody>
+                  <a:tcPr>
+                    <a:solidFill>
+                      <a:srgbClr val="00B050"/>
+                    </a:solidFill>
+                  </a:tcPr>
+                </a:tc>
+                <a:tc>
+                  <a:txBody>
+                    <a:bodyPr/>
+                    <a:lstStyle/>
+                    <a:p>
+                      <a:r>
+                        <a:rPr lang="en-US" altLang="zh-CN" dirty="0"/>
+                        <a:t>6</a:t>
+                      </a:r>
+                      <a:endParaRPr lang="zh-CN" altLang="en-US" dirty="0"/>
+                    </a:p>
+                  </a:txBody>
+                  <a:tcPr>
+                    <a:solidFill>
+                      <a:srgbClr val="00B050"/>
+                    </a:solidFill>
+                  </a:tcPr>
+                </a:tc>
+                <a:tc>
+                  <a:txBody>
+                    <a:bodyPr/>
+                    <a:lstStyle/>
+                    <a:p>
+                      <a:r>
+                        <a:rPr lang="en-US" altLang="zh-CN" dirty="0"/>
+                        <a:t>2</a:t>
+                      </a:r>
+                      <a:endParaRPr lang="zh-CN" altLang="en-US" dirty="0"/>
+                    </a:p>
+                  </a:txBody>
+                  <a:tcPr>
+                    <a:solidFill>
+                      <a:srgbClr val="00B050"/>
+                    </a:solidFill>
+                  </a:tcPr>
+                </a:tc>
+                <a:tc>
+                  <a:txBody>
+                    <a:bodyPr/>
+                    <a:lstStyle/>
+                    <a:p>
+                      <a:r>
+                        <a:rPr lang="en-US" altLang="zh-CN" dirty="0"/>
+                        <a:t>5</a:t>
+                      </a:r>
+                      <a:endParaRPr lang="zh-CN" altLang="en-US" dirty="0"/>
+                    </a:p>
+                  </a:txBody>
+                  <a:tcPr>
+                    <a:solidFill>
+                      <a:srgbClr val="00B050"/>
+                    </a:solidFill>
+                  </a:tcPr>
+                </a:tc>
+                <a:tc>
+                  <a:txBody>
+                    <a:bodyPr/>
+                    <a:lstStyle/>
+                    <a:p>
+                      <a:endParaRPr lang="zh-CN" altLang="en-US" dirty="0"/>
+                    </a:p>
+                  </a:txBody>
+                  <a:tcPr>
+                    <a:solidFill>
+                      <a:srgbClr val="00B050"/>
+                    </a:solidFill>
+                  </a:tcPr>
+                </a:tc>
+                <a:extLst>
+                  <a:ext uri="{0D108BD9-81ED-4DB2-BD59-A6C34878D82A}">
+                    <a16:rowId xmlns:a16="http://schemas.microsoft.com/office/drawing/2014/main" val="3590935543"/>
+                  </a:ext>
+                </a:extLst>
+              </a:tr>
+              <a:tr h="370840">
+                <a:tc>
+                  <a:txBody>
+                    <a:bodyPr/>
+                    <a:lstStyle/>
+                    <a:p>
+                      <a:r>
+                        <a:rPr lang="en-US" altLang="zh-CN" dirty="0"/>
+                        <a:t>8</a:t>
+                      </a:r>
+                      <a:endParaRPr lang="zh-CN" altLang="en-US" dirty="0"/>
+                    </a:p>
+                  </a:txBody>
+                  <a:tcPr>
+                    <a:solidFill>
+                      <a:srgbClr val="00B050"/>
+                    </a:solidFill>
+                  </a:tcPr>
+                </a:tc>
+                <a:tc>
+                  <a:txBody>
+                    <a:bodyPr/>
+                    <a:lstStyle/>
+                    <a:p>
+                      <a:r>
+                        <a:rPr lang="en-US" altLang="zh-CN" dirty="0"/>
+                        <a:t>proc</a:t>
+                      </a:r>
+                      <a:endParaRPr lang="zh-CN" altLang="en-US" dirty="0"/>
+                    </a:p>
+                  </a:txBody>
+                  <a:tcPr>
+                    <a:solidFill>
+                      <a:srgbClr val="00B050"/>
+                    </a:solidFill>
+                  </a:tcPr>
+                </a:tc>
+                <a:tc>
+                  <a:txBody>
+                    <a:bodyPr/>
+                    <a:lstStyle/>
+                    <a:p>
+                      <a:r>
+                        <a:rPr lang="en-US" altLang="zh-CN" dirty="0"/>
+                        <a:t>Pa1</a:t>
+                      </a:r>
+                      <a:endParaRPr lang="zh-CN" altLang="en-US" dirty="0"/>
+                    </a:p>
+                  </a:txBody>
+                  <a:tcPr>
+                    <a:solidFill>
+                      <a:srgbClr val="00B050"/>
+                    </a:solidFill>
+                  </a:tcPr>
+                </a:tc>
+                <a:tc>
+                  <a:txBody>
+                    <a:bodyPr/>
+                    <a:lstStyle/>
+                    <a:p>
+                      <a:r>
+                        <a:rPr lang="en-US" altLang="zh-CN" dirty="0"/>
+                        <a:t>7</a:t>
+                      </a:r>
+                      <a:endParaRPr lang="zh-CN" altLang="en-US" dirty="0"/>
+                    </a:p>
+                  </a:txBody>
+                  <a:tcPr>
+                    <a:solidFill>
+                      <a:srgbClr val="00B050"/>
+                    </a:solidFill>
+                  </a:tcPr>
+                </a:tc>
+                <a:tc>
+                  <a:txBody>
+                    <a:bodyPr/>
+                    <a:lstStyle/>
+                    <a:p>
+                      <a:r>
+                        <a:rPr lang="en-US" altLang="zh-CN" dirty="0"/>
+                        <a:t>2</a:t>
+                      </a:r>
+                      <a:endParaRPr lang="zh-CN" altLang="en-US" dirty="0"/>
+                    </a:p>
+                  </a:txBody>
+                  <a:tcPr>
+                    <a:solidFill>
+                      <a:srgbClr val="00B050"/>
+                    </a:solidFill>
+                  </a:tcPr>
+                </a:tc>
+                <a:tc>
+                  <a:txBody>
+                    <a:bodyPr/>
+                    <a:lstStyle/>
+                    <a:p>
+                      <a:r>
+                        <a:rPr lang="en-US" altLang="zh-CN" dirty="0"/>
+                        <a:t>5</a:t>
+                      </a:r>
+                      <a:endParaRPr lang="zh-CN" altLang="en-US" dirty="0"/>
+                    </a:p>
+                  </a:txBody>
+                  <a:tcPr>
+                    <a:solidFill>
+                      <a:srgbClr val="00B050"/>
+                    </a:solidFill>
+                  </a:tcPr>
+                </a:tc>
+                <a:tc>
+                  <a:txBody>
+                    <a:bodyPr/>
+                    <a:lstStyle/>
+                    <a:p>
+                      <a:endParaRPr lang="zh-CN" altLang="en-US" dirty="0"/>
+                    </a:p>
+                  </a:txBody>
+                  <a:tcPr>
+                    <a:solidFill>
+                      <a:srgbClr val="00B050"/>
+                    </a:solidFill>
+                  </a:tcPr>
+                </a:tc>
+                <a:extLst>
+                  <a:ext uri="{0D108BD9-81ED-4DB2-BD59-A6C34878D82A}">
+                    <a16:rowId xmlns:a16="http://schemas.microsoft.com/office/drawing/2014/main" val="3341295315"/>
+                  </a:ext>
+                </a:extLst>
+              </a:tr>
+              <a:tr h="370840">
+                <a:tc>
+                  <a:txBody>
+                    <a:bodyPr/>
+                    <a:lstStyle/>
+                    <a:p>
+                      <a:r>
+                        <a:rPr lang="en-US" altLang="zh-CN" dirty="0"/>
+                        <a:t>9</a:t>
+                      </a:r>
+                      <a:endParaRPr lang="zh-CN" altLang="en-US" dirty="0"/>
+                    </a:p>
+                  </a:txBody>
+                  <a:tcPr>
+                    <a:solidFill>
+                      <a:srgbClr val="0070C0"/>
+                    </a:solidFill>
+                  </a:tcPr>
+                </a:tc>
+                <a:tc>
+                  <a:txBody>
+                    <a:bodyPr/>
+                    <a:lstStyle/>
+                    <a:p>
+                      <a:r>
+                        <a:rPr lang="en-US" altLang="zh-CN" dirty="0"/>
+                        <a:t>form</a:t>
+                      </a:r>
+                      <a:endParaRPr lang="zh-CN" altLang="en-US" dirty="0"/>
+                    </a:p>
+                  </a:txBody>
+                  <a:tcPr>
+                    <a:solidFill>
+                      <a:srgbClr val="0070C0"/>
+                    </a:solidFill>
+                  </a:tcPr>
+                </a:tc>
+                <a:tc>
+                  <a:txBody>
+                    <a:bodyPr/>
+                    <a:lstStyle/>
+                    <a:p>
+                      <a:r>
+                        <a:rPr lang="en-US" altLang="zh-CN" dirty="0" err="1"/>
+                        <a:t>i</a:t>
+                      </a:r>
+                      <a:endParaRPr lang="zh-CN" altLang="en-US" dirty="0"/>
+                    </a:p>
+                  </a:txBody>
+                  <a:tcPr>
+                    <a:solidFill>
+                      <a:srgbClr val="0070C0"/>
+                    </a:solidFill>
+                  </a:tcPr>
+                </a:tc>
+                <a:tc>
+                  <a:txBody>
+                    <a:bodyPr/>
+                    <a:lstStyle/>
+                    <a:p>
+                      <a:r>
+                        <a:rPr lang="en-US" altLang="zh-CN" dirty="0"/>
+                        <a:t>0</a:t>
+                      </a:r>
+                      <a:endParaRPr lang="zh-CN" altLang="en-US" dirty="0"/>
+                    </a:p>
+                  </a:txBody>
+                  <a:tcPr>
+                    <a:solidFill>
+                      <a:srgbClr val="0070C0"/>
+                    </a:solidFill>
+                  </a:tcPr>
+                </a:tc>
+                <a:tc>
+                  <a:txBody>
+                    <a:bodyPr/>
+                    <a:lstStyle/>
+                    <a:p>
+                      <a:r>
+                        <a:rPr lang="en-US" altLang="zh-CN" dirty="0"/>
+                        <a:t>3</a:t>
+                      </a:r>
+                      <a:endParaRPr lang="zh-CN" altLang="en-US" dirty="0"/>
+                    </a:p>
+                  </a:txBody>
+                  <a:tcPr>
+                    <a:solidFill>
+                      <a:srgbClr val="0070C0"/>
+                    </a:solidFill>
+                  </a:tcPr>
+                </a:tc>
+                <a:tc>
+                  <a:txBody>
+                    <a:bodyPr/>
+                    <a:lstStyle/>
+                    <a:p>
+                      <a:r>
+                        <a:rPr lang="en-US" altLang="zh-CN" dirty="0"/>
+                        <a:t>8</a:t>
+                      </a:r>
+                      <a:endParaRPr lang="zh-CN" altLang="en-US" dirty="0"/>
+                    </a:p>
+                  </a:txBody>
+                  <a:tcPr>
+                    <a:solidFill>
+                      <a:srgbClr val="0070C0"/>
+                    </a:solidFill>
+                  </a:tcPr>
+                </a:tc>
+                <a:tc>
+                  <a:txBody>
+                    <a:bodyPr/>
+                    <a:lstStyle/>
+                    <a:p>
+                      <a:endParaRPr lang="zh-CN" altLang="en-US" dirty="0"/>
+                    </a:p>
+                  </a:txBody>
+                  <a:tcPr>
+                    <a:solidFill>
+                      <a:srgbClr val="0070C0"/>
+                    </a:solidFill>
+                  </a:tcPr>
+                </a:tc>
+                <a:extLst>
+                  <a:ext uri="{0D108BD9-81ED-4DB2-BD59-A6C34878D82A}">
+                    <a16:rowId xmlns:a16="http://schemas.microsoft.com/office/drawing/2014/main" val="567465330"/>
+                  </a:ext>
+                </a:extLst>
+              </a:tr>
+              <a:tr h="370840">
+                <a:tc>
+                  <a:txBody>
+                    <a:bodyPr/>
+                    <a:lstStyle/>
+                    <a:p>
+                      <a:r>
+                        <a:rPr lang="en-US" altLang="zh-CN" dirty="0"/>
+                        <a:t>10</a:t>
+                      </a:r>
+                      <a:endParaRPr lang="zh-CN" altLang="en-US" dirty="0"/>
+                    </a:p>
+                  </a:txBody>
+                  <a:tcPr>
+                    <a:solidFill>
+                      <a:srgbClr val="0070C0"/>
+                    </a:solidFill>
+                  </a:tcPr>
+                </a:tc>
+                <a:tc>
+                  <a:txBody>
+                    <a:bodyPr/>
+                    <a:lstStyle/>
+                    <a:p>
+                      <a:r>
+                        <a:rPr lang="en-US" altLang="zh-CN" dirty="0"/>
+                        <a:t>var</a:t>
+                      </a:r>
+                      <a:endParaRPr lang="zh-CN" altLang="en-US" dirty="0"/>
+                    </a:p>
+                  </a:txBody>
+                  <a:tcPr>
+                    <a:solidFill>
+                      <a:srgbClr val="0070C0"/>
+                    </a:solidFill>
+                  </a:tcPr>
+                </a:tc>
+                <a:tc>
+                  <a:txBody>
+                    <a:bodyPr/>
+                    <a:lstStyle/>
+                    <a:p>
+                      <a:r>
+                        <a:rPr lang="en-US" altLang="zh-CN" dirty="0"/>
+                        <a:t>a</a:t>
+                      </a:r>
+                      <a:endParaRPr lang="zh-CN" altLang="en-US" dirty="0"/>
+                    </a:p>
+                  </a:txBody>
+                  <a:tcPr>
+                    <a:solidFill>
+                      <a:srgbClr val="0070C0"/>
+                    </a:solidFill>
+                  </a:tcPr>
+                </a:tc>
+                <a:tc>
+                  <a:txBody>
+                    <a:bodyPr/>
+                    <a:lstStyle/>
+                    <a:p>
+                      <a:r>
+                        <a:rPr lang="en-US" altLang="zh-CN" dirty="0"/>
+                        <a:t>9</a:t>
+                      </a:r>
+                      <a:endParaRPr lang="zh-CN" altLang="en-US" dirty="0"/>
+                    </a:p>
+                  </a:txBody>
+                  <a:tcPr>
+                    <a:solidFill>
+                      <a:srgbClr val="0070C0"/>
+                    </a:solidFill>
+                  </a:tcPr>
+                </a:tc>
+                <a:tc>
+                  <a:txBody>
+                    <a:bodyPr/>
+                    <a:lstStyle/>
+                    <a:p>
+                      <a:r>
+                        <a:rPr lang="en-US" altLang="zh-CN" dirty="0"/>
+                        <a:t>3</a:t>
+                      </a:r>
+                      <a:endParaRPr lang="zh-CN" altLang="en-US" dirty="0"/>
+                    </a:p>
+                  </a:txBody>
+                  <a:tcPr>
+                    <a:solidFill>
+                      <a:srgbClr val="0070C0"/>
+                    </a:solidFill>
+                  </a:tcPr>
+                </a:tc>
+                <a:tc>
+                  <a:txBody>
+                    <a:bodyPr/>
+                    <a:lstStyle/>
+                    <a:p>
+                      <a:r>
+                        <a:rPr lang="en-US" altLang="zh-CN" dirty="0"/>
+                        <a:t>8</a:t>
+                      </a:r>
+                      <a:endParaRPr lang="zh-CN" altLang="en-US" dirty="0"/>
+                    </a:p>
+                  </a:txBody>
+                  <a:tcPr>
+                    <a:solidFill>
+                      <a:srgbClr val="0070C0"/>
+                    </a:solidFill>
+                  </a:tcPr>
+                </a:tc>
+                <a:tc>
+                  <a:txBody>
+                    <a:bodyPr/>
+                    <a:lstStyle/>
+                    <a:p>
+                      <a:endParaRPr lang="zh-CN" altLang="en-US" dirty="0"/>
+                    </a:p>
+                  </a:txBody>
+                  <a:tcPr>
+                    <a:solidFill>
+                      <a:srgbClr val="0070C0"/>
+                    </a:solidFill>
+                  </a:tcPr>
+                </a:tc>
+                <a:extLst>
+                  <a:ext uri="{0D108BD9-81ED-4DB2-BD59-A6C34878D82A}">
+                    <a16:rowId xmlns:a16="http://schemas.microsoft.com/office/drawing/2014/main" val="68869619"/>
+                  </a:ext>
+                </a:extLst>
+              </a:tr>
+              <a:tr h="370840">
+                <a:tc>
+                  <a:txBody>
+                    <a:bodyPr/>
+                    <a:lstStyle/>
+                    <a:p>
+                      <a:r>
+                        <a:rPr lang="en-US" altLang="zh-CN" dirty="0"/>
+                        <a:t>11</a:t>
+                      </a:r>
+                      <a:endParaRPr lang="zh-CN" altLang="en-US" dirty="0"/>
+                    </a:p>
+                  </a:txBody>
+                  <a:tcPr>
+                    <a:solidFill>
+                      <a:schemeClr val="accent2"/>
+                    </a:solidFill>
+                  </a:tcPr>
+                </a:tc>
+                <a:tc>
+                  <a:txBody>
+                    <a:bodyPr/>
+                    <a:lstStyle/>
+                    <a:p>
+                      <a:r>
+                        <a:rPr lang="en-US" altLang="zh-CN" dirty="0"/>
+                        <a:t>proc</a:t>
+                      </a:r>
+                      <a:endParaRPr lang="zh-CN" altLang="en-US" dirty="0"/>
+                    </a:p>
+                  </a:txBody>
+                  <a:tcPr>
+                    <a:solidFill>
+                      <a:schemeClr val="accent2"/>
+                    </a:solidFill>
+                  </a:tcPr>
+                </a:tc>
+                <a:tc>
+                  <a:txBody>
+                    <a:bodyPr/>
+                    <a:lstStyle/>
+                    <a:p>
+                      <a:r>
+                        <a:rPr lang="en-US" altLang="zh-CN" dirty="0"/>
+                        <a:t>Pb</a:t>
+                      </a:r>
+                      <a:endParaRPr lang="zh-CN" altLang="en-US" dirty="0"/>
+                    </a:p>
+                  </a:txBody>
+                  <a:tcPr>
+                    <a:solidFill>
+                      <a:schemeClr val="accent2"/>
+                    </a:solidFill>
+                  </a:tcPr>
+                </a:tc>
+                <a:tc>
+                  <a:txBody>
+                    <a:bodyPr/>
+                    <a:lstStyle/>
+                    <a:p>
+                      <a:r>
+                        <a:rPr lang="en-US" altLang="zh-CN" dirty="0"/>
+                        <a:t>5</a:t>
+                      </a:r>
+                      <a:endParaRPr lang="zh-CN" altLang="en-US" dirty="0"/>
+                    </a:p>
+                  </a:txBody>
+                  <a:tcPr>
+                    <a:solidFill>
+                      <a:schemeClr val="accent2"/>
+                    </a:solidFill>
+                  </a:tcPr>
+                </a:tc>
+                <a:tc>
+                  <a:txBody>
+                    <a:bodyPr/>
+                    <a:lstStyle/>
+                    <a:p>
+                      <a:r>
+                        <a:rPr lang="en-US" altLang="zh-CN" dirty="0"/>
+                        <a:t>1</a:t>
+                      </a:r>
+                      <a:endParaRPr lang="zh-CN" altLang="en-US" dirty="0"/>
+                    </a:p>
+                  </a:txBody>
+                  <a:tcPr>
+                    <a:solidFill>
+                      <a:schemeClr val="accent2"/>
+                    </a:solidFill>
+                  </a:tcPr>
+                </a:tc>
+                <a:tc>
+                  <a:txBody>
+                    <a:bodyPr/>
+                    <a:lstStyle/>
+                    <a:p>
+                      <a:r>
+                        <a:rPr lang="en-US" altLang="zh-CN" dirty="0"/>
+                        <a:t>2</a:t>
+                      </a:r>
+                      <a:endParaRPr lang="zh-CN" altLang="en-US" dirty="0"/>
+                    </a:p>
+                  </a:txBody>
+                  <a:tcPr>
+                    <a:solidFill>
+                      <a:schemeClr val="accent2"/>
+                    </a:solidFill>
+                  </a:tcPr>
+                </a:tc>
+                <a:tc>
+                  <a:txBody>
+                    <a:bodyPr/>
+                    <a:lstStyle/>
+                    <a:p>
+                      <a:endParaRPr lang="zh-CN" altLang="en-US" dirty="0"/>
+                    </a:p>
+                  </a:txBody>
+                  <a:tcPr>
+                    <a:solidFill>
+                      <a:schemeClr val="accent2"/>
+                    </a:solidFill>
+                  </a:tcPr>
+                </a:tc>
+                <a:extLst>
+                  <a:ext uri="{0D108BD9-81ED-4DB2-BD59-A6C34878D82A}">
+                    <a16:rowId xmlns:a16="http://schemas.microsoft.com/office/drawing/2014/main" val="611985189"/>
+                  </a:ext>
+                </a:extLst>
+              </a:tr>
+              <a:tr h="370840">
+                <a:tc>
+                  <a:txBody>
+                    <a:bodyPr/>
+                    <a:lstStyle/>
+                    <a:p>
+                      <a:r>
+                        <a:rPr lang="en-US" altLang="zh-CN" dirty="0"/>
+                        <a:t>12</a:t>
+                      </a:r>
+                      <a:endParaRPr lang="zh-CN" altLang="en-US" dirty="0"/>
+                    </a:p>
+                  </a:txBody>
+                  <a:tcPr>
+                    <a:solidFill>
+                      <a:srgbClr val="7030A0"/>
+                    </a:solidFill>
+                  </a:tcPr>
+                </a:tc>
+                <a:tc>
+                  <a:txBody>
+                    <a:bodyPr/>
+                    <a:lstStyle/>
+                    <a:p>
+                      <a:r>
+                        <a:rPr lang="en-US" altLang="zh-CN" dirty="0"/>
+                        <a:t>form</a:t>
+                      </a:r>
+                      <a:endParaRPr lang="zh-CN" altLang="en-US" dirty="0"/>
+                    </a:p>
+                  </a:txBody>
+                  <a:tcPr>
+                    <a:solidFill>
+                      <a:srgbClr val="7030A0"/>
+                    </a:solidFill>
+                  </a:tcPr>
+                </a:tc>
+                <a:tc>
+                  <a:txBody>
+                    <a:bodyPr/>
+                    <a:lstStyle/>
+                    <a:p>
+                      <a:r>
+                        <a:rPr lang="en-US" altLang="zh-CN" dirty="0" err="1"/>
+                        <a:t>i</a:t>
+                      </a:r>
+                      <a:endParaRPr lang="zh-CN" altLang="en-US" dirty="0"/>
+                    </a:p>
+                  </a:txBody>
+                  <a:tcPr>
+                    <a:solidFill>
+                      <a:srgbClr val="7030A0"/>
+                    </a:solidFill>
+                  </a:tcPr>
+                </a:tc>
+                <a:tc>
+                  <a:txBody>
+                    <a:bodyPr/>
+                    <a:lstStyle/>
+                    <a:p>
+                      <a:r>
+                        <a:rPr lang="en-US" altLang="zh-CN" dirty="0"/>
+                        <a:t>0</a:t>
+                      </a:r>
+                      <a:endParaRPr lang="zh-CN" altLang="en-US" dirty="0"/>
+                    </a:p>
+                  </a:txBody>
+                  <a:tcPr>
+                    <a:solidFill>
+                      <a:srgbClr val="7030A0"/>
+                    </a:solidFill>
+                  </a:tcPr>
+                </a:tc>
+                <a:tc>
+                  <a:txBody>
+                    <a:bodyPr/>
+                    <a:lstStyle/>
+                    <a:p>
+                      <a:r>
+                        <a:rPr lang="en-US" altLang="zh-CN" dirty="0"/>
+                        <a:t>2</a:t>
+                      </a:r>
+                      <a:endParaRPr lang="zh-CN" altLang="en-US" dirty="0"/>
+                    </a:p>
+                  </a:txBody>
+                  <a:tcPr>
+                    <a:solidFill>
+                      <a:srgbClr val="7030A0"/>
+                    </a:solidFill>
+                  </a:tcPr>
+                </a:tc>
+                <a:tc>
+                  <a:txBody>
+                    <a:bodyPr/>
+                    <a:lstStyle/>
+                    <a:p>
+                      <a:r>
+                        <a:rPr lang="en-US" altLang="zh-CN" dirty="0"/>
+                        <a:t>11</a:t>
+                      </a:r>
+                      <a:endParaRPr lang="zh-CN" altLang="en-US" dirty="0"/>
+                    </a:p>
+                  </a:txBody>
+                  <a:tcPr>
+                    <a:solidFill>
+                      <a:srgbClr val="7030A0"/>
+                    </a:solidFill>
+                  </a:tcPr>
+                </a:tc>
+                <a:tc>
+                  <a:txBody>
+                    <a:bodyPr/>
+                    <a:lstStyle/>
+                    <a:p>
+                      <a:endParaRPr lang="zh-CN" altLang="en-US" dirty="0"/>
+                    </a:p>
+                  </a:txBody>
+                  <a:tcPr>
+                    <a:solidFill>
+                      <a:srgbClr val="7030A0"/>
+                    </a:solidFill>
+                  </a:tcPr>
+                </a:tc>
+                <a:extLst>
+                  <a:ext uri="{0D108BD9-81ED-4DB2-BD59-A6C34878D82A}">
+                    <a16:rowId xmlns:a16="http://schemas.microsoft.com/office/drawing/2014/main" val="2764821762"/>
+                  </a:ext>
+                </a:extLst>
+              </a:tr>
+              <a:tr h="370840">
+                <a:tc>
+                  <a:txBody>
+                    <a:bodyPr/>
+                    <a:lstStyle/>
+                    <a:p>
+                      <a:r>
+                        <a:rPr lang="en-US" altLang="zh-CN" dirty="0"/>
+                        <a:t>13</a:t>
+                      </a:r>
+                      <a:endParaRPr lang="zh-CN" altLang="en-US" dirty="0"/>
+                    </a:p>
+                  </a:txBody>
+                  <a:tcPr>
+                    <a:solidFill>
+                      <a:srgbClr val="7030A0"/>
+                    </a:solidFill>
+                  </a:tcPr>
+                </a:tc>
+                <a:tc>
+                  <a:txBody>
+                    <a:bodyPr/>
+                    <a:lstStyle/>
+                    <a:p>
+                      <a:r>
+                        <a:rPr lang="en-US" altLang="zh-CN" dirty="0"/>
+                        <a:t>var</a:t>
+                      </a:r>
+                      <a:endParaRPr lang="zh-CN" altLang="en-US" dirty="0"/>
+                    </a:p>
+                  </a:txBody>
+                  <a:tcPr>
+                    <a:solidFill>
+                      <a:srgbClr val="7030A0"/>
+                    </a:solidFill>
+                  </a:tcPr>
+                </a:tc>
+                <a:tc>
+                  <a:txBody>
+                    <a:bodyPr/>
+                    <a:lstStyle/>
+                    <a:p>
+                      <a:r>
+                        <a:rPr lang="en-US" altLang="zh-CN" dirty="0"/>
+                        <a:t>a</a:t>
+                      </a:r>
+                      <a:endParaRPr lang="zh-CN" altLang="en-US" dirty="0"/>
+                    </a:p>
+                  </a:txBody>
+                  <a:tcPr>
+                    <a:solidFill>
+                      <a:srgbClr val="7030A0"/>
+                    </a:solidFill>
+                  </a:tcPr>
+                </a:tc>
+                <a:tc>
+                  <a:txBody>
+                    <a:bodyPr/>
+                    <a:lstStyle/>
+                    <a:p>
+                      <a:r>
+                        <a:rPr lang="en-US" altLang="zh-CN" dirty="0"/>
+                        <a:t>12</a:t>
+                      </a:r>
+                      <a:endParaRPr lang="zh-CN" altLang="en-US" dirty="0"/>
+                    </a:p>
+                  </a:txBody>
+                  <a:tcPr>
+                    <a:solidFill>
+                      <a:srgbClr val="7030A0"/>
+                    </a:solidFill>
+                  </a:tcPr>
+                </a:tc>
+                <a:tc>
+                  <a:txBody>
+                    <a:bodyPr/>
+                    <a:lstStyle/>
+                    <a:p>
+                      <a:r>
+                        <a:rPr lang="en-US" altLang="zh-CN" dirty="0"/>
+                        <a:t>2</a:t>
+                      </a:r>
+                      <a:endParaRPr lang="zh-CN" altLang="en-US" dirty="0"/>
+                    </a:p>
+                  </a:txBody>
+                  <a:tcPr>
+                    <a:solidFill>
+                      <a:srgbClr val="7030A0"/>
+                    </a:solidFill>
+                  </a:tcPr>
+                </a:tc>
+                <a:tc>
+                  <a:txBody>
+                    <a:bodyPr/>
+                    <a:lstStyle/>
+                    <a:p>
+                      <a:r>
+                        <a:rPr lang="en-US" altLang="zh-CN" dirty="0"/>
+                        <a:t>11</a:t>
+                      </a:r>
+                      <a:endParaRPr lang="zh-CN" altLang="en-US" dirty="0"/>
+                    </a:p>
+                  </a:txBody>
+                  <a:tcPr>
+                    <a:solidFill>
+                      <a:srgbClr val="7030A0"/>
+                    </a:solidFill>
+                  </a:tcPr>
+                </a:tc>
+                <a:tc>
+                  <a:txBody>
+                    <a:bodyPr/>
+                    <a:lstStyle/>
+                    <a:p>
+                      <a:endParaRPr lang="zh-CN" altLang="en-US" dirty="0"/>
+                    </a:p>
+                  </a:txBody>
+                  <a:tcPr>
+                    <a:solidFill>
+                      <a:srgbClr val="7030A0"/>
+                    </a:solidFill>
+                  </a:tcPr>
+                </a:tc>
+                <a:extLst>
+                  <a:ext uri="{0D108BD9-81ED-4DB2-BD59-A6C34878D82A}">
+                    <a16:rowId xmlns:a16="http://schemas.microsoft.com/office/drawing/2014/main" val="3993768685"/>
+                  </a:ext>
+                </a:extLst>
+              </a:tr>
+            </a:tbl>
+          </a:graphicData>
+        </a:graphic>
+      </p:graphicFrame>
+      <p:cxnSp>
+        <p:nvCxnSpPr>
+          <p:cNvPr id="6" name="直接箭头连接符 5">
+            <a:extLst>
+              <a:ext uri="{FF2B5EF4-FFF2-40B4-BE49-F238E27FC236}">
+                <a16:creationId xmlns:a16="http://schemas.microsoft.com/office/drawing/2014/main" id="{CA66F5EB-26F6-09B5-33E6-12C947595EA0}"/>
+              </a:ext>
+            </a:extLst>
+          </p:cNvPr>
+          <p:cNvCxnSpPr>
+            <a:cxnSpLocks/>
+            <a:stCxn id="8" idx="1"/>
+          </p:cNvCxnSpPr>
+          <p:nvPr/>
+        </p:nvCxnSpPr>
+        <p:spPr>
+          <a:xfrm flipH="1">
+            <a:off x="7610182" y="202864"/>
+            <a:ext cx="309418" cy="711536"/>
+          </a:xfrm>
+          <a:prstGeom prst="straightConnector1">
+            <a:avLst/>
+          </a:prstGeom>
+          <a:ln>
+            <a:solidFill>
+              <a:srgbClr val="FF0000"/>
+            </a:solidFill>
+            <a:tailEnd type="triangle"/>
+          </a:ln>
+        </p:spPr>
+        <p:style>
+          <a:lnRef idx="1">
+            <a:schemeClr val="accent1"/>
+          </a:lnRef>
+          <a:fillRef idx="0">
+            <a:schemeClr val="accent1"/>
+          </a:fillRef>
+          <a:effectRef idx="0">
+            <a:schemeClr val="accent1"/>
+          </a:effectRef>
+          <a:fontRef idx="minor">
+            <a:schemeClr val="tx1"/>
+          </a:fontRef>
+        </p:style>
+      </p:cxnSp>
+      <p:graphicFrame>
+        <p:nvGraphicFramePr>
+          <p:cNvPr id="8" name="表格 7">
+            <a:extLst>
+              <a:ext uri="{FF2B5EF4-FFF2-40B4-BE49-F238E27FC236}">
+                <a16:creationId xmlns:a16="http://schemas.microsoft.com/office/drawing/2014/main" id="{6FE7B1EE-EAD2-107E-FACD-F785D7A57B4B}"/>
+              </a:ext>
+            </a:extLst>
+          </p:cNvPr>
+          <p:cNvGraphicFramePr>
+            <a:graphicFrameLocks noGrp="1"/>
+          </p:cNvGraphicFramePr>
+          <p:nvPr>
+            <p:extLst>
+              <p:ext uri="{D42A27DB-BD31-4B8C-83A1-F6EECF244321}">
+                <p14:modId xmlns:p14="http://schemas.microsoft.com/office/powerpoint/2010/main" val="3654156346"/>
+              </p:ext>
+            </p:extLst>
+          </p:nvPr>
+        </p:nvGraphicFramePr>
+        <p:xfrm>
+          <a:off x="7919600" y="17444"/>
+          <a:ext cx="468000" cy="370840"/>
+        </p:xfrm>
+        <a:graphic>
+          <a:graphicData uri="http://schemas.openxmlformats.org/drawingml/2006/table">
+            <a:tbl>
+              <a:tblPr firstRow="1" bandRow="1">
+                <a:tableStyleId>{5940675A-B579-460E-94D1-54222C63F5DA}</a:tableStyleId>
+              </a:tblPr>
+              <a:tblGrid>
+                <a:gridCol w="468000">
+                  <a:extLst>
+                    <a:ext uri="{9D8B030D-6E8A-4147-A177-3AD203B41FA5}">
+                      <a16:colId xmlns:a16="http://schemas.microsoft.com/office/drawing/2014/main" val="545268932"/>
+                    </a:ext>
+                  </a:extLst>
+                </a:gridCol>
+              </a:tblGrid>
+              <a:tr h="370840">
+                <a:tc>
+                  <a:txBody>
+                    <a:bodyPr/>
+                    <a:lstStyle/>
+                    <a:p>
+                      <a:r>
+                        <a:rPr lang="en-US" altLang="zh-CN" dirty="0"/>
+                        <a:t>0</a:t>
+                      </a:r>
+                      <a:endParaRPr lang="zh-CN" altLang="en-US" dirty="0"/>
+                    </a:p>
+                  </a:txBody>
+                  <a:tcPr>
+                    <a:solidFill>
+                      <a:srgbClr val="FF0000"/>
+                    </a:solidFill>
+                  </a:tcPr>
+                </a:tc>
+                <a:extLst>
+                  <a:ext uri="{0D108BD9-81ED-4DB2-BD59-A6C34878D82A}">
+                    <a16:rowId xmlns:a16="http://schemas.microsoft.com/office/drawing/2014/main" val="1585843347"/>
+                  </a:ext>
+                </a:extLst>
+              </a:tr>
+            </a:tbl>
+          </a:graphicData>
+        </a:graphic>
+      </p:graphicFrame>
+      <p:cxnSp>
+        <p:nvCxnSpPr>
+          <p:cNvPr id="10" name="直接箭头连接符 9">
+            <a:extLst>
+              <a:ext uri="{FF2B5EF4-FFF2-40B4-BE49-F238E27FC236}">
+                <a16:creationId xmlns:a16="http://schemas.microsoft.com/office/drawing/2014/main" id="{CD6B7B4B-EC8F-4210-D02D-DCCA3E8C9B06}"/>
+              </a:ext>
+            </a:extLst>
+          </p:cNvPr>
+          <p:cNvCxnSpPr>
+            <a:cxnSpLocks/>
+            <a:stCxn id="11" idx="1"/>
+          </p:cNvCxnSpPr>
+          <p:nvPr/>
+        </p:nvCxnSpPr>
+        <p:spPr>
+          <a:xfrm flipH="1">
+            <a:off x="7610182" y="651342"/>
+            <a:ext cx="309418" cy="594777"/>
+          </a:xfrm>
+          <a:prstGeom prst="straightConnector1">
+            <a:avLst/>
+          </a:prstGeom>
+          <a:ln>
+            <a:solidFill>
+              <a:srgbClr val="FF0000"/>
+            </a:solidFill>
+            <a:tailEnd type="triangle"/>
+          </a:ln>
+        </p:spPr>
+        <p:style>
+          <a:lnRef idx="1">
+            <a:schemeClr val="accent1"/>
+          </a:lnRef>
+          <a:fillRef idx="0">
+            <a:schemeClr val="accent1"/>
+          </a:fillRef>
+          <a:effectRef idx="0">
+            <a:schemeClr val="accent1"/>
+          </a:effectRef>
+          <a:fontRef idx="minor">
+            <a:schemeClr val="tx1"/>
+          </a:fontRef>
+        </p:style>
+      </p:cxnSp>
+      <p:graphicFrame>
+        <p:nvGraphicFramePr>
+          <p:cNvPr id="11" name="表格 10">
+            <a:extLst>
+              <a:ext uri="{FF2B5EF4-FFF2-40B4-BE49-F238E27FC236}">
+                <a16:creationId xmlns:a16="http://schemas.microsoft.com/office/drawing/2014/main" id="{5F503A86-FE39-389B-1640-8529D469AEF5}"/>
+              </a:ext>
+            </a:extLst>
+          </p:cNvPr>
+          <p:cNvGraphicFramePr>
+            <a:graphicFrameLocks noGrp="1"/>
+          </p:cNvGraphicFramePr>
+          <p:nvPr>
+            <p:extLst>
+              <p:ext uri="{D42A27DB-BD31-4B8C-83A1-F6EECF244321}">
+                <p14:modId xmlns:p14="http://schemas.microsoft.com/office/powerpoint/2010/main" val="1681052064"/>
+              </p:ext>
+            </p:extLst>
+          </p:nvPr>
+        </p:nvGraphicFramePr>
+        <p:xfrm>
+          <a:off x="7919600" y="468462"/>
+          <a:ext cx="468000" cy="365760"/>
+        </p:xfrm>
+        <a:graphic>
+          <a:graphicData uri="http://schemas.openxmlformats.org/drawingml/2006/table">
+            <a:tbl>
+              <a:tblPr firstRow="1" bandRow="1">
+                <a:tableStyleId>{5940675A-B579-460E-94D1-54222C63F5DA}</a:tableStyleId>
+              </a:tblPr>
+              <a:tblGrid>
+                <a:gridCol w="468000">
+                  <a:extLst>
+                    <a:ext uri="{9D8B030D-6E8A-4147-A177-3AD203B41FA5}">
+                      <a16:colId xmlns:a16="http://schemas.microsoft.com/office/drawing/2014/main" val="545268932"/>
+                    </a:ext>
+                  </a:extLst>
+                </a:gridCol>
+              </a:tblGrid>
+              <a:tr h="288000">
+                <a:tc>
+                  <a:txBody>
+                    <a:bodyPr/>
+                    <a:lstStyle/>
+                    <a:p>
+                      <a:r>
+                        <a:rPr lang="en-US" altLang="zh-CN" dirty="0"/>
+                        <a:t>1</a:t>
+                      </a:r>
+                      <a:endParaRPr lang="zh-CN" altLang="en-US" dirty="0"/>
+                    </a:p>
+                  </a:txBody>
+                  <a:tcPr>
+                    <a:solidFill>
+                      <a:srgbClr val="FF0000"/>
+                    </a:solidFill>
+                  </a:tcPr>
+                </a:tc>
+                <a:extLst>
+                  <a:ext uri="{0D108BD9-81ED-4DB2-BD59-A6C34878D82A}">
+                    <a16:rowId xmlns:a16="http://schemas.microsoft.com/office/drawing/2014/main" val="1585843347"/>
+                  </a:ext>
+                </a:extLst>
+              </a:tr>
+            </a:tbl>
+          </a:graphicData>
+        </a:graphic>
+      </p:graphicFrame>
+      <p:cxnSp>
+        <p:nvCxnSpPr>
+          <p:cNvPr id="15" name="直接箭头连接符 14">
+            <a:extLst>
+              <a:ext uri="{FF2B5EF4-FFF2-40B4-BE49-F238E27FC236}">
+                <a16:creationId xmlns:a16="http://schemas.microsoft.com/office/drawing/2014/main" id="{FF02A12D-DF02-96F1-F843-F869C038C036}"/>
+              </a:ext>
+            </a:extLst>
+          </p:cNvPr>
+          <p:cNvCxnSpPr>
+            <a:cxnSpLocks/>
+            <a:stCxn id="16" idx="1"/>
+          </p:cNvCxnSpPr>
+          <p:nvPr/>
+        </p:nvCxnSpPr>
+        <p:spPr>
+          <a:xfrm flipH="1">
+            <a:off x="7610182" y="1099820"/>
+            <a:ext cx="309418" cy="507705"/>
+          </a:xfrm>
+          <a:prstGeom prst="straightConnector1">
+            <a:avLst/>
+          </a:prstGeom>
+          <a:ln>
+            <a:solidFill>
+              <a:srgbClr val="FF0000"/>
+            </a:solidFill>
+            <a:tailEnd type="triangle"/>
+          </a:ln>
+        </p:spPr>
+        <p:style>
+          <a:lnRef idx="1">
+            <a:schemeClr val="accent1"/>
+          </a:lnRef>
+          <a:fillRef idx="0">
+            <a:schemeClr val="accent1"/>
+          </a:fillRef>
+          <a:effectRef idx="0">
+            <a:schemeClr val="accent1"/>
+          </a:effectRef>
+          <a:fontRef idx="minor">
+            <a:schemeClr val="tx1"/>
+          </a:fontRef>
+        </p:style>
+      </p:cxnSp>
+      <p:graphicFrame>
+        <p:nvGraphicFramePr>
+          <p:cNvPr id="16" name="表格 15">
+            <a:extLst>
+              <a:ext uri="{FF2B5EF4-FFF2-40B4-BE49-F238E27FC236}">
+                <a16:creationId xmlns:a16="http://schemas.microsoft.com/office/drawing/2014/main" id="{86574B7B-5D7D-F2BA-03DB-02F731A8CB8C}"/>
+              </a:ext>
+            </a:extLst>
+          </p:cNvPr>
+          <p:cNvGraphicFramePr>
+            <a:graphicFrameLocks noGrp="1"/>
+          </p:cNvGraphicFramePr>
+          <p:nvPr>
+            <p:extLst>
+              <p:ext uri="{D42A27DB-BD31-4B8C-83A1-F6EECF244321}">
+                <p14:modId xmlns:p14="http://schemas.microsoft.com/office/powerpoint/2010/main" val="2758905730"/>
+              </p:ext>
+            </p:extLst>
+          </p:nvPr>
+        </p:nvGraphicFramePr>
+        <p:xfrm>
+          <a:off x="7919600" y="916940"/>
+          <a:ext cx="468000" cy="365760"/>
+        </p:xfrm>
+        <a:graphic>
+          <a:graphicData uri="http://schemas.openxmlformats.org/drawingml/2006/table">
+            <a:tbl>
+              <a:tblPr firstRow="1" bandRow="1">
+                <a:tableStyleId>{5940675A-B579-460E-94D1-54222C63F5DA}</a:tableStyleId>
+              </a:tblPr>
+              <a:tblGrid>
+                <a:gridCol w="468000">
+                  <a:extLst>
+                    <a:ext uri="{9D8B030D-6E8A-4147-A177-3AD203B41FA5}">
+                      <a16:colId xmlns:a16="http://schemas.microsoft.com/office/drawing/2014/main" val="545268932"/>
+                    </a:ext>
+                  </a:extLst>
+                </a:gridCol>
+              </a:tblGrid>
+              <a:tr h="227227">
+                <a:tc>
+                  <a:txBody>
+                    <a:bodyPr/>
+                    <a:lstStyle/>
+                    <a:p>
+                      <a:r>
+                        <a:rPr lang="en-US" altLang="zh-CN" dirty="0"/>
+                        <a:t>2</a:t>
+                      </a:r>
+                      <a:endParaRPr lang="zh-CN" altLang="en-US" dirty="0"/>
+                    </a:p>
+                  </a:txBody>
+                  <a:tcPr>
+                    <a:solidFill>
+                      <a:srgbClr val="FF0000"/>
+                    </a:solidFill>
+                  </a:tcPr>
+                </a:tc>
+                <a:extLst>
+                  <a:ext uri="{0D108BD9-81ED-4DB2-BD59-A6C34878D82A}">
+                    <a16:rowId xmlns:a16="http://schemas.microsoft.com/office/drawing/2014/main" val="1585843347"/>
+                  </a:ext>
+                </a:extLst>
+              </a:tr>
+            </a:tbl>
+          </a:graphicData>
+        </a:graphic>
+      </p:graphicFrame>
+      <p:cxnSp>
+        <p:nvCxnSpPr>
+          <p:cNvPr id="22" name="直接箭头连接符 21">
+            <a:extLst>
+              <a:ext uri="{FF2B5EF4-FFF2-40B4-BE49-F238E27FC236}">
+                <a16:creationId xmlns:a16="http://schemas.microsoft.com/office/drawing/2014/main" id="{4A703D5E-48EA-4EAB-265C-B791CD1E1283}"/>
+              </a:ext>
+            </a:extLst>
+          </p:cNvPr>
+          <p:cNvCxnSpPr>
+            <a:cxnSpLocks/>
+            <a:stCxn id="23" idx="1"/>
+          </p:cNvCxnSpPr>
+          <p:nvPr/>
+        </p:nvCxnSpPr>
+        <p:spPr>
+          <a:xfrm flipH="1">
+            <a:off x="7610182" y="1239225"/>
+            <a:ext cx="922654" cy="739140"/>
+          </a:xfrm>
+          <a:prstGeom prst="straightConnector1">
+            <a:avLst/>
+          </a:prstGeom>
+          <a:ln>
+            <a:solidFill>
+              <a:schemeClr val="accent2"/>
+            </a:solidFill>
+            <a:tailEnd type="triangle"/>
+          </a:ln>
+        </p:spPr>
+        <p:style>
+          <a:lnRef idx="1">
+            <a:schemeClr val="accent1"/>
+          </a:lnRef>
+          <a:fillRef idx="0">
+            <a:schemeClr val="accent1"/>
+          </a:fillRef>
+          <a:effectRef idx="0">
+            <a:schemeClr val="accent1"/>
+          </a:effectRef>
+          <a:fontRef idx="minor">
+            <a:schemeClr val="tx1"/>
+          </a:fontRef>
+        </p:style>
+      </p:cxnSp>
+      <p:graphicFrame>
+        <p:nvGraphicFramePr>
+          <p:cNvPr id="23" name="表格 22">
+            <a:extLst>
+              <a:ext uri="{FF2B5EF4-FFF2-40B4-BE49-F238E27FC236}">
+                <a16:creationId xmlns:a16="http://schemas.microsoft.com/office/drawing/2014/main" id="{80049040-E57B-9649-7AE1-10A5C0788C53}"/>
+              </a:ext>
+            </a:extLst>
+          </p:cNvPr>
+          <p:cNvGraphicFramePr>
+            <a:graphicFrameLocks noGrp="1"/>
+          </p:cNvGraphicFramePr>
+          <p:nvPr>
+            <p:extLst>
+              <p:ext uri="{D42A27DB-BD31-4B8C-83A1-F6EECF244321}">
+                <p14:modId xmlns:p14="http://schemas.microsoft.com/office/powerpoint/2010/main" val="1398797187"/>
+              </p:ext>
+            </p:extLst>
+          </p:nvPr>
+        </p:nvGraphicFramePr>
+        <p:xfrm>
+          <a:off x="8532836" y="868385"/>
+          <a:ext cx="468000" cy="741680"/>
+        </p:xfrm>
+        <a:graphic>
+          <a:graphicData uri="http://schemas.openxmlformats.org/drawingml/2006/table">
+            <a:tbl>
+              <a:tblPr firstRow="1" bandRow="1">
+                <a:tableStyleId>{5940675A-B579-460E-94D1-54222C63F5DA}</a:tableStyleId>
+              </a:tblPr>
+              <a:tblGrid>
+                <a:gridCol w="468000">
+                  <a:extLst>
+                    <a:ext uri="{9D8B030D-6E8A-4147-A177-3AD203B41FA5}">
+                      <a16:colId xmlns:a16="http://schemas.microsoft.com/office/drawing/2014/main" val="545268932"/>
+                    </a:ext>
+                  </a:extLst>
+                </a:gridCol>
+              </a:tblGrid>
+              <a:tr h="370840">
+                <a:tc>
+                  <a:txBody>
+                    <a:bodyPr/>
+                    <a:lstStyle/>
+                    <a:p>
+                      <a:r>
+                        <a:rPr lang="en-US" altLang="zh-CN" dirty="0"/>
+                        <a:t>3</a:t>
+                      </a:r>
+                      <a:endParaRPr lang="zh-CN" altLang="en-US" dirty="0"/>
+                    </a:p>
+                  </a:txBody>
+                  <a:tcPr>
+                    <a:solidFill>
+                      <a:schemeClr val="accent2"/>
+                    </a:solidFill>
+                  </a:tcPr>
+                </a:tc>
+                <a:extLst>
+                  <a:ext uri="{0D108BD9-81ED-4DB2-BD59-A6C34878D82A}">
+                    <a16:rowId xmlns:a16="http://schemas.microsoft.com/office/drawing/2014/main" val="1585843347"/>
+                  </a:ext>
+                </a:extLst>
+              </a:tr>
+              <a:tr h="370840">
+                <a:tc>
+                  <a:txBody>
+                    <a:bodyPr/>
+                    <a:lstStyle/>
+                    <a:p>
+                      <a:r>
+                        <a:rPr lang="en-US" altLang="zh-CN" dirty="0"/>
+                        <a:t>2</a:t>
+                      </a:r>
+                      <a:endParaRPr lang="zh-CN" altLang="en-US" dirty="0"/>
+                    </a:p>
+                  </a:txBody>
+                  <a:tcPr>
+                    <a:solidFill>
+                      <a:srgbClr val="FF0000"/>
+                    </a:solidFill>
+                  </a:tcPr>
+                </a:tc>
+                <a:extLst>
+                  <a:ext uri="{0D108BD9-81ED-4DB2-BD59-A6C34878D82A}">
+                    <a16:rowId xmlns:a16="http://schemas.microsoft.com/office/drawing/2014/main" val="1564232948"/>
+                  </a:ext>
+                </a:extLst>
+              </a:tr>
+            </a:tbl>
+          </a:graphicData>
+        </a:graphic>
+      </p:graphicFrame>
+      <p:cxnSp>
+        <p:nvCxnSpPr>
+          <p:cNvPr id="26" name="直接箭头连接符 25">
+            <a:extLst>
+              <a:ext uri="{FF2B5EF4-FFF2-40B4-BE49-F238E27FC236}">
+                <a16:creationId xmlns:a16="http://schemas.microsoft.com/office/drawing/2014/main" id="{27B15DAB-A31A-B6A4-ADDE-16478261D861}"/>
+              </a:ext>
+            </a:extLst>
+          </p:cNvPr>
+          <p:cNvCxnSpPr>
+            <a:cxnSpLocks/>
+            <a:stCxn id="27" idx="1"/>
+          </p:cNvCxnSpPr>
+          <p:nvPr/>
+        </p:nvCxnSpPr>
+        <p:spPr>
+          <a:xfrm flipH="1">
+            <a:off x="7610182" y="2032846"/>
+            <a:ext cx="922654" cy="316359"/>
+          </a:xfrm>
+          <a:prstGeom prst="straightConnector1">
+            <a:avLst/>
+          </a:prstGeom>
+          <a:ln>
+            <a:solidFill>
+              <a:schemeClr val="accent2"/>
+            </a:solidFill>
+            <a:tailEnd type="triangle"/>
+          </a:ln>
+        </p:spPr>
+        <p:style>
+          <a:lnRef idx="1">
+            <a:schemeClr val="accent1"/>
+          </a:lnRef>
+          <a:fillRef idx="0">
+            <a:schemeClr val="accent1"/>
+          </a:fillRef>
+          <a:effectRef idx="0">
+            <a:schemeClr val="accent1"/>
+          </a:effectRef>
+          <a:fontRef idx="minor">
+            <a:schemeClr val="tx1"/>
+          </a:fontRef>
+        </p:style>
+      </p:cxnSp>
+      <p:graphicFrame>
+        <p:nvGraphicFramePr>
+          <p:cNvPr id="27" name="表格 26">
+            <a:extLst>
+              <a:ext uri="{FF2B5EF4-FFF2-40B4-BE49-F238E27FC236}">
+                <a16:creationId xmlns:a16="http://schemas.microsoft.com/office/drawing/2014/main" id="{469E872C-FA5F-2D4E-CE47-EB13F9BE67C3}"/>
+              </a:ext>
+            </a:extLst>
+          </p:cNvPr>
+          <p:cNvGraphicFramePr>
+            <a:graphicFrameLocks noGrp="1"/>
+          </p:cNvGraphicFramePr>
+          <p:nvPr>
+            <p:extLst>
+              <p:ext uri="{D42A27DB-BD31-4B8C-83A1-F6EECF244321}">
+                <p14:modId xmlns:p14="http://schemas.microsoft.com/office/powerpoint/2010/main" val="3619109652"/>
+              </p:ext>
+            </p:extLst>
+          </p:nvPr>
+        </p:nvGraphicFramePr>
+        <p:xfrm>
+          <a:off x="8532836" y="1662006"/>
+          <a:ext cx="468000" cy="741680"/>
+        </p:xfrm>
+        <a:graphic>
+          <a:graphicData uri="http://schemas.openxmlformats.org/drawingml/2006/table">
+            <a:tbl>
+              <a:tblPr firstRow="1" bandRow="1">
+                <a:tableStyleId>{5940675A-B579-460E-94D1-54222C63F5DA}</a:tableStyleId>
+              </a:tblPr>
+              <a:tblGrid>
+                <a:gridCol w="468000">
+                  <a:extLst>
+                    <a:ext uri="{9D8B030D-6E8A-4147-A177-3AD203B41FA5}">
+                      <a16:colId xmlns:a16="http://schemas.microsoft.com/office/drawing/2014/main" val="545268932"/>
+                    </a:ext>
+                  </a:extLst>
+                </a:gridCol>
+              </a:tblGrid>
+              <a:tr h="370840">
+                <a:tc>
+                  <a:txBody>
+                    <a:bodyPr/>
+                    <a:lstStyle/>
+                    <a:p>
+                      <a:r>
+                        <a:rPr lang="en-US" altLang="zh-CN" dirty="0"/>
+                        <a:t>4</a:t>
+                      </a:r>
+                      <a:endParaRPr lang="zh-CN" altLang="en-US" dirty="0"/>
+                    </a:p>
+                  </a:txBody>
+                  <a:tcPr>
+                    <a:solidFill>
+                      <a:schemeClr val="accent2"/>
+                    </a:solidFill>
+                  </a:tcPr>
+                </a:tc>
+                <a:extLst>
+                  <a:ext uri="{0D108BD9-81ED-4DB2-BD59-A6C34878D82A}">
+                    <a16:rowId xmlns:a16="http://schemas.microsoft.com/office/drawing/2014/main" val="1585843347"/>
+                  </a:ext>
+                </a:extLst>
+              </a:tr>
+              <a:tr h="370840">
+                <a:tc>
+                  <a:txBody>
+                    <a:bodyPr/>
+                    <a:lstStyle/>
+                    <a:p>
+                      <a:r>
+                        <a:rPr lang="en-US" altLang="zh-CN" dirty="0"/>
+                        <a:t>2</a:t>
+                      </a:r>
+                      <a:endParaRPr lang="zh-CN" altLang="en-US" dirty="0"/>
+                    </a:p>
+                  </a:txBody>
+                  <a:tcPr>
+                    <a:solidFill>
+                      <a:srgbClr val="FF0000"/>
+                    </a:solidFill>
+                  </a:tcPr>
+                </a:tc>
+                <a:extLst>
+                  <a:ext uri="{0D108BD9-81ED-4DB2-BD59-A6C34878D82A}">
+                    <a16:rowId xmlns:a16="http://schemas.microsoft.com/office/drawing/2014/main" val="1564232948"/>
+                  </a:ext>
+                </a:extLst>
+              </a:tr>
+            </a:tbl>
+          </a:graphicData>
+        </a:graphic>
+      </p:graphicFrame>
+      <p:cxnSp>
+        <p:nvCxnSpPr>
+          <p:cNvPr id="28" name="直接箭头连接符 27">
+            <a:extLst>
+              <a:ext uri="{FF2B5EF4-FFF2-40B4-BE49-F238E27FC236}">
+                <a16:creationId xmlns:a16="http://schemas.microsoft.com/office/drawing/2014/main" id="{42B2300D-0C13-E753-2556-46A1FC3B95F6}"/>
+              </a:ext>
+            </a:extLst>
+          </p:cNvPr>
+          <p:cNvCxnSpPr>
+            <a:cxnSpLocks/>
+            <a:stCxn id="29" idx="1"/>
+          </p:cNvCxnSpPr>
+          <p:nvPr/>
+        </p:nvCxnSpPr>
+        <p:spPr>
+          <a:xfrm flipH="1" flipV="1">
+            <a:off x="7610182" y="2743200"/>
+            <a:ext cx="922654" cy="100498"/>
+          </a:xfrm>
+          <a:prstGeom prst="straightConnector1">
+            <a:avLst/>
+          </a:prstGeom>
+          <a:ln>
+            <a:solidFill>
+              <a:schemeClr val="accent2"/>
+            </a:solidFill>
+            <a:tailEnd type="triangle"/>
+          </a:ln>
+        </p:spPr>
+        <p:style>
+          <a:lnRef idx="1">
+            <a:schemeClr val="accent1"/>
+          </a:lnRef>
+          <a:fillRef idx="0">
+            <a:schemeClr val="accent1"/>
+          </a:fillRef>
+          <a:effectRef idx="0">
+            <a:schemeClr val="accent1"/>
+          </a:effectRef>
+          <a:fontRef idx="minor">
+            <a:schemeClr val="tx1"/>
+          </a:fontRef>
+        </p:style>
+      </p:cxnSp>
+      <p:graphicFrame>
+        <p:nvGraphicFramePr>
+          <p:cNvPr id="29" name="表格 28">
+            <a:extLst>
+              <a:ext uri="{FF2B5EF4-FFF2-40B4-BE49-F238E27FC236}">
+                <a16:creationId xmlns:a16="http://schemas.microsoft.com/office/drawing/2014/main" id="{9F79869B-7408-D6F1-DEB0-B0AFEC35909E}"/>
+              </a:ext>
+            </a:extLst>
+          </p:cNvPr>
+          <p:cNvGraphicFramePr>
+            <a:graphicFrameLocks noGrp="1"/>
+          </p:cNvGraphicFramePr>
+          <p:nvPr>
+            <p:extLst>
+              <p:ext uri="{D42A27DB-BD31-4B8C-83A1-F6EECF244321}">
+                <p14:modId xmlns:p14="http://schemas.microsoft.com/office/powerpoint/2010/main" val="3519196115"/>
+              </p:ext>
+            </p:extLst>
+          </p:nvPr>
+        </p:nvGraphicFramePr>
+        <p:xfrm>
+          <a:off x="8532836" y="2472858"/>
+          <a:ext cx="468000" cy="741680"/>
+        </p:xfrm>
+        <a:graphic>
+          <a:graphicData uri="http://schemas.openxmlformats.org/drawingml/2006/table">
+            <a:tbl>
+              <a:tblPr firstRow="1" bandRow="1">
+                <a:tableStyleId>{5940675A-B579-460E-94D1-54222C63F5DA}</a:tableStyleId>
+              </a:tblPr>
+              <a:tblGrid>
+                <a:gridCol w="468000">
+                  <a:extLst>
+                    <a:ext uri="{9D8B030D-6E8A-4147-A177-3AD203B41FA5}">
+                      <a16:colId xmlns:a16="http://schemas.microsoft.com/office/drawing/2014/main" val="545268932"/>
+                    </a:ext>
+                  </a:extLst>
+                </a:gridCol>
+              </a:tblGrid>
+              <a:tr h="370840">
+                <a:tc>
+                  <a:txBody>
+                    <a:bodyPr/>
+                    <a:lstStyle/>
+                    <a:p>
+                      <a:r>
+                        <a:rPr lang="en-US" altLang="zh-CN" dirty="0"/>
+                        <a:t>5</a:t>
+                      </a:r>
+                      <a:endParaRPr lang="zh-CN" altLang="en-US" dirty="0"/>
+                    </a:p>
+                  </a:txBody>
+                  <a:tcPr>
+                    <a:solidFill>
+                      <a:schemeClr val="accent2"/>
+                    </a:solidFill>
+                  </a:tcPr>
+                </a:tc>
+                <a:extLst>
+                  <a:ext uri="{0D108BD9-81ED-4DB2-BD59-A6C34878D82A}">
+                    <a16:rowId xmlns:a16="http://schemas.microsoft.com/office/drawing/2014/main" val="1585843347"/>
+                  </a:ext>
+                </a:extLst>
+              </a:tr>
+              <a:tr h="370840">
+                <a:tc>
+                  <a:txBody>
+                    <a:bodyPr/>
+                    <a:lstStyle/>
+                    <a:p>
+                      <a:r>
+                        <a:rPr lang="en-US" altLang="zh-CN" dirty="0"/>
+                        <a:t>2</a:t>
+                      </a:r>
+                      <a:endParaRPr lang="zh-CN" altLang="en-US" dirty="0"/>
+                    </a:p>
+                  </a:txBody>
+                  <a:tcPr>
+                    <a:solidFill>
+                      <a:srgbClr val="FF0000"/>
+                    </a:solidFill>
+                  </a:tcPr>
+                </a:tc>
+                <a:extLst>
+                  <a:ext uri="{0D108BD9-81ED-4DB2-BD59-A6C34878D82A}">
+                    <a16:rowId xmlns:a16="http://schemas.microsoft.com/office/drawing/2014/main" val="1564232948"/>
+                  </a:ext>
+                </a:extLst>
+              </a:tr>
+            </a:tbl>
+          </a:graphicData>
+        </a:graphic>
+      </p:graphicFrame>
+      <p:cxnSp>
+        <p:nvCxnSpPr>
+          <p:cNvPr id="33" name="直接箭头连接符 32">
+            <a:extLst>
+              <a:ext uri="{FF2B5EF4-FFF2-40B4-BE49-F238E27FC236}">
+                <a16:creationId xmlns:a16="http://schemas.microsoft.com/office/drawing/2014/main" id="{918E65BE-5D71-9FE6-B606-72DDF81FFA7F}"/>
+              </a:ext>
+            </a:extLst>
+          </p:cNvPr>
+          <p:cNvCxnSpPr>
+            <a:cxnSpLocks/>
+            <a:stCxn id="34" idx="1"/>
+            <a:endCxn id="4" idx="3"/>
+          </p:cNvCxnSpPr>
+          <p:nvPr/>
+        </p:nvCxnSpPr>
+        <p:spPr>
+          <a:xfrm flipH="1">
+            <a:off x="7615782" y="2032846"/>
+            <a:ext cx="1509880" cy="1074971"/>
+          </a:xfrm>
+          <a:prstGeom prst="straightConnector1">
+            <a:avLst/>
+          </a:prstGeom>
+          <a:ln>
+            <a:solidFill>
+              <a:srgbClr val="00B050"/>
+            </a:solidFill>
+            <a:tailEnd type="triangle"/>
+          </a:ln>
+        </p:spPr>
+        <p:style>
+          <a:lnRef idx="1">
+            <a:schemeClr val="accent1"/>
+          </a:lnRef>
+          <a:fillRef idx="0">
+            <a:schemeClr val="accent1"/>
+          </a:fillRef>
+          <a:effectRef idx="0">
+            <a:schemeClr val="accent1"/>
+          </a:effectRef>
+          <a:fontRef idx="minor">
+            <a:schemeClr val="tx1"/>
+          </a:fontRef>
+        </p:style>
+      </p:cxnSp>
+      <p:graphicFrame>
+        <p:nvGraphicFramePr>
+          <p:cNvPr id="34" name="表格 33">
+            <a:extLst>
+              <a:ext uri="{FF2B5EF4-FFF2-40B4-BE49-F238E27FC236}">
+                <a16:creationId xmlns:a16="http://schemas.microsoft.com/office/drawing/2014/main" id="{44FD111C-A62F-7434-3C08-8F58047AFA74}"/>
+              </a:ext>
+            </a:extLst>
+          </p:cNvPr>
+          <p:cNvGraphicFramePr>
+            <a:graphicFrameLocks noGrp="1"/>
+          </p:cNvGraphicFramePr>
+          <p:nvPr>
+            <p:extLst>
+              <p:ext uri="{D42A27DB-BD31-4B8C-83A1-F6EECF244321}">
+                <p14:modId xmlns:p14="http://schemas.microsoft.com/office/powerpoint/2010/main" val="3746164399"/>
+              </p:ext>
+            </p:extLst>
+          </p:nvPr>
+        </p:nvGraphicFramePr>
+        <p:xfrm>
+          <a:off x="9125662" y="1476586"/>
+          <a:ext cx="468000" cy="1112520"/>
+        </p:xfrm>
+        <a:graphic>
+          <a:graphicData uri="http://schemas.openxmlformats.org/drawingml/2006/table">
+            <a:tbl>
+              <a:tblPr firstRow="1" bandRow="1">
+                <a:tableStyleId>{5940675A-B579-460E-94D1-54222C63F5DA}</a:tableStyleId>
+              </a:tblPr>
+              <a:tblGrid>
+                <a:gridCol w="468000">
+                  <a:extLst>
+                    <a:ext uri="{9D8B030D-6E8A-4147-A177-3AD203B41FA5}">
+                      <a16:colId xmlns:a16="http://schemas.microsoft.com/office/drawing/2014/main" val="545268932"/>
+                    </a:ext>
+                  </a:extLst>
+                </a:gridCol>
+              </a:tblGrid>
+              <a:tr h="370840">
+                <a:tc>
+                  <a:txBody>
+                    <a:bodyPr/>
+                    <a:lstStyle/>
+                    <a:p>
+                      <a:r>
+                        <a:rPr lang="en-US" altLang="zh-CN" dirty="0"/>
+                        <a:t>6</a:t>
+                      </a:r>
+                      <a:endParaRPr lang="zh-CN" altLang="en-US" dirty="0"/>
+                    </a:p>
+                  </a:txBody>
+                  <a:tcPr>
+                    <a:solidFill>
+                      <a:srgbClr val="00B050"/>
+                    </a:solidFill>
+                  </a:tcPr>
+                </a:tc>
+                <a:extLst>
+                  <a:ext uri="{0D108BD9-81ED-4DB2-BD59-A6C34878D82A}">
+                    <a16:rowId xmlns:a16="http://schemas.microsoft.com/office/drawing/2014/main" val="264237563"/>
+                  </a:ext>
+                </a:extLst>
+              </a:tr>
+              <a:tr h="370840">
+                <a:tc>
+                  <a:txBody>
+                    <a:bodyPr/>
+                    <a:lstStyle/>
+                    <a:p>
+                      <a:r>
+                        <a:rPr lang="en-US" altLang="zh-CN" dirty="0"/>
+                        <a:t>5</a:t>
+                      </a:r>
+                      <a:endParaRPr lang="zh-CN" altLang="en-US" dirty="0"/>
+                    </a:p>
+                  </a:txBody>
+                  <a:tcPr>
+                    <a:solidFill>
+                      <a:schemeClr val="accent2"/>
+                    </a:solidFill>
+                  </a:tcPr>
+                </a:tc>
+                <a:extLst>
+                  <a:ext uri="{0D108BD9-81ED-4DB2-BD59-A6C34878D82A}">
+                    <a16:rowId xmlns:a16="http://schemas.microsoft.com/office/drawing/2014/main" val="1585843347"/>
+                  </a:ext>
+                </a:extLst>
+              </a:tr>
+              <a:tr h="370840">
+                <a:tc>
+                  <a:txBody>
+                    <a:bodyPr/>
+                    <a:lstStyle/>
+                    <a:p>
+                      <a:r>
+                        <a:rPr lang="en-US" altLang="zh-CN" dirty="0"/>
+                        <a:t>2</a:t>
+                      </a:r>
+                      <a:endParaRPr lang="zh-CN" altLang="en-US" dirty="0"/>
+                    </a:p>
+                  </a:txBody>
+                  <a:tcPr>
+                    <a:solidFill>
+                      <a:srgbClr val="FF0000"/>
+                    </a:solidFill>
+                  </a:tcPr>
+                </a:tc>
+                <a:extLst>
+                  <a:ext uri="{0D108BD9-81ED-4DB2-BD59-A6C34878D82A}">
+                    <a16:rowId xmlns:a16="http://schemas.microsoft.com/office/drawing/2014/main" val="1564232948"/>
+                  </a:ext>
+                </a:extLst>
+              </a:tr>
+            </a:tbl>
+          </a:graphicData>
+        </a:graphic>
+      </p:graphicFrame>
+      <p:cxnSp>
+        <p:nvCxnSpPr>
+          <p:cNvPr id="36" name="直接箭头连接符 35">
+            <a:extLst>
+              <a:ext uri="{FF2B5EF4-FFF2-40B4-BE49-F238E27FC236}">
+                <a16:creationId xmlns:a16="http://schemas.microsoft.com/office/drawing/2014/main" id="{C28D526F-2BBE-80D7-0CAB-B45F7FB7FC4A}"/>
+              </a:ext>
+            </a:extLst>
+          </p:cNvPr>
+          <p:cNvCxnSpPr>
+            <a:cxnSpLocks/>
+            <a:stCxn id="37" idx="1"/>
+          </p:cNvCxnSpPr>
+          <p:nvPr/>
+        </p:nvCxnSpPr>
+        <p:spPr>
+          <a:xfrm flipH="1">
+            <a:off x="7621382" y="3238076"/>
+            <a:ext cx="1531445" cy="190924"/>
+          </a:xfrm>
+          <a:prstGeom prst="straightConnector1">
+            <a:avLst/>
+          </a:prstGeom>
+          <a:ln>
+            <a:solidFill>
+              <a:srgbClr val="00B050"/>
+            </a:solidFill>
+            <a:tailEnd type="triangle"/>
+          </a:ln>
+        </p:spPr>
+        <p:style>
+          <a:lnRef idx="1">
+            <a:schemeClr val="accent1"/>
+          </a:lnRef>
+          <a:fillRef idx="0">
+            <a:schemeClr val="accent1"/>
+          </a:fillRef>
+          <a:effectRef idx="0">
+            <a:schemeClr val="accent1"/>
+          </a:effectRef>
+          <a:fontRef idx="minor">
+            <a:schemeClr val="tx1"/>
+          </a:fontRef>
+        </p:style>
+      </p:cxnSp>
+      <p:graphicFrame>
+        <p:nvGraphicFramePr>
+          <p:cNvPr id="37" name="表格 36">
+            <a:extLst>
+              <a:ext uri="{FF2B5EF4-FFF2-40B4-BE49-F238E27FC236}">
+                <a16:creationId xmlns:a16="http://schemas.microsoft.com/office/drawing/2014/main" id="{C8CB94E5-E6A0-8CFA-0FC9-A251CFF193AC}"/>
+              </a:ext>
+            </a:extLst>
+          </p:cNvPr>
+          <p:cNvGraphicFramePr>
+            <a:graphicFrameLocks noGrp="1"/>
+          </p:cNvGraphicFramePr>
+          <p:nvPr>
+            <p:extLst>
+              <p:ext uri="{D42A27DB-BD31-4B8C-83A1-F6EECF244321}">
+                <p14:modId xmlns:p14="http://schemas.microsoft.com/office/powerpoint/2010/main" val="2117246158"/>
+              </p:ext>
+            </p:extLst>
+          </p:nvPr>
+        </p:nvGraphicFramePr>
+        <p:xfrm>
+          <a:off x="9152827" y="2681816"/>
+          <a:ext cx="468000" cy="1112520"/>
+        </p:xfrm>
+        <a:graphic>
+          <a:graphicData uri="http://schemas.openxmlformats.org/drawingml/2006/table">
+            <a:tbl>
+              <a:tblPr firstRow="1" bandRow="1">
+                <a:tableStyleId>{5940675A-B579-460E-94D1-54222C63F5DA}</a:tableStyleId>
+              </a:tblPr>
+              <a:tblGrid>
+                <a:gridCol w="468000">
+                  <a:extLst>
+                    <a:ext uri="{9D8B030D-6E8A-4147-A177-3AD203B41FA5}">
+                      <a16:colId xmlns:a16="http://schemas.microsoft.com/office/drawing/2014/main" val="545268932"/>
+                    </a:ext>
+                  </a:extLst>
+                </a:gridCol>
+              </a:tblGrid>
+              <a:tr h="370840">
+                <a:tc>
+                  <a:txBody>
+                    <a:bodyPr/>
+                    <a:lstStyle/>
+                    <a:p>
+                      <a:r>
+                        <a:rPr lang="en-US" altLang="zh-CN" dirty="0"/>
+                        <a:t>7</a:t>
+                      </a:r>
+                      <a:endParaRPr lang="zh-CN" altLang="en-US" dirty="0"/>
+                    </a:p>
+                  </a:txBody>
+                  <a:tcPr>
+                    <a:solidFill>
+                      <a:srgbClr val="00B050"/>
+                    </a:solidFill>
+                  </a:tcPr>
+                </a:tc>
+                <a:extLst>
+                  <a:ext uri="{0D108BD9-81ED-4DB2-BD59-A6C34878D82A}">
+                    <a16:rowId xmlns:a16="http://schemas.microsoft.com/office/drawing/2014/main" val="264237563"/>
+                  </a:ext>
+                </a:extLst>
+              </a:tr>
+              <a:tr h="370840">
+                <a:tc>
+                  <a:txBody>
+                    <a:bodyPr/>
+                    <a:lstStyle/>
+                    <a:p>
+                      <a:r>
+                        <a:rPr lang="en-US" altLang="zh-CN" dirty="0"/>
+                        <a:t>5</a:t>
+                      </a:r>
+                      <a:endParaRPr lang="zh-CN" altLang="en-US" dirty="0"/>
+                    </a:p>
+                  </a:txBody>
+                  <a:tcPr>
+                    <a:solidFill>
+                      <a:schemeClr val="accent2"/>
+                    </a:solidFill>
+                  </a:tcPr>
+                </a:tc>
+                <a:extLst>
+                  <a:ext uri="{0D108BD9-81ED-4DB2-BD59-A6C34878D82A}">
+                    <a16:rowId xmlns:a16="http://schemas.microsoft.com/office/drawing/2014/main" val="1585843347"/>
+                  </a:ext>
+                </a:extLst>
+              </a:tr>
+              <a:tr h="370840">
+                <a:tc>
+                  <a:txBody>
+                    <a:bodyPr/>
+                    <a:lstStyle/>
+                    <a:p>
+                      <a:r>
+                        <a:rPr lang="en-US" altLang="zh-CN" dirty="0"/>
+                        <a:t>2</a:t>
+                      </a:r>
+                      <a:endParaRPr lang="zh-CN" altLang="en-US" dirty="0"/>
+                    </a:p>
+                  </a:txBody>
+                  <a:tcPr>
+                    <a:solidFill>
+                      <a:srgbClr val="FF0000"/>
+                    </a:solidFill>
+                  </a:tcPr>
+                </a:tc>
+                <a:extLst>
+                  <a:ext uri="{0D108BD9-81ED-4DB2-BD59-A6C34878D82A}">
+                    <a16:rowId xmlns:a16="http://schemas.microsoft.com/office/drawing/2014/main" val="1564232948"/>
+                  </a:ext>
+                </a:extLst>
+              </a:tr>
+            </a:tbl>
+          </a:graphicData>
+        </a:graphic>
+      </p:graphicFrame>
+      <p:cxnSp>
+        <p:nvCxnSpPr>
+          <p:cNvPr id="41" name="直接箭头连接符 40">
+            <a:extLst>
+              <a:ext uri="{FF2B5EF4-FFF2-40B4-BE49-F238E27FC236}">
+                <a16:creationId xmlns:a16="http://schemas.microsoft.com/office/drawing/2014/main" id="{BCF64052-B734-60AD-DF3E-10D5E2E5F113}"/>
+              </a:ext>
+            </a:extLst>
+          </p:cNvPr>
+          <p:cNvCxnSpPr>
+            <a:cxnSpLocks/>
+            <a:stCxn id="42" idx="1"/>
+          </p:cNvCxnSpPr>
+          <p:nvPr/>
+        </p:nvCxnSpPr>
+        <p:spPr>
+          <a:xfrm flipH="1" flipV="1">
+            <a:off x="7610182" y="3863508"/>
+            <a:ext cx="1542645" cy="604626"/>
+          </a:xfrm>
+          <a:prstGeom prst="straightConnector1">
+            <a:avLst/>
+          </a:prstGeom>
+          <a:ln>
+            <a:solidFill>
+              <a:srgbClr val="00B050"/>
+            </a:solidFill>
+            <a:tailEnd type="triangle"/>
+          </a:ln>
+        </p:spPr>
+        <p:style>
+          <a:lnRef idx="1">
+            <a:schemeClr val="accent1"/>
+          </a:lnRef>
+          <a:fillRef idx="0">
+            <a:schemeClr val="accent1"/>
+          </a:fillRef>
+          <a:effectRef idx="0">
+            <a:schemeClr val="accent1"/>
+          </a:effectRef>
+          <a:fontRef idx="minor">
+            <a:schemeClr val="tx1"/>
+          </a:fontRef>
+        </p:style>
+      </p:cxnSp>
+      <p:graphicFrame>
+        <p:nvGraphicFramePr>
+          <p:cNvPr id="42" name="表格 41">
+            <a:extLst>
+              <a:ext uri="{FF2B5EF4-FFF2-40B4-BE49-F238E27FC236}">
+                <a16:creationId xmlns:a16="http://schemas.microsoft.com/office/drawing/2014/main" id="{3503F4B0-2ABD-D858-DE8D-35425D5AA659}"/>
+              </a:ext>
+            </a:extLst>
+          </p:cNvPr>
+          <p:cNvGraphicFramePr>
+            <a:graphicFrameLocks noGrp="1"/>
+          </p:cNvGraphicFramePr>
+          <p:nvPr>
+            <p:extLst>
+              <p:ext uri="{D42A27DB-BD31-4B8C-83A1-F6EECF244321}">
+                <p14:modId xmlns:p14="http://schemas.microsoft.com/office/powerpoint/2010/main" val="2337279037"/>
+              </p:ext>
+            </p:extLst>
+          </p:nvPr>
+        </p:nvGraphicFramePr>
+        <p:xfrm>
+          <a:off x="9152827" y="3911874"/>
+          <a:ext cx="468000" cy="1112520"/>
+        </p:xfrm>
+        <a:graphic>
+          <a:graphicData uri="http://schemas.openxmlformats.org/drawingml/2006/table">
+            <a:tbl>
+              <a:tblPr firstRow="1" bandRow="1">
+                <a:tableStyleId>{5940675A-B579-460E-94D1-54222C63F5DA}</a:tableStyleId>
+              </a:tblPr>
+              <a:tblGrid>
+                <a:gridCol w="468000">
+                  <a:extLst>
+                    <a:ext uri="{9D8B030D-6E8A-4147-A177-3AD203B41FA5}">
+                      <a16:colId xmlns:a16="http://schemas.microsoft.com/office/drawing/2014/main" val="545268932"/>
+                    </a:ext>
+                  </a:extLst>
+                </a:gridCol>
+              </a:tblGrid>
+              <a:tr h="370840">
+                <a:tc>
+                  <a:txBody>
+                    <a:bodyPr/>
+                    <a:lstStyle/>
+                    <a:p>
+                      <a:r>
+                        <a:rPr lang="en-US" altLang="zh-CN" dirty="0"/>
+                        <a:t>8</a:t>
+                      </a:r>
+                      <a:endParaRPr lang="zh-CN" altLang="en-US" dirty="0"/>
+                    </a:p>
+                  </a:txBody>
+                  <a:tcPr>
+                    <a:solidFill>
+                      <a:srgbClr val="00B050"/>
+                    </a:solidFill>
+                  </a:tcPr>
+                </a:tc>
+                <a:extLst>
+                  <a:ext uri="{0D108BD9-81ED-4DB2-BD59-A6C34878D82A}">
+                    <a16:rowId xmlns:a16="http://schemas.microsoft.com/office/drawing/2014/main" val="264237563"/>
+                  </a:ext>
+                </a:extLst>
+              </a:tr>
+              <a:tr h="370840">
+                <a:tc>
+                  <a:txBody>
+                    <a:bodyPr/>
+                    <a:lstStyle/>
+                    <a:p>
+                      <a:r>
+                        <a:rPr lang="en-US" altLang="zh-CN" dirty="0"/>
+                        <a:t>5</a:t>
+                      </a:r>
+                      <a:endParaRPr lang="zh-CN" altLang="en-US" dirty="0"/>
+                    </a:p>
+                  </a:txBody>
+                  <a:tcPr>
+                    <a:solidFill>
+                      <a:schemeClr val="accent2"/>
+                    </a:solidFill>
+                  </a:tcPr>
+                </a:tc>
+                <a:extLst>
+                  <a:ext uri="{0D108BD9-81ED-4DB2-BD59-A6C34878D82A}">
+                    <a16:rowId xmlns:a16="http://schemas.microsoft.com/office/drawing/2014/main" val="1585843347"/>
+                  </a:ext>
+                </a:extLst>
+              </a:tr>
+              <a:tr h="370840">
+                <a:tc>
+                  <a:txBody>
+                    <a:bodyPr/>
+                    <a:lstStyle/>
+                    <a:p>
+                      <a:r>
+                        <a:rPr lang="en-US" altLang="zh-CN" dirty="0"/>
+                        <a:t>2</a:t>
+                      </a:r>
+                      <a:endParaRPr lang="zh-CN" altLang="en-US" dirty="0"/>
+                    </a:p>
+                  </a:txBody>
+                  <a:tcPr>
+                    <a:solidFill>
+                      <a:srgbClr val="FF0000"/>
+                    </a:solidFill>
+                  </a:tcPr>
+                </a:tc>
+                <a:extLst>
+                  <a:ext uri="{0D108BD9-81ED-4DB2-BD59-A6C34878D82A}">
+                    <a16:rowId xmlns:a16="http://schemas.microsoft.com/office/drawing/2014/main" val="1564232948"/>
+                  </a:ext>
+                </a:extLst>
+              </a:tr>
+            </a:tbl>
+          </a:graphicData>
+        </a:graphic>
+      </p:graphicFrame>
+      <p:cxnSp>
+        <p:nvCxnSpPr>
+          <p:cNvPr id="44" name="直接箭头连接符 43">
+            <a:extLst>
+              <a:ext uri="{FF2B5EF4-FFF2-40B4-BE49-F238E27FC236}">
+                <a16:creationId xmlns:a16="http://schemas.microsoft.com/office/drawing/2014/main" id="{A21024FA-451C-E024-BCFD-5F2739EA7F3C}"/>
+              </a:ext>
+            </a:extLst>
+          </p:cNvPr>
+          <p:cNvCxnSpPr>
+            <a:cxnSpLocks/>
+            <a:stCxn id="45" idx="1"/>
+          </p:cNvCxnSpPr>
+          <p:nvPr/>
+        </p:nvCxnSpPr>
+        <p:spPr>
+          <a:xfrm flipH="1">
+            <a:off x="7642947" y="3664996"/>
+            <a:ext cx="280372" cy="519695"/>
+          </a:xfrm>
+          <a:prstGeom prst="straightConnector1">
+            <a:avLst/>
+          </a:prstGeom>
+          <a:ln>
+            <a:solidFill>
+              <a:schemeClr val="accent1"/>
+            </a:solidFill>
+            <a:tailEnd type="triangle"/>
+          </a:ln>
+        </p:spPr>
+        <p:style>
+          <a:lnRef idx="1">
+            <a:schemeClr val="accent1"/>
+          </a:lnRef>
+          <a:fillRef idx="0">
+            <a:schemeClr val="accent1"/>
+          </a:fillRef>
+          <a:effectRef idx="0">
+            <a:schemeClr val="accent1"/>
+          </a:effectRef>
+          <a:fontRef idx="minor">
+            <a:schemeClr val="tx1"/>
+          </a:fontRef>
+        </p:style>
+      </p:cxnSp>
+      <p:graphicFrame>
+        <p:nvGraphicFramePr>
+          <p:cNvPr id="45" name="表格 44">
+            <a:extLst>
+              <a:ext uri="{FF2B5EF4-FFF2-40B4-BE49-F238E27FC236}">
+                <a16:creationId xmlns:a16="http://schemas.microsoft.com/office/drawing/2014/main" id="{B8C00055-E4F5-ADF7-2208-0182E4E966FC}"/>
+              </a:ext>
+            </a:extLst>
+          </p:cNvPr>
+          <p:cNvGraphicFramePr>
+            <a:graphicFrameLocks noGrp="1"/>
+          </p:cNvGraphicFramePr>
+          <p:nvPr>
+            <p:extLst>
+              <p:ext uri="{D42A27DB-BD31-4B8C-83A1-F6EECF244321}">
+                <p14:modId xmlns:p14="http://schemas.microsoft.com/office/powerpoint/2010/main" val="2002219620"/>
+              </p:ext>
+            </p:extLst>
+          </p:nvPr>
+        </p:nvGraphicFramePr>
+        <p:xfrm>
+          <a:off x="7923319" y="3108736"/>
+          <a:ext cx="468000" cy="1112520"/>
+        </p:xfrm>
+        <a:graphic>
+          <a:graphicData uri="http://schemas.openxmlformats.org/drawingml/2006/table">
+            <a:tbl>
+              <a:tblPr firstRow="1" bandRow="1">
+                <a:tableStyleId>{5940675A-B579-460E-94D1-54222C63F5DA}</a:tableStyleId>
+              </a:tblPr>
+              <a:tblGrid>
+                <a:gridCol w="468000">
+                  <a:extLst>
+                    <a:ext uri="{9D8B030D-6E8A-4147-A177-3AD203B41FA5}">
+                      <a16:colId xmlns:a16="http://schemas.microsoft.com/office/drawing/2014/main" val="545268932"/>
+                    </a:ext>
+                  </a:extLst>
+                </a:gridCol>
+              </a:tblGrid>
+              <a:tr h="370840">
+                <a:tc>
+                  <a:txBody>
+                    <a:bodyPr/>
+                    <a:lstStyle/>
+                    <a:p>
+                      <a:r>
+                        <a:rPr lang="en-US" altLang="zh-CN" dirty="0"/>
+                        <a:t>9</a:t>
+                      </a:r>
+                      <a:endParaRPr lang="zh-CN" altLang="en-US" dirty="0"/>
+                    </a:p>
+                  </a:txBody>
+                  <a:tcPr>
+                    <a:solidFill>
+                      <a:srgbClr val="0070C0"/>
+                    </a:solidFill>
+                  </a:tcPr>
+                </a:tc>
+                <a:extLst>
+                  <a:ext uri="{0D108BD9-81ED-4DB2-BD59-A6C34878D82A}">
+                    <a16:rowId xmlns:a16="http://schemas.microsoft.com/office/drawing/2014/main" val="264237563"/>
+                  </a:ext>
+                </a:extLst>
+              </a:tr>
+              <a:tr h="370840">
+                <a:tc>
+                  <a:txBody>
+                    <a:bodyPr/>
+                    <a:lstStyle/>
+                    <a:p>
+                      <a:r>
+                        <a:rPr lang="en-US" altLang="zh-CN" dirty="0"/>
+                        <a:t>5</a:t>
+                      </a:r>
+                      <a:endParaRPr lang="zh-CN" altLang="en-US" dirty="0"/>
+                    </a:p>
+                  </a:txBody>
+                  <a:tcPr>
+                    <a:solidFill>
+                      <a:schemeClr val="accent2"/>
+                    </a:solidFill>
+                  </a:tcPr>
+                </a:tc>
+                <a:extLst>
+                  <a:ext uri="{0D108BD9-81ED-4DB2-BD59-A6C34878D82A}">
+                    <a16:rowId xmlns:a16="http://schemas.microsoft.com/office/drawing/2014/main" val="1585843347"/>
+                  </a:ext>
+                </a:extLst>
+              </a:tr>
+              <a:tr h="370840">
+                <a:tc>
+                  <a:txBody>
+                    <a:bodyPr/>
+                    <a:lstStyle/>
+                    <a:p>
+                      <a:r>
+                        <a:rPr lang="en-US" altLang="zh-CN" dirty="0"/>
+                        <a:t>2</a:t>
+                      </a:r>
+                      <a:endParaRPr lang="zh-CN" altLang="en-US" dirty="0"/>
+                    </a:p>
+                  </a:txBody>
+                  <a:tcPr>
+                    <a:solidFill>
+                      <a:srgbClr val="FF0000"/>
+                    </a:solidFill>
+                  </a:tcPr>
+                </a:tc>
+                <a:extLst>
+                  <a:ext uri="{0D108BD9-81ED-4DB2-BD59-A6C34878D82A}">
+                    <a16:rowId xmlns:a16="http://schemas.microsoft.com/office/drawing/2014/main" val="1564232948"/>
+                  </a:ext>
+                </a:extLst>
+              </a:tr>
+            </a:tbl>
+          </a:graphicData>
+        </a:graphic>
+      </p:graphicFrame>
+      <p:cxnSp>
+        <p:nvCxnSpPr>
+          <p:cNvPr id="49" name="直接箭头连接符 48">
+            <a:extLst>
+              <a:ext uri="{FF2B5EF4-FFF2-40B4-BE49-F238E27FC236}">
+                <a16:creationId xmlns:a16="http://schemas.microsoft.com/office/drawing/2014/main" id="{E63A5450-676F-946B-6551-3B844C774EDB}"/>
+              </a:ext>
+            </a:extLst>
+          </p:cNvPr>
+          <p:cNvCxnSpPr>
+            <a:cxnSpLocks/>
+            <a:stCxn id="50" idx="1"/>
+          </p:cNvCxnSpPr>
+          <p:nvPr/>
+        </p:nvCxnSpPr>
+        <p:spPr>
+          <a:xfrm flipH="1" flipV="1">
+            <a:off x="7610182" y="4591787"/>
+            <a:ext cx="309418" cy="247555"/>
+          </a:xfrm>
+          <a:prstGeom prst="straightConnector1">
+            <a:avLst/>
+          </a:prstGeom>
+          <a:ln>
+            <a:solidFill>
+              <a:schemeClr val="accent1"/>
+            </a:solidFill>
+            <a:tailEnd type="triangle"/>
+          </a:ln>
+        </p:spPr>
+        <p:style>
+          <a:lnRef idx="1">
+            <a:schemeClr val="accent1"/>
+          </a:lnRef>
+          <a:fillRef idx="0">
+            <a:schemeClr val="accent1"/>
+          </a:fillRef>
+          <a:effectRef idx="0">
+            <a:schemeClr val="accent1"/>
+          </a:effectRef>
+          <a:fontRef idx="minor">
+            <a:schemeClr val="tx1"/>
+          </a:fontRef>
+        </p:style>
+      </p:cxnSp>
+      <p:graphicFrame>
+        <p:nvGraphicFramePr>
+          <p:cNvPr id="50" name="表格 49">
+            <a:extLst>
+              <a:ext uri="{FF2B5EF4-FFF2-40B4-BE49-F238E27FC236}">
+                <a16:creationId xmlns:a16="http://schemas.microsoft.com/office/drawing/2014/main" id="{285E7A8C-3A0D-0CFA-E786-2F38B564A4D0}"/>
+              </a:ext>
+            </a:extLst>
+          </p:cNvPr>
+          <p:cNvGraphicFramePr>
+            <a:graphicFrameLocks noGrp="1"/>
+          </p:cNvGraphicFramePr>
+          <p:nvPr>
+            <p:extLst>
+              <p:ext uri="{D42A27DB-BD31-4B8C-83A1-F6EECF244321}">
+                <p14:modId xmlns:p14="http://schemas.microsoft.com/office/powerpoint/2010/main" val="1799093658"/>
+              </p:ext>
+            </p:extLst>
+          </p:nvPr>
+        </p:nvGraphicFramePr>
+        <p:xfrm>
+          <a:off x="7919600" y="4283082"/>
+          <a:ext cx="468000" cy="1112520"/>
+        </p:xfrm>
+        <a:graphic>
+          <a:graphicData uri="http://schemas.openxmlformats.org/drawingml/2006/table">
+            <a:tbl>
+              <a:tblPr firstRow="1" bandRow="1">
+                <a:tableStyleId>{5940675A-B579-460E-94D1-54222C63F5DA}</a:tableStyleId>
+              </a:tblPr>
+              <a:tblGrid>
+                <a:gridCol w="468000">
+                  <a:extLst>
+                    <a:ext uri="{9D8B030D-6E8A-4147-A177-3AD203B41FA5}">
+                      <a16:colId xmlns:a16="http://schemas.microsoft.com/office/drawing/2014/main" val="545268932"/>
+                    </a:ext>
+                  </a:extLst>
+                </a:gridCol>
+              </a:tblGrid>
+              <a:tr h="370840">
+                <a:tc>
+                  <a:txBody>
+                    <a:bodyPr/>
+                    <a:lstStyle/>
+                    <a:p>
+                      <a:r>
+                        <a:rPr lang="en-US" altLang="zh-CN" dirty="0"/>
+                        <a:t>10</a:t>
+                      </a:r>
+                      <a:endParaRPr lang="zh-CN" altLang="en-US" dirty="0"/>
+                    </a:p>
+                  </a:txBody>
+                  <a:tcPr>
+                    <a:solidFill>
+                      <a:srgbClr val="0070C0"/>
+                    </a:solidFill>
+                  </a:tcPr>
+                </a:tc>
+                <a:extLst>
+                  <a:ext uri="{0D108BD9-81ED-4DB2-BD59-A6C34878D82A}">
+                    <a16:rowId xmlns:a16="http://schemas.microsoft.com/office/drawing/2014/main" val="264237563"/>
+                  </a:ext>
+                </a:extLst>
+              </a:tr>
+              <a:tr h="370840">
+                <a:tc>
+                  <a:txBody>
+                    <a:bodyPr/>
+                    <a:lstStyle/>
+                    <a:p>
+                      <a:r>
+                        <a:rPr lang="en-US" altLang="zh-CN" dirty="0"/>
+                        <a:t>5</a:t>
+                      </a:r>
+                      <a:endParaRPr lang="zh-CN" altLang="en-US" dirty="0"/>
+                    </a:p>
+                  </a:txBody>
+                  <a:tcPr>
+                    <a:solidFill>
+                      <a:schemeClr val="accent2"/>
+                    </a:solidFill>
+                  </a:tcPr>
+                </a:tc>
+                <a:extLst>
+                  <a:ext uri="{0D108BD9-81ED-4DB2-BD59-A6C34878D82A}">
+                    <a16:rowId xmlns:a16="http://schemas.microsoft.com/office/drawing/2014/main" val="1585843347"/>
+                  </a:ext>
+                </a:extLst>
+              </a:tr>
+              <a:tr h="370840">
+                <a:tc>
+                  <a:txBody>
+                    <a:bodyPr/>
+                    <a:lstStyle/>
+                    <a:p>
+                      <a:r>
+                        <a:rPr lang="en-US" altLang="zh-CN" dirty="0"/>
+                        <a:t>2</a:t>
+                      </a:r>
+                      <a:endParaRPr lang="zh-CN" altLang="en-US" dirty="0"/>
+                    </a:p>
+                  </a:txBody>
+                  <a:tcPr>
+                    <a:solidFill>
+                      <a:srgbClr val="FF0000"/>
+                    </a:solidFill>
+                  </a:tcPr>
+                </a:tc>
+                <a:extLst>
+                  <a:ext uri="{0D108BD9-81ED-4DB2-BD59-A6C34878D82A}">
+                    <a16:rowId xmlns:a16="http://schemas.microsoft.com/office/drawing/2014/main" val="1564232948"/>
+                  </a:ext>
+                </a:extLst>
+              </a:tr>
+            </a:tbl>
+          </a:graphicData>
+        </a:graphic>
+      </p:graphicFrame>
+      <p:cxnSp>
+        <p:nvCxnSpPr>
+          <p:cNvPr id="55" name="直接箭头连接符 54">
+            <a:extLst>
+              <a:ext uri="{FF2B5EF4-FFF2-40B4-BE49-F238E27FC236}">
+                <a16:creationId xmlns:a16="http://schemas.microsoft.com/office/drawing/2014/main" id="{9115E556-E8D7-768E-4D66-D25D1EACC592}"/>
+              </a:ext>
+            </a:extLst>
+          </p:cNvPr>
+          <p:cNvCxnSpPr>
+            <a:cxnSpLocks/>
+            <a:stCxn id="56" idx="1"/>
+          </p:cNvCxnSpPr>
+          <p:nvPr/>
+        </p:nvCxnSpPr>
+        <p:spPr>
+          <a:xfrm flipH="1">
+            <a:off x="7610182" y="4920207"/>
+            <a:ext cx="922654" cy="56740"/>
+          </a:xfrm>
+          <a:prstGeom prst="straightConnector1">
+            <a:avLst/>
+          </a:prstGeom>
+          <a:ln>
+            <a:solidFill>
+              <a:schemeClr val="accent2"/>
+            </a:solidFill>
+            <a:tailEnd type="triangle"/>
+          </a:ln>
+        </p:spPr>
+        <p:style>
+          <a:lnRef idx="1">
+            <a:schemeClr val="accent1"/>
+          </a:lnRef>
+          <a:fillRef idx="0">
+            <a:schemeClr val="accent1"/>
+          </a:fillRef>
+          <a:effectRef idx="0">
+            <a:schemeClr val="accent1"/>
+          </a:effectRef>
+          <a:fontRef idx="minor">
+            <a:schemeClr val="tx1"/>
+          </a:fontRef>
+        </p:style>
+      </p:cxnSp>
+      <p:graphicFrame>
+        <p:nvGraphicFramePr>
+          <p:cNvPr id="56" name="表格 55">
+            <a:extLst>
+              <a:ext uri="{FF2B5EF4-FFF2-40B4-BE49-F238E27FC236}">
+                <a16:creationId xmlns:a16="http://schemas.microsoft.com/office/drawing/2014/main" id="{C0EA7E89-2263-5C39-AAB5-7C226878874A}"/>
+              </a:ext>
+            </a:extLst>
+          </p:cNvPr>
+          <p:cNvGraphicFramePr>
+            <a:graphicFrameLocks noGrp="1"/>
+          </p:cNvGraphicFramePr>
+          <p:nvPr>
+            <p:extLst>
+              <p:ext uri="{D42A27DB-BD31-4B8C-83A1-F6EECF244321}">
+                <p14:modId xmlns:p14="http://schemas.microsoft.com/office/powerpoint/2010/main" val="1814210715"/>
+              </p:ext>
+            </p:extLst>
+          </p:nvPr>
+        </p:nvGraphicFramePr>
+        <p:xfrm>
+          <a:off x="8532836" y="4549367"/>
+          <a:ext cx="468000" cy="741680"/>
+        </p:xfrm>
+        <a:graphic>
+          <a:graphicData uri="http://schemas.openxmlformats.org/drawingml/2006/table">
+            <a:tbl>
+              <a:tblPr firstRow="1" bandRow="1">
+                <a:tableStyleId>{5940675A-B579-460E-94D1-54222C63F5DA}</a:tableStyleId>
+              </a:tblPr>
+              <a:tblGrid>
+                <a:gridCol w="468000">
+                  <a:extLst>
+                    <a:ext uri="{9D8B030D-6E8A-4147-A177-3AD203B41FA5}">
+                      <a16:colId xmlns:a16="http://schemas.microsoft.com/office/drawing/2014/main" val="545268932"/>
+                    </a:ext>
+                  </a:extLst>
+                </a:gridCol>
+              </a:tblGrid>
+              <a:tr h="370840">
+                <a:tc>
+                  <a:txBody>
+                    <a:bodyPr/>
+                    <a:lstStyle/>
+                    <a:p>
+                      <a:r>
+                        <a:rPr lang="en-US" altLang="zh-CN" dirty="0"/>
+                        <a:t>11</a:t>
+                      </a:r>
+                      <a:endParaRPr lang="zh-CN" altLang="en-US" dirty="0"/>
+                    </a:p>
+                  </a:txBody>
+                  <a:tcPr>
+                    <a:solidFill>
+                      <a:schemeClr val="accent2"/>
+                    </a:solidFill>
+                  </a:tcPr>
+                </a:tc>
+                <a:extLst>
+                  <a:ext uri="{0D108BD9-81ED-4DB2-BD59-A6C34878D82A}">
+                    <a16:rowId xmlns:a16="http://schemas.microsoft.com/office/drawing/2014/main" val="1585843347"/>
+                  </a:ext>
+                </a:extLst>
+              </a:tr>
+              <a:tr h="370840">
+                <a:tc>
+                  <a:txBody>
+                    <a:bodyPr/>
+                    <a:lstStyle/>
+                    <a:p>
+                      <a:r>
+                        <a:rPr lang="en-US" altLang="zh-CN" dirty="0"/>
+                        <a:t>2</a:t>
+                      </a:r>
+                      <a:endParaRPr lang="zh-CN" altLang="en-US" dirty="0"/>
+                    </a:p>
+                  </a:txBody>
+                  <a:tcPr>
+                    <a:solidFill>
+                      <a:srgbClr val="FF0000"/>
+                    </a:solidFill>
+                  </a:tcPr>
+                </a:tc>
+                <a:extLst>
+                  <a:ext uri="{0D108BD9-81ED-4DB2-BD59-A6C34878D82A}">
+                    <a16:rowId xmlns:a16="http://schemas.microsoft.com/office/drawing/2014/main" val="1564232948"/>
+                  </a:ext>
+                </a:extLst>
+              </a:tr>
+            </a:tbl>
+          </a:graphicData>
+        </a:graphic>
+      </p:graphicFrame>
+      <p:cxnSp>
+        <p:nvCxnSpPr>
+          <p:cNvPr id="58" name="直接箭头连接符 57">
+            <a:extLst>
+              <a:ext uri="{FF2B5EF4-FFF2-40B4-BE49-F238E27FC236}">
+                <a16:creationId xmlns:a16="http://schemas.microsoft.com/office/drawing/2014/main" id="{33415042-EA8C-CC6E-213C-815AEE74706C}"/>
+              </a:ext>
+            </a:extLst>
+          </p:cNvPr>
+          <p:cNvCxnSpPr>
+            <a:cxnSpLocks/>
+            <a:stCxn id="59" idx="1"/>
+          </p:cNvCxnSpPr>
+          <p:nvPr/>
+        </p:nvCxnSpPr>
+        <p:spPr>
+          <a:xfrm flipH="1" flipV="1">
+            <a:off x="7642947" y="5395602"/>
+            <a:ext cx="1482715" cy="347518"/>
+          </a:xfrm>
+          <a:prstGeom prst="straightConnector1">
+            <a:avLst/>
+          </a:prstGeom>
+          <a:ln>
+            <a:solidFill>
+              <a:srgbClr val="7030A0"/>
+            </a:solidFill>
+            <a:tailEnd type="triangle"/>
+          </a:ln>
+        </p:spPr>
+        <p:style>
+          <a:lnRef idx="1">
+            <a:schemeClr val="accent1"/>
+          </a:lnRef>
+          <a:fillRef idx="0">
+            <a:schemeClr val="accent1"/>
+          </a:fillRef>
+          <a:effectRef idx="0">
+            <a:schemeClr val="accent1"/>
+          </a:effectRef>
+          <a:fontRef idx="minor">
+            <a:schemeClr val="tx1"/>
+          </a:fontRef>
+        </p:style>
+      </p:cxnSp>
+      <p:graphicFrame>
+        <p:nvGraphicFramePr>
+          <p:cNvPr id="59" name="表格 58">
+            <a:extLst>
+              <a:ext uri="{FF2B5EF4-FFF2-40B4-BE49-F238E27FC236}">
+                <a16:creationId xmlns:a16="http://schemas.microsoft.com/office/drawing/2014/main" id="{0E96A292-208B-6757-18CA-C06E5331AEE6}"/>
+              </a:ext>
+            </a:extLst>
+          </p:cNvPr>
+          <p:cNvGraphicFramePr>
+            <a:graphicFrameLocks noGrp="1"/>
+          </p:cNvGraphicFramePr>
+          <p:nvPr>
+            <p:extLst>
+              <p:ext uri="{D42A27DB-BD31-4B8C-83A1-F6EECF244321}">
+                <p14:modId xmlns:p14="http://schemas.microsoft.com/office/powerpoint/2010/main" val="985733990"/>
+              </p:ext>
+            </p:extLst>
+          </p:nvPr>
+        </p:nvGraphicFramePr>
+        <p:xfrm>
+          <a:off x="9125662" y="5186860"/>
+          <a:ext cx="468000" cy="1112520"/>
+        </p:xfrm>
+        <a:graphic>
+          <a:graphicData uri="http://schemas.openxmlformats.org/drawingml/2006/table">
+            <a:tbl>
+              <a:tblPr firstRow="1" bandRow="1">
+                <a:tableStyleId>{5940675A-B579-460E-94D1-54222C63F5DA}</a:tableStyleId>
+              </a:tblPr>
+              <a:tblGrid>
+                <a:gridCol w="468000">
+                  <a:extLst>
+                    <a:ext uri="{9D8B030D-6E8A-4147-A177-3AD203B41FA5}">
+                      <a16:colId xmlns:a16="http://schemas.microsoft.com/office/drawing/2014/main" val="545268932"/>
+                    </a:ext>
+                  </a:extLst>
+                </a:gridCol>
+              </a:tblGrid>
+              <a:tr h="370840">
+                <a:tc>
+                  <a:txBody>
+                    <a:bodyPr/>
+                    <a:lstStyle/>
+                    <a:p>
+                      <a:r>
+                        <a:rPr lang="en-US" altLang="zh-CN" dirty="0"/>
+                        <a:t>12</a:t>
+                      </a:r>
+                      <a:endParaRPr lang="zh-CN" altLang="en-US" dirty="0"/>
+                    </a:p>
+                  </a:txBody>
+                  <a:tcPr>
+                    <a:solidFill>
+                      <a:srgbClr val="7030A0"/>
+                    </a:solidFill>
+                  </a:tcPr>
+                </a:tc>
+                <a:extLst>
+                  <a:ext uri="{0D108BD9-81ED-4DB2-BD59-A6C34878D82A}">
+                    <a16:rowId xmlns:a16="http://schemas.microsoft.com/office/drawing/2014/main" val="264237563"/>
+                  </a:ext>
+                </a:extLst>
+              </a:tr>
+              <a:tr h="370840">
+                <a:tc>
+                  <a:txBody>
+                    <a:bodyPr/>
+                    <a:lstStyle/>
+                    <a:p>
+                      <a:r>
+                        <a:rPr lang="en-US" altLang="zh-CN" dirty="0"/>
+                        <a:t>11</a:t>
+                      </a:r>
+                      <a:endParaRPr lang="zh-CN" altLang="en-US" dirty="0"/>
+                    </a:p>
+                  </a:txBody>
+                  <a:tcPr>
+                    <a:solidFill>
+                      <a:schemeClr val="accent2"/>
+                    </a:solidFill>
+                  </a:tcPr>
+                </a:tc>
+                <a:extLst>
+                  <a:ext uri="{0D108BD9-81ED-4DB2-BD59-A6C34878D82A}">
+                    <a16:rowId xmlns:a16="http://schemas.microsoft.com/office/drawing/2014/main" val="1585843347"/>
+                  </a:ext>
+                </a:extLst>
+              </a:tr>
+              <a:tr h="370840">
+                <a:tc>
+                  <a:txBody>
+                    <a:bodyPr/>
+                    <a:lstStyle/>
+                    <a:p>
+                      <a:r>
+                        <a:rPr lang="en-US" altLang="zh-CN" dirty="0"/>
+                        <a:t>2</a:t>
+                      </a:r>
+                      <a:endParaRPr lang="zh-CN" altLang="en-US" dirty="0"/>
+                    </a:p>
+                  </a:txBody>
+                  <a:tcPr>
+                    <a:solidFill>
+                      <a:srgbClr val="FF0000"/>
+                    </a:solidFill>
+                  </a:tcPr>
+                </a:tc>
+                <a:extLst>
+                  <a:ext uri="{0D108BD9-81ED-4DB2-BD59-A6C34878D82A}">
+                    <a16:rowId xmlns:a16="http://schemas.microsoft.com/office/drawing/2014/main" val="1564232948"/>
+                  </a:ext>
+                </a:extLst>
+              </a:tr>
+            </a:tbl>
+          </a:graphicData>
+        </a:graphic>
+      </p:graphicFrame>
+      <p:cxnSp>
+        <p:nvCxnSpPr>
+          <p:cNvPr id="63" name="直接箭头连接符 62">
+            <a:extLst>
+              <a:ext uri="{FF2B5EF4-FFF2-40B4-BE49-F238E27FC236}">
+                <a16:creationId xmlns:a16="http://schemas.microsoft.com/office/drawing/2014/main" id="{D1294CB8-5AF9-4C1D-4E5F-4590C2F5F34A}"/>
+              </a:ext>
+            </a:extLst>
+          </p:cNvPr>
+          <p:cNvCxnSpPr>
+            <a:cxnSpLocks/>
+            <a:stCxn id="64" idx="1"/>
+          </p:cNvCxnSpPr>
+          <p:nvPr/>
+        </p:nvCxnSpPr>
+        <p:spPr>
+          <a:xfrm flipH="1" flipV="1">
+            <a:off x="7642947" y="5743120"/>
+            <a:ext cx="916782" cy="301084"/>
+          </a:xfrm>
+          <a:prstGeom prst="straightConnector1">
+            <a:avLst/>
+          </a:prstGeom>
+          <a:ln>
+            <a:solidFill>
+              <a:srgbClr val="7030A0"/>
+            </a:solidFill>
+            <a:tailEnd type="triangle"/>
+          </a:ln>
+        </p:spPr>
+        <p:style>
+          <a:lnRef idx="1">
+            <a:schemeClr val="accent1"/>
+          </a:lnRef>
+          <a:fillRef idx="0">
+            <a:schemeClr val="accent1"/>
+          </a:fillRef>
+          <a:effectRef idx="0">
+            <a:schemeClr val="accent1"/>
+          </a:effectRef>
+          <a:fontRef idx="minor">
+            <a:schemeClr val="tx1"/>
+          </a:fontRef>
+        </p:style>
+      </p:cxnSp>
+      <p:graphicFrame>
+        <p:nvGraphicFramePr>
+          <p:cNvPr id="64" name="表格 63">
+            <a:extLst>
+              <a:ext uri="{FF2B5EF4-FFF2-40B4-BE49-F238E27FC236}">
+                <a16:creationId xmlns:a16="http://schemas.microsoft.com/office/drawing/2014/main" id="{8D1736FB-AF5F-151C-2E1A-61BBB2805469}"/>
+              </a:ext>
+            </a:extLst>
+          </p:cNvPr>
+          <p:cNvGraphicFramePr>
+            <a:graphicFrameLocks noGrp="1"/>
+          </p:cNvGraphicFramePr>
+          <p:nvPr>
+            <p:extLst>
+              <p:ext uri="{D42A27DB-BD31-4B8C-83A1-F6EECF244321}">
+                <p14:modId xmlns:p14="http://schemas.microsoft.com/office/powerpoint/2010/main" val="2226909777"/>
+              </p:ext>
+            </p:extLst>
+          </p:nvPr>
+        </p:nvGraphicFramePr>
+        <p:xfrm>
+          <a:off x="8559729" y="5487944"/>
+          <a:ext cx="468000" cy="1112520"/>
+        </p:xfrm>
+        <a:graphic>
+          <a:graphicData uri="http://schemas.openxmlformats.org/drawingml/2006/table">
+            <a:tbl>
+              <a:tblPr firstRow="1" bandRow="1">
+                <a:tableStyleId>{5940675A-B579-460E-94D1-54222C63F5DA}</a:tableStyleId>
+              </a:tblPr>
+              <a:tblGrid>
+                <a:gridCol w="468000">
+                  <a:extLst>
+                    <a:ext uri="{9D8B030D-6E8A-4147-A177-3AD203B41FA5}">
+                      <a16:colId xmlns:a16="http://schemas.microsoft.com/office/drawing/2014/main" val="545268932"/>
+                    </a:ext>
+                  </a:extLst>
+                </a:gridCol>
+              </a:tblGrid>
+              <a:tr h="370840">
+                <a:tc>
+                  <a:txBody>
+                    <a:bodyPr/>
+                    <a:lstStyle/>
+                    <a:p>
+                      <a:r>
+                        <a:rPr lang="en-US" altLang="zh-CN" dirty="0"/>
+                        <a:t>13</a:t>
+                      </a:r>
+                      <a:endParaRPr lang="zh-CN" altLang="en-US" dirty="0"/>
+                    </a:p>
+                  </a:txBody>
+                  <a:tcPr>
+                    <a:solidFill>
+                      <a:srgbClr val="7030A0"/>
+                    </a:solidFill>
+                  </a:tcPr>
+                </a:tc>
+                <a:extLst>
+                  <a:ext uri="{0D108BD9-81ED-4DB2-BD59-A6C34878D82A}">
+                    <a16:rowId xmlns:a16="http://schemas.microsoft.com/office/drawing/2014/main" val="264237563"/>
+                  </a:ext>
+                </a:extLst>
+              </a:tr>
+              <a:tr h="370840">
+                <a:tc>
+                  <a:txBody>
+                    <a:bodyPr/>
+                    <a:lstStyle/>
+                    <a:p>
+                      <a:r>
+                        <a:rPr lang="en-US" altLang="zh-CN" dirty="0"/>
+                        <a:t>11</a:t>
+                      </a:r>
+                      <a:endParaRPr lang="zh-CN" altLang="en-US" dirty="0"/>
+                    </a:p>
+                  </a:txBody>
+                  <a:tcPr>
+                    <a:solidFill>
+                      <a:schemeClr val="accent2"/>
+                    </a:solidFill>
+                  </a:tcPr>
+                </a:tc>
+                <a:extLst>
+                  <a:ext uri="{0D108BD9-81ED-4DB2-BD59-A6C34878D82A}">
+                    <a16:rowId xmlns:a16="http://schemas.microsoft.com/office/drawing/2014/main" val="1585843347"/>
+                  </a:ext>
+                </a:extLst>
+              </a:tr>
+              <a:tr h="370840">
+                <a:tc>
+                  <a:txBody>
+                    <a:bodyPr/>
+                    <a:lstStyle/>
+                    <a:p>
+                      <a:r>
+                        <a:rPr lang="en-US" altLang="zh-CN" dirty="0"/>
+                        <a:t>2</a:t>
+                      </a:r>
+                      <a:endParaRPr lang="zh-CN" altLang="en-US" dirty="0"/>
+                    </a:p>
+                  </a:txBody>
+                  <a:tcPr>
+                    <a:solidFill>
+                      <a:srgbClr val="FF0000"/>
+                    </a:solidFill>
+                  </a:tcPr>
+                </a:tc>
+                <a:extLst>
+                  <a:ext uri="{0D108BD9-81ED-4DB2-BD59-A6C34878D82A}">
+                    <a16:rowId xmlns:a16="http://schemas.microsoft.com/office/drawing/2014/main" val="1564232948"/>
+                  </a:ext>
+                </a:extLst>
+              </a:tr>
+            </a:tbl>
+          </a:graphicData>
+        </a:graphic>
+      </p:graphicFrame>
     </p:spTree>
     <p:extLst>
       <p:ext uri="{BB962C8B-B14F-4D97-AF65-F5344CB8AC3E}">

--- a/docx/画图.pptx
+++ b/docx/画图.pptx
@@ -271,7 +271,7 @@
           <a:p>
             <a:fld id="{B1D4CC93-8288-4999-A88F-F5B0C6702533}" type="datetimeFigureOut">
               <a:rPr lang="zh-CN" altLang="en-US" smtClean="0"/>
-              <a:t>2024/10/23</a:t>
+              <a:t>2024/12/10</a:t>
             </a:fld>
             <a:endParaRPr lang="zh-CN" altLang="en-US"/>
           </a:p>
@@ -469,7 +469,7 @@
           <a:p>
             <a:fld id="{B1D4CC93-8288-4999-A88F-F5B0C6702533}" type="datetimeFigureOut">
               <a:rPr lang="zh-CN" altLang="en-US" smtClean="0"/>
-              <a:t>2024/10/23</a:t>
+              <a:t>2024/12/10</a:t>
             </a:fld>
             <a:endParaRPr lang="zh-CN" altLang="en-US"/>
           </a:p>
@@ -677,7 +677,7 @@
           <a:p>
             <a:fld id="{B1D4CC93-8288-4999-A88F-F5B0C6702533}" type="datetimeFigureOut">
               <a:rPr lang="zh-CN" altLang="en-US" smtClean="0"/>
-              <a:t>2024/10/23</a:t>
+              <a:t>2024/12/10</a:t>
             </a:fld>
             <a:endParaRPr lang="zh-CN" altLang="en-US"/>
           </a:p>
@@ -875,7 +875,7 @@
           <a:p>
             <a:fld id="{B1D4CC93-8288-4999-A88F-F5B0C6702533}" type="datetimeFigureOut">
               <a:rPr lang="zh-CN" altLang="en-US" smtClean="0"/>
-              <a:t>2024/10/23</a:t>
+              <a:t>2024/12/10</a:t>
             </a:fld>
             <a:endParaRPr lang="zh-CN" altLang="en-US"/>
           </a:p>
@@ -1150,7 +1150,7 @@
           <a:p>
             <a:fld id="{B1D4CC93-8288-4999-A88F-F5B0C6702533}" type="datetimeFigureOut">
               <a:rPr lang="zh-CN" altLang="en-US" smtClean="0"/>
-              <a:t>2024/10/23</a:t>
+              <a:t>2024/12/10</a:t>
             </a:fld>
             <a:endParaRPr lang="zh-CN" altLang="en-US"/>
           </a:p>
@@ -1415,7 +1415,7 @@
           <a:p>
             <a:fld id="{B1D4CC93-8288-4999-A88F-F5B0C6702533}" type="datetimeFigureOut">
               <a:rPr lang="zh-CN" altLang="en-US" smtClean="0"/>
-              <a:t>2024/10/23</a:t>
+              <a:t>2024/12/10</a:t>
             </a:fld>
             <a:endParaRPr lang="zh-CN" altLang="en-US"/>
           </a:p>
@@ -1827,7 +1827,7 @@
           <a:p>
             <a:fld id="{B1D4CC93-8288-4999-A88F-F5B0C6702533}" type="datetimeFigureOut">
               <a:rPr lang="zh-CN" altLang="en-US" smtClean="0"/>
-              <a:t>2024/10/23</a:t>
+              <a:t>2024/12/10</a:t>
             </a:fld>
             <a:endParaRPr lang="zh-CN" altLang="en-US"/>
           </a:p>
@@ -1968,7 +1968,7 @@
           <a:p>
             <a:fld id="{B1D4CC93-8288-4999-A88F-F5B0C6702533}" type="datetimeFigureOut">
               <a:rPr lang="zh-CN" altLang="en-US" smtClean="0"/>
-              <a:t>2024/10/23</a:t>
+              <a:t>2024/12/10</a:t>
             </a:fld>
             <a:endParaRPr lang="zh-CN" altLang="en-US"/>
           </a:p>
@@ -2081,7 +2081,7 @@
           <a:p>
             <a:fld id="{B1D4CC93-8288-4999-A88F-F5B0C6702533}" type="datetimeFigureOut">
               <a:rPr lang="zh-CN" altLang="en-US" smtClean="0"/>
-              <a:t>2024/10/23</a:t>
+              <a:t>2024/12/10</a:t>
             </a:fld>
             <a:endParaRPr lang="zh-CN" altLang="en-US"/>
           </a:p>
@@ -2392,7 +2392,7 @@
           <a:p>
             <a:fld id="{B1D4CC93-8288-4999-A88F-F5B0C6702533}" type="datetimeFigureOut">
               <a:rPr lang="zh-CN" altLang="en-US" smtClean="0"/>
-              <a:t>2024/10/23</a:t>
+              <a:t>2024/12/10</a:t>
             </a:fld>
             <a:endParaRPr lang="zh-CN" altLang="en-US"/>
           </a:p>
@@ -2680,7 +2680,7 @@
           <a:p>
             <a:fld id="{B1D4CC93-8288-4999-A88F-F5B0C6702533}" type="datetimeFigureOut">
               <a:rPr lang="zh-CN" altLang="en-US" smtClean="0"/>
-              <a:t>2024/10/23</a:t>
+              <a:t>2024/12/10</a:t>
             </a:fld>
             <a:endParaRPr lang="zh-CN" altLang="en-US"/>
           </a:p>
@@ -2921,7 +2921,7 @@
           <a:p>
             <a:fld id="{B1D4CC93-8288-4999-A88F-F5B0C6702533}" type="datetimeFigureOut">
               <a:rPr lang="zh-CN" altLang="en-US" smtClean="0"/>
-              <a:t>2024/10/23</a:t>
+              <a:t>2024/12/10</a:t>
             </a:fld>
             <a:endParaRPr lang="zh-CN" altLang="en-US"/>
           </a:p>
@@ -8128,14 +8128,14 @@
           <p:nvPr>
             <p:extLst>
               <p:ext uri="{D42A27DB-BD31-4B8C-83A1-F6EECF244321}">
-                <p14:modId xmlns:p14="http://schemas.microsoft.com/office/powerpoint/2010/main" val="1162978787"/>
+                <p14:modId xmlns:p14="http://schemas.microsoft.com/office/powerpoint/2010/main" val="3134948070"/>
               </p:ext>
             </p:extLst>
           </p:nvPr>
         </p:nvGraphicFramePr>
         <p:xfrm>
           <a:off x="0" y="0"/>
-          <a:ext cx="4932000" cy="4119880"/>
+          <a:ext cx="4931999" cy="4668520"/>
         </p:xfrm>
         <a:graphic>
           <a:graphicData uri="http://schemas.openxmlformats.org/drawingml/2006/table">
@@ -8144,7 +8144,7 @@
                 <a:tableStyleId>{5940675A-B579-460E-94D1-54222C63F5DA}</a:tableStyleId>
               </a:tblPr>
               <a:tblGrid>
-                <a:gridCol w="4932000">
+                <a:gridCol w="4931999">
                   <a:extLst>
                     <a:ext uri="{9D8B030D-6E8A-4147-A177-3AD203B41FA5}">
                       <a16:colId xmlns:a16="http://schemas.microsoft.com/office/drawing/2014/main" val="1851889152"/>
@@ -8280,86 +8280,230 @@
                       </a:r>
                     </a:p>
                     <a:p>
-                      <a:r>
-                        <a:rPr lang="en-US" altLang="zh-CN" dirty="0"/>
+                      <a:pPr marL="0" marR="0" lvl="0" indent="0" algn="l" defTabSz="914400" rtl="0" eaLnBrk="1" fontAlgn="auto" latinLnBrk="0" hangingPunct="1">
+                        <a:lnSpc>
+                          <a:spcPct val="100000"/>
+                        </a:lnSpc>
+                        <a:spcBef>
+                          <a:spcPts val="0"/>
+                        </a:spcBef>
+                        <a:spcAft>
+                          <a:spcPts val="0"/>
+                        </a:spcAft>
+                        <a:buClrTx/>
+                        <a:buSzTx/>
+                        <a:buFontTx/>
+                        <a:buNone/>
+                        <a:tabLst/>
+                        <a:defRPr/>
+                      </a:pPr>
+                      <a:r>
+                        <a:rPr lang="en-US" altLang="zh-CN" sz="1800" b="0" kern="1200" dirty="0" err="1">
+                          <a:solidFill>
+                            <a:schemeClr val="tx1"/>
+                          </a:solidFill>
+                          <a:effectLst/>
+                          <a:latin typeface="+mn-lt"/>
+                          <a:ea typeface="+mn-ea"/>
+                          <a:cs typeface="+mn-cs"/>
+                        </a:rPr>
+                        <a:t>SymTableItem</a:t>
+                      </a:r>
+                      <a:r>
+                        <a:rPr lang="en-US" altLang="zh-CN" sz="1800" b="0" kern="1200" dirty="0">
+                          <a:solidFill>
+                            <a:schemeClr val="tx1"/>
+                          </a:solidFill>
+                          <a:effectLst/>
+                          <a:latin typeface="+mn-lt"/>
+                          <a:ea typeface="+mn-ea"/>
+                          <a:cs typeface="+mn-cs"/>
+                        </a:rPr>
+                        <a:t> </a:t>
+                      </a:r>
+                      <a:r>
+                        <a:rPr lang="en-US" altLang="zh-CN" sz="1800" b="0" kern="1200" dirty="0" err="1">
+                          <a:solidFill>
+                            <a:schemeClr val="tx1"/>
+                          </a:solidFill>
+                          <a:effectLst/>
+                          <a:latin typeface="+mn-lt"/>
+                          <a:ea typeface="+mn-ea"/>
+                          <a:cs typeface="+mn-cs"/>
+                        </a:rPr>
+                        <a:t>GetTable</a:t>
+                      </a:r>
+                      <a:r>
+                        <a:rPr lang="en-US" altLang="zh-CN" sz="1800" b="0" kern="1200" dirty="0">
+                          <a:solidFill>
+                            <a:schemeClr val="tx1"/>
+                          </a:solidFill>
+                          <a:effectLst/>
+                          <a:latin typeface="+mn-lt"/>
+                          <a:ea typeface="+mn-ea"/>
+                          <a:cs typeface="+mn-cs"/>
+                        </a:rPr>
+                        <a:t>(int num);</a:t>
+                      </a:r>
+                    </a:p>
+                    <a:p>
+                      <a:pPr marL="0" marR="0" lvl="0" indent="0" algn="l" defTabSz="914400" rtl="0" eaLnBrk="1" fontAlgn="auto" latinLnBrk="0" hangingPunct="1">
+                        <a:lnSpc>
+                          <a:spcPct val="100000"/>
+                        </a:lnSpc>
+                        <a:spcBef>
+                          <a:spcPts val="0"/>
+                        </a:spcBef>
+                        <a:spcAft>
+                          <a:spcPts val="0"/>
+                        </a:spcAft>
+                        <a:buClrTx/>
+                        <a:buSzTx/>
+                        <a:buFontTx/>
+                        <a:buNone/>
+                        <a:tabLst/>
+                        <a:defRPr/>
+                      </a:pPr>
+                      <a:r>
+                        <a:rPr lang="en-US" altLang="zh-CN" sz="1800" b="0" kern="1200" dirty="0">
+                          <a:solidFill>
+                            <a:schemeClr val="tx1"/>
+                          </a:solidFill>
+                          <a:effectLst/>
+                          <a:latin typeface="+mn-lt"/>
+                          <a:ea typeface="+mn-ea"/>
+                          <a:cs typeface="+mn-cs"/>
+                        </a:rPr>
                         <a:t>void </a:t>
                       </a:r>
                       <a:r>
-                        <a:rPr lang="en-US" altLang="zh-CN" dirty="0" err="1"/>
-                        <a:t>SetLevel</a:t>
-                      </a:r>
-                      <a:r>
-                        <a:rPr lang="en-US" altLang="zh-CN" dirty="0"/>
+                        <a:rPr lang="en-US" altLang="zh-CN" sz="1800" b="0" kern="1200" dirty="0" err="1">
+                          <a:solidFill>
+                            <a:schemeClr val="tx1"/>
+                          </a:solidFill>
+                          <a:effectLst/>
+                          <a:latin typeface="+mn-lt"/>
+                          <a:ea typeface="+mn-ea"/>
+                          <a:cs typeface="+mn-cs"/>
+                        </a:rPr>
+                        <a:t>PopDisplay</a:t>
+                      </a:r>
+                      <a:r>
+                        <a:rPr lang="en-US" altLang="zh-CN" sz="1800" b="0" kern="1200" dirty="0">
+                          <a:solidFill>
+                            <a:schemeClr val="tx1"/>
+                          </a:solidFill>
+                          <a:effectLst/>
+                          <a:latin typeface="+mn-lt"/>
+                          <a:ea typeface="+mn-ea"/>
+                          <a:cs typeface="+mn-cs"/>
+                        </a:rPr>
+                        <a:t>(){</a:t>
+                      </a:r>
+                      <a:r>
+                        <a:rPr lang="en-US" altLang="zh-CN" sz="1800" b="0" kern="1200" dirty="0" err="1">
+                          <a:solidFill>
+                            <a:schemeClr val="tx1"/>
+                          </a:solidFill>
+                          <a:effectLst/>
+                          <a:latin typeface="+mn-lt"/>
+                          <a:ea typeface="+mn-ea"/>
+                          <a:cs typeface="+mn-cs"/>
+                        </a:rPr>
+                        <a:t>display.pop_back</a:t>
+                      </a:r>
+                      <a:r>
+                        <a:rPr lang="en-US" altLang="zh-CN" sz="1800" b="0" kern="1200" dirty="0">
+                          <a:solidFill>
+                            <a:schemeClr val="tx1"/>
+                          </a:solidFill>
+                          <a:effectLst/>
+                          <a:latin typeface="+mn-lt"/>
+                          <a:ea typeface="+mn-ea"/>
+                          <a:cs typeface="+mn-cs"/>
+                        </a:rPr>
+                        <a:t>();}</a:t>
+                      </a:r>
+                    </a:p>
+                    <a:p>
+                      <a:pPr marL="0" marR="0" lvl="0" indent="0" algn="l" defTabSz="914400" rtl="0" eaLnBrk="1" fontAlgn="auto" latinLnBrk="0" hangingPunct="1">
+                        <a:lnSpc>
+                          <a:spcPct val="100000"/>
+                        </a:lnSpc>
+                        <a:spcBef>
+                          <a:spcPts val="0"/>
+                        </a:spcBef>
+                        <a:spcAft>
+                          <a:spcPts val="0"/>
+                        </a:spcAft>
+                        <a:buClrTx/>
+                        <a:buSzTx/>
+                        <a:buFontTx/>
+                        <a:buNone/>
+                        <a:tabLst/>
+                        <a:defRPr/>
+                      </a:pPr>
+                      <a:r>
+                        <a:rPr lang="en-US" altLang="zh-CN" sz="1800" b="0" kern="1200" dirty="0">
+                          <a:solidFill>
+                            <a:schemeClr val="tx1"/>
+                          </a:solidFill>
+                          <a:effectLst/>
+                          <a:latin typeface="+mn-lt"/>
+                          <a:ea typeface="+mn-ea"/>
+                          <a:cs typeface="+mn-cs"/>
+                        </a:rPr>
+                        <a:t>void </a:t>
+                      </a:r>
+                      <a:r>
+                        <a:rPr lang="en-US" altLang="zh-CN" sz="1800" b="0" kern="1200" dirty="0" err="1">
+                          <a:solidFill>
+                            <a:schemeClr val="tx1"/>
+                          </a:solidFill>
+                          <a:effectLst/>
+                          <a:latin typeface="+mn-lt"/>
+                          <a:ea typeface="+mn-ea"/>
+                          <a:cs typeface="+mn-cs"/>
+                        </a:rPr>
+                        <a:t>EnterProgm</a:t>
+                      </a:r>
+                      <a:r>
+                        <a:rPr lang="en-US" altLang="zh-CN" sz="1800" b="0" kern="1200" dirty="0">
+                          <a:solidFill>
+                            <a:schemeClr val="tx1"/>
+                          </a:solidFill>
+                          <a:effectLst/>
+                          <a:latin typeface="+mn-lt"/>
+                          <a:ea typeface="+mn-ea"/>
+                          <a:cs typeface="+mn-cs"/>
+                        </a:rPr>
                         <a:t>(</a:t>
                       </a:r>
                       <a:r>
-                        <a:rPr lang="en-US" altLang="zh-CN" dirty="0" err="1"/>
-                        <a:t>size_t</a:t>
-                      </a:r>
-                      <a:r>
-                        <a:rPr lang="en-US" altLang="zh-CN" dirty="0"/>
-                        <a:t> </a:t>
-                      </a:r>
-                      <a:r>
-                        <a:rPr lang="en-US" altLang="zh-CN" dirty="0" err="1"/>
-                        <a:t>nowlevel</a:t>
-                      </a:r>
-                      <a:r>
-                        <a:rPr lang="en-US" altLang="zh-CN" dirty="0"/>
-                        <a:t>){level=</a:t>
-                      </a:r>
-                      <a:r>
-                        <a:rPr lang="en-US" altLang="zh-CN" dirty="0" err="1"/>
-                        <a:t>nowlevel</a:t>
-                      </a:r>
-                      <a:r>
-                        <a:rPr lang="en-US" altLang="zh-CN" dirty="0"/>
-                        <a:t>;};</a:t>
-                      </a:r>
-                    </a:p>
-                    <a:p>
-                      <a:r>
-                        <a:rPr lang="en-US" altLang="zh-CN" dirty="0" err="1"/>
-                        <a:t>size_t</a:t>
-                      </a:r>
-                      <a:r>
-                        <a:rPr lang="en-US" altLang="zh-CN" dirty="0"/>
-                        <a:t> </a:t>
-                      </a:r>
-                      <a:r>
-                        <a:rPr lang="en-US" altLang="zh-CN" dirty="0" err="1"/>
-                        <a:t>GetLevel</a:t>
-                      </a:r>
-                      <a:r>
-                        <a:rPr lang="en-US" altLang="zh-CN" dirty="0"/>
-                        <a:t>(){return level;};</a:t>
-                      </a:r>
-                    </a:p>
-                    <a:p>
-                      <a:r>
-                        <a:rPr lang="en-US" altLang="zh-CN" dirty="0" err="1"/>
-                        <a:t>size_t</a:t>
-                      </a:r>
-                      <a:r>
-                        <a:rPr lang="en-US" altLang="zh-CN" dirty="0"/>
-                        <a:t> </a:t>
-                      </a:r>
-                      <a:r>
-                        <a:rPr lang="en-US" altLang="zh-CN" dirty="0" err="1"/>
-                        <a:t>GetSp</a:t>
-                      </a:r>
-                      <a:r>
-                        <a:rPr lang="en-US" altLang="zh-CN" dirty="0"/>
-                        <a:t>(){return </a:t>
-                      </a:r>
-                      <a:r>
-                        <a:rPr lang="en-US" altLang="zh-CN" dirty="0" err="1"/>
-                        <a:t>sp</a:t>
-                      </a:r>
-                      <a:r>
-                        <a:rPr lang="en-US" altLang="zh-CN" dirty="0"/>
-                        <a:t>;};</a:t>
-                      </a:r>
+                        <a:rPr lang="en-US" altLang="zh-CN" sz="1800" b="0" kern="1200" dirty="0" err="1">
+                          <a:solidFill>
+                            <a:schemeClr val="tx1"/>
+                          </a:solidFill>
+                          <a:effectLst/>
+                          <a:latin typeface="+mn-lt"/>
+                          <a:ea typeface="+mn-ea"/>
+                          <a:cs typeface="+mn-cs"/>
+                        </a:rPr>
+                        <a:t>wstring</a:t>
+                      </a:r>
+                      <a:r>
+                        <a:rPr lang="en-US" altLang="zh-CN" sz="1800" b="0" kern="1200" dirty="0">
+                          <a:solidFill>
+                            <a:schemeClr val="tx1"/>
+                          </a:solidFill>
+                          <a:effectLst/>
+                          <a:latin typeface="+mn-lt"/>
+                          <a:ea typeface="+mn-ea"/>
+                          <a:cs typeface="+mn-cs"/>
+                        </a:rPr>
+                        <a:t> name);</a:t>
+                      </a:r>
+                      <a:endParaRPr lang="en-US" altLang="zh-CN" dirty="0"/>
                     </a:p>
                     <a:p>
                       <a:r>
@@ -8376,6 +8520,23 @@
                       </a:r>
                     </a:p>
                     <a:p>
+                      <a:pPr marL="0" marR="0" lvl="0" indent="0" algn="l" defTabSz="914400" rtl="0" eaLnBrk="1" fontAlgn="auto" latinLnBrk="0" hangingPunct="1">
+                        <a:lnSpc>
+                          <a:spcPct val="100000"/>
+                        </a:lnSpc>
+                        <a:spcBef>
+                          <a:spcPts val="0"/>
+                        </a:spcBef>
+                        <a:spcAft>
+                          <a:spcPts val="0"/>
+                        </a:spcAft>
+                        <a:buClrTx/>
+                        <a:buSzTx/>
+                        <a:buFontTx/>
+                        <a:buNone/>
+                        <a:tabLst/>
+                        <a:defRPr/>
+                      </a:pPr>
                       <a:r>
                         <a:rPr lang="en-US" altLang="zh-CN" dirty="0"/>
                         <a:t>int </a:t>
@@ -8394,7 +8555,49 @@
                       </a:r>
                       <a:r>
                         <a:rPr lang="en-US" altLang="zh-CN" dirty="0"/>
-                        <a:t> name, Category cat);   </a:t>
+                        <a:t> name,</a:t>
+                      </a:r>
+                      <a:r>
+                        <a:rPr lang="en-US" altLang="zh-CN" sz="1800" b="0" kern="1200" dirty="0">
+                          <a:solidFill>
+                            <a:schemeClr val="tx1"/>
+                          </a:solidFill>
+                          <a:effectLst/>
+                          <a:latin typeface="+mn-lt"/>
+                          <a:ea typeface="+mn-ea"/>
+                          <a:cs typeface="+mn-cs"/>
+                        </a:rPr>
+                        <a:t> , </a:t>
+                      </a:r>
+                      <a:r>
+                        <a:rPr lang="en-US" altLang="zh-CN" sz="1800" b="0" kern="1200" dirty="0" err="1">
+                          <a:solidFill>
+                            <a:schemeClr val="tx1"/>
+                          </a:solidFill>
+                          <a:effectLst/>
+                          <a:latin typeface="+mn-lt"/>
+                          <a:ea typeface="+mn-ea"/>
+                          <a:cs typeface="+mn-cs"/>
+                        </a:rPr>
+                        <a:t>size_t</a:t>
+                      </a:r>
+                      <a:r>
+                        <a:rPr lang="en-US" altLang="zh-CN" sz="1800" b="0" kern="1200" dirty="0">
+                          <a:solidFill>
+                            <a:schemeClr val="tx1"/>
+                          </a:solidFill>
+                          <a:effectLst/>
+                          <a:latin typeface="+mn-lt"/>
+                          <a:ea typeface="+mn-ea"/>
+                          <a:cs typeface="+mn-cs"/>
+                        </a:rPr>
+                        <a:t> offset</a:t>
+                      </a:r>
+                    </a:p>
+                    <a:p>
+                      <a:r>
+                        <a:rPr lang="en-US" altLang="zh-CN" dirty="0"/>
+                        <a:t> Category cat);   </a:t>
                       </a:r>
                     </a:p>
                     <a:p>
@@ -8454,7 +8657,133 @@
                         <a:rPr lang="en-US" altLang="zh-CN" dirty="0"/>
                         <a:t>(); </a:t>
                       </a:r>
-                      <a:endParaRPr lang="zh-CN" altLang="en-US" dirty="0"/>
+                    </a:p>
+                    <a:p>
+                      <a:pPr marL="0" marR="0" lvl="0" indent="0" algn="l" defTabSz="914400" rtl="0" eaLnBrk="1" fontAlgn="auto" latinLnBrk="0" hangingPunct="1">
+                        <a:lnSpc>
+                          <a:spcPct val="100000"/>
+                        </a:lnSpc>
+                        <a:spcBef>
+                          <a:spcPts val="0"/>
+                        </a:spcBef>
+                        <a:spcAft>
+                          <a:spcPts val="0"/>
+                        </a:spcAft>
+                        <a:buClrTx/>
+                        <a:buSzTx/>
+                        <a:buFontTx/>
+                        <a:buNone/>
+                        <a:tabLst/>
+                        <a:defRPr/>
+                      </a:pPr>
+                      <a:r>
+                        <a:rPr lang="en-US" altLang="zh-CN" sz="1800" b="0" kern="1200" dirty="0">
+                          <a:solidFill>
+                            <a:schemeClr val="tx1"/>
+                          </a:solidFill>
+                          <a:effectLst/>
+                          <a:latin typeface="+mn-lt"/>
+                          <a:ea typeface="+mn-ea"/>
+                          <a:cs typeface="+mn-cs"/>
+                        </a:rPr>
+                        <a:t>void </a:t>
+                      </a:r>
+                      <a:r>
+                        <a:rPr lang="en-US" altLang="zh-CN" sz="1800" b="0" kern="1200" dirty="0" err="1">
+                          <a:solidFill>
+                            <a:schemeClr val="tx1"/>
+                          </a:solidFill>
+                          <a:effectLst/>
+                          <a:latin typeface="+mn-lt"/>
+                          <a:ea typeface="+mn-ea"/>
+                          <a:cs typeface="+mn-cs"/>
+                        </a:rPr>
+                        <a:t>AddWidth</a:t>
+                      </a:r>
+                      <a:r>
+                        <a:rPr lang="en-US" altLang="zh-CN" sz="1800" b="0" kern="1200" dirty="0">
+                          <a:solidFill>
+                            <a:schemeClr val="tx1"/>
+                          </a:solidFill>
+                          <a:effectLst/>
+                          <a:latin typeface="+mn-lt"/>
+                          <a:ea typeface="+mn-ea"/>
+                          <a:cs typeface="+mn-cs"/>
+                        </a:rPr>
+                        <a:t>(</a:t>
+                      </a:r>
+                      <a:r>
+                        <a:rPr lang="en-US" altLang="zh-CN" sz="1800" b="0" kern="1200" dirty="0" err="1">
+                          <a:solidFill>
+                            <a:schemeClr val="tx1"/>
+                          </a:solidFill>
+                          <a:effectLst/>
+                          <a:latin typeface="+mn-lt"/>
+                          <a:ea typeface="+mn-ea"/>
+                          <a:cs typeface="+mn-cs"/>
+                        </a:rPr>
+                        <a:t>size_t</a:t>
+                      </a:r>
+                      <a:r>
+                        <a:rPr lang="en-US" altLang="zh-CN" sz="1800" b="0" kern="1200" dirty="0">
+                          <a:solidFill>
+                            <a:schemeClr val="tx1"/>
+                          </a:solidFill>
+                          <a:effectLst/>
+                          <a:latin typeface="+mn-lt"/>
+                          <a:ea typeface="+mn-ea"/>
+                          <a:cs typeface="+mn-cs"/>
+                        </a:rPr>
+                        <a:t> </a:t>
+                      </a:r>
+                      <a:r>
+                        <a:rPr lang="en-US" altLang="zh-CN" sz="1800" b="0" kern="1200" dirty="0" err="1">
+                          <a:solidFill>
+                            <a:schemeClr val="tx1"/>
+                          </a:solidFill>
+                          <a:effectLst/>
+                          <a:latin typeface="+mn-lt"/>
+                          <a:ea typeface="+mn-ea"/>
+                          <a:cs typeface="+mn-cs"/>
+                        </a:rPr>
+                        <a:t>addr</a:t>
+                      </a:r>
+                      <a:r>
+                        <a:rPr lang="en-US" altLang="zh-CN" sz="1800" b="0" kern="1200" dirty="0">
+                          <a:solidFill>
+                            <a:schemeClr val="tx1"/>
+                          </a:solidFill>
+                          <a:effectLst/>
+                          <a:latin typeface="+mn-lt"/>
+                          <a:ea typeface="+mn-ea"/>
+                          <a:cs typeface="+mn-cs"/>
+                        </a:rPr>
+                        <a:t>, </a:t>
+                      </a:r>
+                      <a:r>
+                        <a:rPr lang="en-US" altLang="zh-CN" sz="1800" b="0" kern="1200" dirty="0" err="1">
+                          <a:solidFill>
+                            <a:schemeClr val="tx1"/>
+                          </a:solidFill>
+                          <a:effectLst/>
+                          <a:latin typeface="+mn-lt"/>
+                          <a:ea typeface="+mn-ea"/>
+                          <a:cs typeface="+mn-cs"/>
+                        </a:rPr>
+                        <a:t>size_t</a:t>
+                      </a:r>
+                      <a:r>
+                        <a:rPr lang="en-US" altLang="zh-CN" sz="1800" b="0" kern="1200" dirty="0">
+                          <a:solidFill>
+                            <a:schemeClr val="tx1"/>
+                          </a:solidFill>
+                          <a:effectLst/>
+                          <a:latin typeface="+mn-lt"/>
+                          <a:ea typeface="+mn-ea"/>
+                          <a:cs typeface="+mn-cs"/>
+                        </a:rPr>
+                        <a:t> width);</a:t>
+                      </a:r>
                     </a:p>
                   </a:txBody>
                   <a:tcPr/>
@@ -8484,14 +8813,14 @@
           <p:nvPr>
             <p:extLst>
               <p:ext uri="{D42A27DB-BD31-4B8C-83A1-F6EECF244321}">
-                <p14:modId xmlns:p14="http://schemas.microsoft.com/office/powerpoint/2010/main" val="1698559344"/>
+                <p14:modId xmlns:p14="http://schemas.microsoft.com/office/powerpoint/2010/main" val="3888350057"/>
               </p:ext>
             </p:extLst>
           </p:nvPr>
         </p:nvGraphicFramePr>
         <p:xfrm>
-          <a:off x="5166037" y="1236980"/>
-          <a:ext cx="2880000" cy="1925320"/>
+          <a:off x="5277926" y="406400"/>
+          <a:ext cx="2880000" cy="3022600"/>
         </p:xfrm>
         <a:graphic>
           <a:graphicData uri="http://schemas.openxmlformats.org/drawingml/2006/table">
@@ -8614,7 +8943,130 @@
                         <a:rPr lang="en-US" altLang="zh-CN" dirty="0"/>
                         <a:t>void show() override;</a:t>
                       </a:r>
-                      <a:endParaRPr lang="zh-CN" altLang="en-US" dirty="0"/>
+                    </a:p>
+                    <a:p>
+                      <a:r>
+                        <a:rPr lang="en-US" altLang="zh-CN" sz="1800" b="0" kern="1200" dirty="0">
+                          <a:solidFill>
+                            <a:schemeClr val="tx1"/>
+                          </a:solidFill>
+                          <a:effectLst/>
+                          <a:latin typeface="+mn-lt"/>
+                          <a:ea typeface="+mn-ea"/>
+                          <a:cs typeface="+mn-cs"/>
+                        </a:rPr>
+                        <a:t>void </a:t>
+                      </a:r>
+                      <a:r>
+                        <a:rPr lang="en-US" altLang="zh-CN" sz="1800" b="0" kern="1200" dirty="0" err="1">
+                          <a:solidFill>
+                            <a:schemeClr val="tx1"/>
+                          </a:solidFill>
+                          <a:effectLst/>
+                          <a:latin typeface="+mn-lt"/>
+                          <a:ea typeface="+mn-ea"/>
+                          <a:cs typeface="+mn-cs"/>
+                        </a:rPr>
+                        <a:t>SetEntry</a:t>
+                      </a:r>
+                      <a:r>
+                        <a:rPr lang="en-US" altLang="zh-CN" sz="1800" b="0" kern="1200" dirty="0">
+                          <a:solidFill>
+                            <a:schemeClr val="tx1"/>
+                          </a:solidFill>
+                          <a:effectLst/>
+                          <a:latin typeface="+mn-lt"/>
+                          <a:ea typeface="+mn-ea"/>
+                          <a:cs typeface="+mn-cs"/>
+                        </a:rPr>
+                        <a:t>(</a:t>
+                      </a:r>
+                      <a:r>
+                        <a:rPr lang="en-US" altLang="zh-CN" sz="1800" b="0" kern="1200" dirty="0" err="1">
+                          <a:solidFill>
+                            <a:schemeClr val="tx1"/>
+                          </a:solidFill>
+                          <a:effectLst/>
+                          <a:latin typeface="+mn-lt"/>
+                          <a:ea typeface="+mn-ea"/>
+                          <a:cs typeface="+mn-cs"/>
+                        </a:rPr>
+                        <a:t>size_t</a:t>
+                      </a:r>
+                      <a:r>
+                        <a:rPr lang="en-US" altLang="zh-CN" sz="1800" b="0" kern="1200" dirty="0">
+                          <a:solidFill>
+                            <a:schemeClr val="tx1"/>
+                          </a:solidFill>
+                          <a:effectLst/>
+                          <a:latin typeface="+mn-lt"/>
+                          <a:ea typeface="+mn-ea"/>
+                          <a:cs typeface="+mn-cs"/>
+                        </a:rPr>
+                        <a:t> entry) { this-&gt;entry = entry; };</a:t>
+                      </a:r>
+                    </a:p>
+                    <a:p>
+                      <a:r>
+                        <a:rPr lang="en-US" altLang="zh-CN" sz="1800" b="0" kern="1200" dirty="0">
+                          <a:solidFill>
+                            <a:schemeClr val="tx1"/>
+                          </a:solidFill>
+                          <a:effectLst/>
+                          <a:latin typeface="+mn-lt"/>
+                          <a:ea typeface="+mn-ea"/>
+                          <a:cs typeface="+mn-cs"/>
+                        </a:rPr>
+                        <a:t>    </a:t>
+                      </a:r>
+                      <a:r>
+                        <a:rPr lang="en-US" altLang="zh-CN" sz="1800" b="0" kern="1200" dirty="0" err="1">
+                          <a:solidFill>
+                            <a:schemeClr val="tx1"/>
+                          </a:solidFill>
+                          <a:effectLst/>
+                          <a:latin typeface="+mn-lt"/>
+                          <a:ea typeface="+mn-ea"/>
+                          <a:cs typeface="+mn-cs"/>
+                        </a:rPr>
+                        <a:t>size_t</a:t>
+                      </a:r>
+                      <a:r>
+                        <a:rPr lang="en-US" altLang="zh-CN" sz="1800" b="0" kern="1200" dirty="0">
+                          <a:solidFill>
+                            <a:schemeClr val="tx1"/>
+                          </a:solidFill>
+                          <a:effectLst/>
+                          <a:latin typeface="+mn-lt"/>
+                          <a:ea typeface="+mn-ea"/>
+                          <a:cs typeface="+mn-cs"/>
+                        </a:rPr>
+                        <a:t> </a:t>
+                      </a:r>
+                      <a:r>
+                        <a:rPr lang="en-US" altLang="zh-CN" sz="1800" b="0" kern="1200" dirty="0" err="1">
+                          <a:solidFill>
+                            <a:schemeClr val="tx1"/>
+                          </a:solidFill>
+                          <a:effectLst/>
+                          <a:latin typeface="+mn-lt"/>
+                          <a:ea typeface="+mn-ea"/>
+                          <a:cs typeface="+mn-cs"/>
+                        </a:rPr>
+                        <a:t>GetEntry</a:t>
+                      </a:r>
+                      <a:r>
+                        <a:rPr lang="en-US" altLang="zh-CN" sz="1800" b="0" kern="1200" dirty="0">
+                          <a:solidFill>
+                            <a:schemeClr val="tx1"/>
+                          </a:solidFill>
+                          <a:effectLst/>
+                          <a:latin typeface="+mn-lt"/>
+                          <a:ea typeface="+mn-ea"/>
+                          <a:cs typeface="+mn-cs"/>
+                        </a:rPr>
+                        <a:t>(){ return this-&gt;entry; };</a:t>
+                      </a:r>
                     </a:p>
                   </a:txBody>
                   <a:tcPr/>
@@ -8644,13 +9096,13 @@
           <p:nvPr>
             <p:extLst>
               <p:ext uri="{D42A27DB-BD31-4B8C-83A1-F6EECF244321}">
-                <p14:modId xmlns:p14="http://schemas.microsoft.com/office/powerpoint/2010/main" val="1600686813"/>
+                <p14:modId xmlns:p14="http://schemas.microsoft.com/office/powerpoint/2010/main" val="3441717131"/>
               </p:ext>
             </p:extLst>
           </p:nvPr>
         </p:nvGraphicFramePr>
         <p:xfrm>
-          <a:off x="8372181" y="1097280"/>
+          <a:off x="8503854" y="702946"/>
           <a:ext cx="3600000" cy="2204720"/>
         </p:xfrm>
         <a:graphic>
@@ -8854,14 +9306,14 @@
           <p:nvPr>
             <p:extLst>
               <p:ext uri="{D42A27DB-BD31-4B8C-83A1-F6EECF244321}">
-                <p14:modId xmlns:p14="http://schemas.microsoft.com/office/powerpoint/2010/main" val="517667713"/>
+                <p14:modId xmlns:p14="http://schemas.microsoft.com/office/powerpoint/2010/main" val="1667506282"/>
               </p:ext>
             </p:extLst>
           </p:nvPr>
         </p:nvGraphicFramePr>
         <p:xfrm>
-          <a:off x="6466876" y="4658360"/>
-          <a:ext cx="4176000" cy="2199640"/>
+          <a:off x="6486000" y="4336886"/>
+          <a:ext cx="4176000" cy="2473960"/>
         </p:xfrm>
         <a:graphic>
           <a:graphicData uri="http://schemas.openxmlformats.org/drawingml/2006/table">
@@ -8980,6 +9432,49 @@
                           <a:cs typeface="+mn-cs"/>
                         </a:rPr>
                         <a:t> level;</a:t>
+                      </a:r>
+                    </a:p>
+                    <a:p>
+                      <a:pPr marL="0" marR="0" lvl="0" indent="0" algn="l" defTabSz="914400" rtl="0" eaLnBrk="1" fontAlgn="auto" latinLnBrk="0" hangingPunct="1">
+                        <a:lnSpc>
+                          <a:spcPct val="100000"/>
+                        </a:lnSpc>
+                        <a:spcBef>
+                          <a:spcPts val="0"/>
+                        </a:spcBef>
+                        <a:spcAft>
+                          <a:spcPts val="0"/>
+                        </a:spcAft>
+                        <a:buClrTx/>
+                        <a:buSzTx/>
+                        <a:buFontTx/>
+                        <a:buNone/>
+                        <a:tabLst/>
+                        <a:defRPr/>
+                      </a:pPr>
+                      <a:r>
+                        <a:rPr lang="en-US" altLang="zh-CN" sz="1800" b="0" kern="1200" dirty="0" err="1">
+                          <a:solidFill>
+                            <a:schemeClr val="tx1"/>
+                          </a:solidFill>
+                          <a:effectLst/>
+                          <a:latin typeface="+mn-lt"/>
+                          <a:ea typeface="+mn-ea"/>
+                          <a:cs typeface="+mn-cs"/>
+                        </a:rPr>
+                        <a:t>size_t</a:t>
+                      </a:r>
+                      <a:r>
+                        <a:rPr lang="en-US" altLang="zh-CN" sz="1800" b="0" kern="1200" dirty="0">
+                          <a:solidFill>
+                            <a:schemeClr val="tx1"/>
+                          </a:solidFill>
+                          <a:effectLst/>
+                          <a:latin typeface="+mn-lt"/>
+                          <a:ea typeface="+mn-ea"/>
+                          <a:cs typeface="+mn-cs"/>
+                        </a:rPr>
+                        <a:t> offset;</a:t>
                       </a:r>
                     </a:p>
                   </a:txBody>
@@ -9073,13 +9568,13 @@
           <p:nvPr>
             <p:extLst>
               <p:ext uri="{D42A27DB-BD31-4B8C-83A1-F6EECF244321}">
-                <p14:modId xmlns:p14="http://schemas.microsoft.com/office/powerpoint/2010/main" val="898519460"/>
+                <p14:modId xmlns:p14="http://schemas.microsoft.com/office/powerpoint/2010/main" val="4143115455"/>
               </p:ext>
             </p:extLst>
           </p:nvPr>
         </p:nvGraphicFramePr>
         <p:xfrm>
-          <a:off x="1530000" y="5089510"/>
+          <a:off x="1510876" y="5154766"/>
           <a:ext cx="1872000" cy="1656080"/>
         </p:xfrm>
         <a:graphic>
@@ -9222,14 +9717,13 @@
           </p:cNvPr>
           <p:cNvCxnSpPr>
             <a:cxnSpLocks/>
-            <a:endCxn id="3" idx="2"/>
           </p:cNvCxnSpPr>
           <p:nvPr/>
         </p:nvCxnSpPr>
         <p:spPr>
-          <a:xfrm flipV="1">
-            <a:off x="2466000" y="4119880"/>
-            <a:ext cx="0" cy="969630"/>
+          <a:xfrm flipH="1" flipV="1">
+            <a:off x="2446875" y="4733776"/>
+            <a:ext cx="1" cy="420990"/>
           </a:xfrm>
           <a:prstGeom prst="line">
             <a:avLst/>
@@ -9269,8 +9763,8 @@
         </p:nvSpPr>
         <p:spPr>
           <a:xfrm>
-            <a:off x="2332158" y="4131862"/>
-            <a:ext cx="267684" cy="410048"/>
+            <a:off x="2330546" y="4668520"/>
+            <a:ext cx="232657" cy="254610"/>
           </a:xfrm>
           <a:prstGeom prst="diamond">
             <a:avLst/>
@@ -9419,13 +9913,14 @@
           <p:cNvCxnSpPr>
             <a:cxnSpLocks/>
             <a:stCxn id="5" idx="2"/>
+            <a:endCxn id="25" idx="0"/>
           </p:cNvCxnSpPr>
           <p:nvPr/>
         </p:nvCxnSpPr>
         <p:spPr>
           <a:xfrm>
-            <a:off x="6606037" y="3162300"/>
-            <a:ext cx="1948839" cy="1234277"/>
+            <a:off x="6717926" y="3429000"/>
+            <a:ext cx="1856074" cy="617220"/>
           </a:xfrm>
           <a:prstGeom prst="line">
             <a:avLst/>
@@ -9434,7 +9929,7 @@
             <a:solidFill>
               <a:schemeClr val="tx1"/>
             </a:solidFill>
-            <a:prstDash val="dash"/>
+            <a:prstDash val="solid"/>
           </a:ln>
         </p:spPr>
         <p:style>
@@ -9466,15 +9961,13 @@
         </p:nvSpPr>
         <p:spPr>
           <a:xfrm>
-            <a:off x="8402035" y="4396577"/>
+            <a:off x="8413072" y="4046220"/>
             <a:ext cx="321856" cy="290666"/>
           </a:xfrm>
           <a:prstGeom prst="flowChartMerge">
             <a:avLst/>
           </a:prstGeom>
-          <a:solidFill>
-            <a:schemeClr val="tx1"/>
-          </a:solidFill>
+          <a:noFill/>
           <a:ln>
             <a:solidFill>
               <a:schemeClr val="tx1"/>
@@ -9524,13 +10017,14 @@
           <p:cNvCxnSpPr>
             <a:cxnSpLocks/>
             <a:stCxn id="6" idx="2"/>
+            <a:endCxn id="25" idx="0"/>
           </p:cNvCxnSpPr>
           <p:nvPr/>
         </p:nvCxnSpPr>
         <p:spPr>
           <a:xfrm flipH="1">
-            <a:off x="8554876" y="3302000"/>
-            <a:ext cx="1617305" cy="1034886"/>
+            <a:off x="8574000" y="2907666"/>
+            <a:ext cx="1729854" cy="1138554"/>
           </a:xfrm>
           <a:prstGeom prst="line">
             <a:avLst/>
@@ -9539,7 +10033,7 @@
             <a:solidFill>
               <a:schemeClr val="tx1"/>
             </a:solidFill>
-            <a:prstDash val="dash"/>
+            <a:prstDash val="solid"/>
           </a:ln>
         </p:spPr>
         <p:style>
@@ -9824,7 +10318,7 @@
             <a:r>
               <a:rPr lang="zh-CN" altLang="en-US" dirty="0">
                 <a:solidFill>
-                  <a:srgbClr val="00B050"/>
+                  <a:srgbClr val="7030A0"/>
                 </a:solidFill>
               </a:rPr>
               <a:t>i</a:t>
@@ -9930,7 +10424,7 @@
           <p:nvPr>
             <p:extLst>
               <p:ext uri="{D42A27DB-BD31-4B8C-83A1-F6EECF244321}">
-                <p14:modId xmlns:p14="http://schemas.microsoft.com/office/powerpoint/2010/main" val="3274274424"/>
+                <p14:modId xmlns:p14="http://schemas.microsoft.com/office/powerpoint/2010/main" val="2323848975"/>
               </p:ext>
             </p:extLst>
           </p:nvPr>
@@ -10115,9 +10609,7 @@
                     </a:p>
                   </a:txBody>
                   <a:tcPr>
-                    <a:solidFill>
-                      <a:srgbClr val="FF0000"/>
-                    </a:solidFill>
+                    <a:noFill/>
                   </a:tcPr>
                 </a:tc>
                 <a:tc>
@@ -10133,9 +10625,7 @@
                     </a:p>
                   </a:txBody>
                   <a:tcPr>
-                    <a:solidFill>
-                      <a:srgbClr val="FF0000"/>
-                    </a:solidFill>
+                    <a:noFill/>
                   </a:tcPr>
                 </a:tc>
                 <a:tc>
@@ -10151,9 +10641,7 @@
                     </a:p>
                   </a:txBody>
                   <a:tcPr>
-                    <a:solidFill>
-                      <a:srgbClr val="FF0000"/>
-                    </a:solidFill>
+                    <a:noFill/>
                   </a:tcPr>
                 </a:tc>
                 <a:tc>
@@ -10169,9 +10657,7 @@
                     </a:p>
                   </a:txBody>
                   <a:tcPr>
-                    <a:solidFill>
-                      <a:srgbClr val="FF0000"/>
-                    </a:solidFill>
+                    <a:noFill/>
                   </a:tcPr>
                 </a:tc>
                 <a:tc>
@@ -10187,9 +10673,7 @@
                     </a:p>
                   </a:txBody>
                   <a:tcPr>
-                    <a:solidFill>
-                      <a:srgbClr val="FF0000"/>
-                    </a:solidFill>
+                    <a:noFill/>
                   </a:tcPr>
                 </a:tc>
                 <a:tc>
@@ -10205,9 +10689,7 @@
                     </a:p>
                   </a:txBody>
                   <a:tcPr>
-                    <a:solidFill>
-                      <a:srgbClr val="FF0000"/>
-                    </a:solidFill>
+                    <a:noFill/>
                   </a:tcPr>
                 </a:tc>
                 <a:tc>
@@ -10219,9 +10701,7 @@
                     </a:p>
                   </a:txBody>
                   <a:tcPr>
-                    <a:solidFill>
-                      <a:srgbClr val="FF0000"/>
-                    </a:solidFill>
+                    <a:noFill/>
                   </a:tcPr>
                 </a:tc>
                 <a:extLst>
@@ -11618,7 +12098,7 @@
                     <a:p>
                       <a:r>
                         <a:rPr lang="en-US" altLang="zh-CN" dirty="0"/>
-                        <a:t>2</a:t>
+                        <a:t>8</a:t>
                       </a:r>
                       <a:endParaRPr lang="zh-CN" altLang="en-US" dirty="0"/>
                     </a:p>
@@ -12310,7 +12790,7 @@
           <p:nvPr>
             <p:extLst>
               <p:ext uri="{D42A27DB-BD31-4B8C-83A1-F6EECF244321}">
-                <p14:modId xmlns:p14="http://schemas.microsoft.com/office/powerpoint/2010/main" val="1398797187"/>
+                <p14:modId xmlns:p14="http://schemas.microsoft.com/office/powerpoint/2010/main" val="3538825020"/>
               </p:ext>
             </p:extLst>
           </p:nvPr>
@@ -12342,7 +12822,7 @@
                     <a:p>
                       <a:r>
                         <a:rPr lang="en-US" altLang="zh-CN" dirty="0"/>
-                        <a:t>3</a:t>
+                        <a:t>0</a:t>
                       </a:r>
                       <a:endParaRPr lang="zh-CN" altLang="en-US" dirty="0"/>
                     </a:p>
@@ -12725,7 +13205,7 @@
           <p:nvPr>
             <p:extLst>
               <p:ext uri="{D42A27DB-BD31-4B8C-83A1-F6EECF244321}">
-                <p14:modId xmlns:p14="http://schemas.microsoft.com/office/powerpoint/2010/main" val="3746164399"/>
+                <p14:modId xmlns:p14="http://schemas.microsoft.com/office/powerpoint/2010/main" val="3692428156"/>
               </p:ext>
             </p:extLst>
           </p:nvPr>
@@ -12757,7 +13237,7 @@
                     <a:p>
                       <a:r>
                         <a:rPr lang="en-US" altLang="zh-CN" dirty="0"/>
-                        <a:t>6</a:t>
+                        <a:t>0</a:t>
                       </a:r>
                       <a:endParaRPr lang="zh-CN" altLang="en-US" dirty="0"/>
                     </a:p>
@@ -12888,7 +13368,7 @@
           <p:nvPr>
             <p:extLst>
               <p:ext uri="{D42A27DB-BD31-4B8C-83A1-F6EECF244321}">
-                <p14:modId xmlns:p14="http://schemas.microsoft.com/office/powerpoint/2010/main" val="2117246158"/>
+                <p14:modId xmlns:p14="http://schemas.microsoft.com/office/powerpoint/2010/main" val="1244515327"/>
               </p:ext>
             </p:extLst>
           </p:nvPr>
@@ -13051,7 +13531,7 @@
           <p:nvPr>
             <p:extLst>
               <p:ext uri="{D42A27DB-BD31-4B8C-83A1-F6EECF244321}">
-                <p14:modId xmlns:p14="http://schemas.microsoft.com/office/powerpoint/2010/main" val="2337279037"/>
+                <p14:modId xmlns:p14="http://schemas.microsoft.com/office/powerpoint/2010/main" val="1714052464"/>
               </p:ext>
             </p:extLst>
           </p:nvPr>
@@ -13171,8 +13651,8 @@
         </p:nvCxnSpPr>
         <p:spPr>
           <a:xfrm flipH="1">
-            <a:off x="7642947" y="3664996"/>
-            <a:ext cx="280372" cy="519695"/>
+            <a:off x="7610182" y="3490366"/>
+            <a:ext cx="329828" cy="692587"/>
           </a:xfrm>
           <a:prstGeom prst="straightConnector1">
             <a:avLst/>
@@ -13214,14 +13694,14 @@
           <p:nvPr>
             <p:extLst>
               <p:ext uri="{D42A27DB-BD31-4B8C-83A1-F6EECF244321}">
-                <p14:modId xmlns:p14="http://schemas.microsoft.com/office/powerpoint/2010/main" val="2002219620"/>
+                <p14:modId xmlns:p14="http://schemas.microsoft.com/office/powerpoint/2010/main" val="3906700642"/>
               </p:ext>
             </p:extLst>
           </p:nvPr>
         </p:nvGraphicFramePr>
         <p:xfrm>
-          <a:off x="7923319" y="3108736"/>
-          <a:ext cx="468000" cy="1112520"/>
+          <a:off x="7940010" y="2748686"/>
+          <a:ext cx="468000" cy="1483360"/>
         </p:xfrm>
         <a:graphic>
           <a:graphicData uri="http://schemas.openxmlformats.org/drawingml/2006/table">
@@ -13246,7 +13726,7 @@
                     <a:p>
                       <a:r>
                         <a:rPr lang="en-US" altLang="zh-CN" dirty="0"/>
-                        <a:t>9</a:t>
+                        <a:t>0</a:t>
                       </a:r>
                       <a:endParaRPr lang="zh-CN" altLang="en-US" dirty="0"/>
                     </a:p>
@@ -13260,6 +13740,39 @@
                 <a:extLst>
                   <a:ext uri="{0D108BD9-81ED-4DB2-BD59-A6C34878D82A}">
                     <a16:rowId xmlns:a16="http://schemas.microsoft.com/office/drawing/2014/main" val="264237563"/>
+                  </a:ext>
+                </a:extLst>
+              </a:tr>
+              <a:tr h="370840">
+                <a:tc>
+                  <a:txBody>
+                    <a:bodyPr/>
+                    <a:lstStyle/>
+                    <a:p>
+                      <a:r>
+                        <a:rPr lang="en-US" altLang="zh-CN" dirty="0">
+                          <a:solidFill>
+                            <a:schemeClr val="tx1"/>
+                          </a:solidFill>
+                        </a:rPr>
+                        <a:t>8</a:t>
+                      </a:r>
+                      <a:endParaRPr lang="zh-CN" altLang="en-US" dirty="0">
+                        <a:solidFill>
+                          <a:schemeClr val="tx1"/>
+                        </a:solidFill>
+                      </a:endParaRPr>
+                    </a:p>
+                  </a:txBody>
+                  <a:tcPr>
+                    <a:solidFill>
+                      <a:srgbClr val="00B050"/>
+                    </a:solidFill>
+                  </a:tcPr>
+                </a:tc>
+                <a:extLst>
+                  <a:ext uri="{0D108BD9-81ED-4DB2-BD59-A6C34878D82A}">
+                    <a16:rowId xmlns:a16="http://schemas.microsoft.com/office/drawing/2014/main" val="243348260"/>
                   </a:ext>
                 </a:extLst>
               </a:tr>
@@ -13335,7 +13848,7 @@
         <p:spPr>
           <a:xfrm flipH="1" flipV="1">
             <a:off x="7610182" y="4591787"/>
-            <a:ext cx="309418" cy="247555"/>
+            <a:ext cx="309418" cy="432975"/>
           </a:xfrm>
           <a:prstGeom prst="straightConnector1">
             <a:avLst/>
@@ -13377,14 +13890,14 @@
           <p:nvPr>
             <p:extLst>
               <p:ext uri="{D42A27DB-BD31-4B8C-83A1-F6EECF244321}">
-                <p14:modId xmlns:p14="http://schemas.microsoft.com/office/powerpoint/2010/main" val="1799093658"/>
+                <p14:modId xmlns:p14="http://schemas.microsoft.com/office/powerpoint/2010/main" val="1568179606"/>
               </p:ext>
             </p:extLst>
           </p:nvPr>
         </p:nvGraphicFramePr>
         <p:xfrm>
           <a:off x="7919600" y="4283082"/>
-          <a:ext cx="468000" cy="1112520"/>
+          <a:ext cx="468000" cy="1483360"/>
         </p:xfrm>
         <a:graphic>
           <a:graphicData uri="http://schemas.openxmlformats.org/drawingml/2006/table">
@@ -13423,6 +13936,31 @@
                 <a:extLst>
                   <a:ext uri="{0D108BD9-81ED-4DB2-BD59-A6C34878D82A}">
                     <a16:rowId xmlns:a16="http://schemas.microsoft.com/office/drawing/2014/main" val="264237563"/>
+                  </a:ext>
+                </a:extLst>
+              </a:tr>
+              <a:tr h="370840">
+                <a:tc>
+                  <a:txBody>
+                    <a:bodyPr/>
+                    <a:lstStyle/>
+                    <a:p>
+                      <a:r>
+                        <a:rPr lang="en-US" altLang="zh-CN" dirty="0"/>
+                        <a:t>8</a:t>
+                      </a:r>
+                      <a:endParaRPr lang="zh-CN" altLang="en-US" dirty="0"/>
+                    </a:p>
+                  </a:txBody>
+                  <a:tcPr>
+                    <a:solidFill>
+                      <a:srgbClr val="00B050"/>
+                    </a:solidFill>
+                  </a:tcPr>
+                </a:tc>
+                <a:extLst>
+                  <a:ext uri="{0D108BD9-81ED-4DB2-BD59-A6C34878D82A}">
+                    <a16:rowId xmlns:a16="http://schemas.microsoft.com/office/drawing/2014/main" val="543789731"/>
                   </a:ext>
                 </a:extLst>
               </a:tr>
@@ -13678,7 +14216,7 @@
           <p:nvPr>
             <p:extLst>
               <p:ext uri="{D42A27DB-BD31-4B8C-83A1-F6EECF244321}">
-                <p14:modId xmlns:p14="http://schemas.microsoft.com/office/powerpoint/2010/main" val="985733990"/>
+                <p14:modId xmlns:p14="http://schemas.microsoft.com/office/powerpoint/2010/main" val="4004326482"/>
               </p:ext>
             </p:extLst>
           </p:nvPr>
@@ -13710,7 +14248,7 @@
                     <a:p>
                       <a:r>
                         <a:rPr lang="en-US" altLang="zh-CN" dirty="0"/>
-                        <a:t>12</a:t>
+                        <a:t>0</a:t>
                       </a:r>
                       <a:endParaRPr lang="zh-CN" altLang="en-US" dirty="0"/>
                     </a:p>
@@ -13841,7 +14379,7 @@
           <p:nvPr>
             <p:extLst>
               <p:ext uri="{D42A27DB-BD31-4B8C-83A1-F6EECF244321}">
-                <p14:modId xmlns:p14="http://schemas.microsoft.com/office/powerpoint/2010/main" val="2226909777"/>
+                <p14:modId xmlns:p14="http://schemas.microsoft.com/office/powerpoint/2010/main" val="1155109418"/>
               </p:ext>
             </p:extLst>
           </p:nvPr>

--- a/docx/画图.pptx
+++ b/docx/画图.pptx
@@ -271,7 +271,7 @@
           <a:p>
             <a:fld id="{B1D4CC93-8288-4999-A88F-F5B0C6702533}" type="datetimeFigureOut">
               <a:rPr lang="zh-CN" altLang="en-US" smtClean="0"/>
-              <a:t>2024/12/10</a:t>
+              <a:t>2024/12/11</a:t>
             </a:fld>
             <a:endParaRPr lang="zh-CN" altLang="en-US"/>
           </a:p>
@@ -469,7 +469,7 @@
           <a:p>
             <a:fld id="{B1D4CC93-8288-4999-A88F-F5B0C6702533}" type="datetimeFigureOut">
               <a:rPr lang="zh-CN" altLang="en-US" smtClean="0"/>
-              <a:t>2024/12/10</a:t>
+              <a:t>2024/12/11</a:t>
             </a:fld>
             <a:endParaRPr lang="zh-CN" altLang="en-US"/>
           </a:p>
@@ -677,7 +677,7 @@
           <a:p>
             <a:fld id="{B1D4CC93-8288-4999-A88F-F5B0C6702533}" type="datetimeFigureOut">
               <a:rPr lang="zh-CN" altLang="en-US" smtClean="0"/>
-              <a:t>2024/12/10</a:t>
+              <a:t>2024/12/11</a:t>
             </a:fld>
             <a:endParaRPr lang="zh-CN" altLang="en-US"/>
           </a:p>
@@ -875,7 +875,7 @@
           <a:p>
             <a:fld id="{B1D4CC93-8288-4999-A88F-F5B0C6702533}" type="datetimeFigureOut">
               <a:rPr lang="zh-CN" altLang="en-US" smtClean="0"/>
-              <a:t>2024/12/10</a:t>
+              <a:t>2024/12/11</a:t>
             </a:fld>
             <a:endParaRPr lang="zh-CN" altLang="en-US"/>
           </a:p>
@@ -1150,7 +1150,7 @@
           <a:p>
             <a:fld id="{B1D4CC93-8288-4999-A88F-F5B0C6702533}" type="datetimeFigureOut">
               <a:rPr lang="zh-CN" altLang="en-US" smtClean="0"/>
-              <a:t>2024/12/10</a:t>
+              <a:t>2024/12/11</a:t>
             </a:fld>
             <a:endParaRPr lang="zh-CN" altLang="en-US"/>
           </a:p>
@@ -1415,7 +1415,7 @@
           <a:p>
             <a:fld id="{B1D4CC93-8288-4999-A88F-F5B0C6702533}" type="datetimeFigureOut">
               <a:rPr lang="zh-CN" altLang="en-US" smtClean="0"/>
-              <a:t>2024/12/10</a:t>
+              <a:t>2024/12/11</a:t>
             </a:fld>
             <a:endParaRPr lang="zh-CN" altLang="en-US"/>
           </a:p>
@@ -1827,7 +1827,7 @@
           <a:p>
             <a:fld id="{B1D4CC93-8288-4999-A88F-F5B0C6702533}" type="datetimeFigureOut">
               <a:rPr lang="zh-CN" altLang="en-US" smtClean="0"/>
-              <a:t>2024/12/10</a:t>
+              <a:t>2024/12/11</a:t>
             </a:fld>
             <a:endParaRPr lang="zh-CN" altLang="en-US"/>
           </a:p>
@@ -1968,7 +1968,7 @@
           <a:p>
             <a:fld id="{B1D4CC93-8288-4999-A88F-F5B0C6702533}" type="datetimeFigureOut">
               <a:rPr lang="zh-CN" altLang="en-US" smtClean="0"/>
-              <a:t>2024/12/10</a:t>
+              <a:t>2024/12/11</a:t>
             </a:fld>
             <a:endParaRPr lang="zh-CN" altLang="en-US"/>
           </a:p>
@@ -2081,7 +2081,7 @@
           <a:p>
             <a:fld id="{B1D4CC93-8288-4999-A88F-F5B0C6702533}" type="datetimeFigureOut">
               <a:rPr lang="zh-CN" altLang="en-US" smtClean="0"/>
-              <a:t>2024/12/10</a:t>
+              <a:t>2024/12/11</a:t>
             </a:fld>
             <a:endParaRPr lang="zh-CN" altLang="en-US"/>
           </a:p>
@@ -2392,7 +2392,7 @@
           <a:p>
             <a:fld id="{B1D4CC93-8288-4999-A88F-F5B0C6702533}" type="datetimeFigureOut">
               <a:rPr lang="zh-CN" altLang="en-US" smtClean="0"/>
-              <a:t>2024/12/10</a:t>
+              <a:t>2024/12/11</a:t>
             </a:fld>
             <a:endParaRPr lang="zh-CN" altLang="en-US"/>
           </a:p>
@@ -2680,7 +2680,7 @@
           <a:p>
             <a:fld id="{B1D4CC93-8288-4999-A88F-F5B0C6702533}" type="datetimeFigureOut">
               <a:rPr lang="zh-CN" altLang="en-US" smtClean="0"/>
-              <a:t>2024/12/10</a:t>
+              <a:t>2024/12/11</a:t>
             </a:fld>
             <a:endParaRPr lang="zh-CN" altLang="en-US"/>
           </a:p>
@@ -2921,7 +2921,7 @@
           <a:p>
             <a:fld id="{B1D4CC93-8288-4999-A88F-F5B0C6702533}" type="datetimeFigureOut">
               <a:rPr lang="zh-CN" altLang="en-US" smtClean="0"/>
-              <a:t>2024/12/10</a:t>
+              <a:t>2024/12/11</a:t>
             </a:fld>
             <a:endParaRPr lang="zh-CN" altLang="en-US"/>
           </a:p>

--- a/docx/画图.pptx
+++ b/docx/画图.pptx
@@ -8813,13 +8813,13 @@
           <p:nvPr>
             <p:extLst>
               <p:ext uri="{D42A27DB-BD31-4B8C-83A1-F6EECF244321}">
-                <p14:modId xmlns:p14="http://schemas.microsoft.com/office/powerpoint/2010/main" val="3888350057"/>
+                <p14:modId xmlns:p14="http://schemas.microsoft.com/office/powerpoint/2010/main" val="2835865705"/>
               </p:ext>
             </p:extLst>
           </p:nvPr>
         </p:nvGraphicFramePr>
         <p:xfrm>
-          <a:off x="5277926" y="406400"/>
+          <a:off x="5139330" y="101600"/>
           <a:ext cx="2880000" cy="3022600"/>
         </p:xfrm>
         <a:graphic>
@@ -9007,18 +9007,6 @@
                       </a:r>
                     </a:p>
                     <a:p>
-                      <a:r>
-                        <a:rPr lang="en-US" altLang="zh-CN" sz="1800" b="0" kern="1200" dirty="0">
-                          <a:solidFill>
-                            <a:schemeClr val="tx1"/>
-                          </a:solidFill>
-                          <a:effectLst/>
-                          <a:latin typeface="+mn-lt"/>
-                          <a:ea typeface="+mn-ea"/>
-                          <a:cs typeface="+mn-cs"/>
-                        </a:rPr>
-                        <a:t>    </a:t>
-                      </a:r>
                       <a:r>
                         <a:rPr lang="en-US" altLang="zh-CN" sz="1800" b="0" kern="1200" dirty="0" err="1">
                           <a:solidFill>
@@ -9096,13 +9084,13 @@
           <p:nvPr>
             <p:extLst>
               <p:ext uri="{D42A27DB-BD31-4B8C-83A1-F6EECF244321}">
-                <p14:modId xmlns:p14="http://schemas.microsoft.com/office/powerpoint/2010/main" val="3441717131"/>
+                <p14:modId xmlns:p14="http://schemas.microsoft.com/office/powerpoint/2010/main" val="4229350843"/>
               </p:ext>
             </p:extLst>
           </p:nvPr>
         </p:nvGraphicFramePr>
         <p:xfrm>
-          <a:off x="8503854" y="702946"/>
+          <a:off x="8413072" y="129540"/>
           <a:ext cx="3600000" cy="2204720"/>
         </p:xfrm>
         <a:graphic>
@@ -9128,7 +9116,7 @@
                     <a:p>
                       <a:r>
                         <a:rPr lang="en-US" altLang="zh-CN" dirty="0"/>
-                        <a:t>                               </a:t>
+                        <a:t>                    </a:t>
                       </a:r>
                       <a:r>
                         <a:rPr lang="en-US" altLang="zh-CN" dirty="0" err="1"/>
@@ -9306,14 +9294,14 @@
           <p:nvPr>
             <p:extLst>
               <p:ext uri="{D42A27DB-BD31-4B8C-83A1-F6EECF244321}">
-                <p14:modId xmlns:p14="http://schemas.microsoft.com/office/powerpoint/2010/main" val="1667506282"/>
+                <p14:modId xmlns:p14="http://schemas.microsoft.com/office/powerpoint/2010/main" val="3060822416"/>
               </p:ext>
             </p:extLst>
           </p:nvPr>
         </p:nvGraphicFramePr>
         <p:xfrm>
-          <a:off x="6486000" y="4336886"/>
-          <a:ext cx="4176000" cy="2473960"/>
+          <a:off x="6486000" y="3827665"/>
+          <a:ext cx="4176000" cy="3022600"/>
         </p:xfrm>
         <a:graphic>
           <a:graphicData uri="http://schemas.openxmlformats.org/drawingml/2006/table">
@@ -9538,7 +9526,130 @@
                         <a:rPr lang="en-US" altLang="zh-CN" dirty="0"/>
                         <a:t>virtual void show();</a:t>
                       </a:r>
-                      <a:endParaRPr lang="zh-CN" altLang="en-US" dirty="0"/>
+                    </a:p>
+                    <a:p>
+                      <a:r>
+                        <a:rPr lang="en-US" altLang="zh-CN" sz="1800" b="0" kern="1200" dirty="0">
+                          <a:solidFill>
+                            <a:schemeClr val="tx1"/>
+                          </a:solidFill>
+                          <a:effectLst/>
+                          <a:latin typeface="+mn-lt"/>
+                          <a:ea typeface="+mn-ea"/>
+                          <a:cs typeface="+mn-cs"/>
+                        </a:rPr>
+                        <a:t>virtual void </a:t>
+                      </a:r>
+                      <a:r>
+                        <a:rPr lang="en-US" altLang="zh-CN" sz="1800" b="0" kern="1200" dirty="0" err="1">
+                          <a:solidFill>
+                            <a:schemeClr val="tx1"/>
+                          </a:solidFill>
+                          <a:effectLst/>
+                          <a:latin typeface="+mn-lt"/>
+                          <a:ea typeface="+mn-ea"/>
+                          <a:cs typeface="+mn-cs"/>
+                        </a:rPr>
+                        <a:t>SetEntry</a:t>
+                      </a:r>
+                      <a:r>
+                        <a:rPr lang="en-US" altLang="zh-CN" sz="1800" b="0" kern="1200" dirty="0">
+                          <a:solidFill>
+                            <a:schemeClr val="tx1"/>
+                          </a:solidFill>
+                          <a:effectLst/>
+                          <a:latin typeface="+mn-lt"/>
+                          <a:ea typeface="+mn-ea"/>
+                          <a:cs typeface="+mn-cs"/>
+                        </a:rPr>
+                        <a:t>(</a:t>
+                      </a:r>
+                      <a:r>
+                        <a:rPr lang="en-US" altLang="zh-CN" sz="1800" b="0" kern="1200" dirty="0" err="1">
+                          <a:solidFill>
+                            <a:schemeClr val="tx1"/>
+                          </a:solidFill>
+                          <a:effectLst/>
+                          <a:latin typeface="+mn-lt"/>
+                          <a:ea typeface="+mn-ea"/>
+                          <a:cs typeface="+mn-cs"/>
+                        </a:rPr>
+                        <a:t>size_t</a:t>
+                      </a:r>
+                      <a:r>
+                        <a:rPr lang="en-US" altLang="zh-CN" sz="1800" b="0" kern="1200" dirty="0">
+                          <a:solidFill>
+                            <a:schemeClr val="tx1"/>
+                          </a:solidFill>
+                          <a:effectLst/>
+                          <a:latin typeface="+mn-lt"/>
+                          <a:ea typeface="+mn-ea"/>
+                          <a:cs typeface="+mn-cs"/>
+                        </a:rPr>
+                        <a:t> entry) { };</a:t>
+                      </a:r>
+                    </a:p>
+                    <a:p>
+                      <a:r>
+                        <a:rPr lang="en-US" altLang="zh-CN" sz="1800" b="0" kern="1200" dirty="0">
+                          <a:solidFill>
+                            <a:schemeClr val="tx1"/>
+                          </a:solidFill>
+                          <a:effectLst/>
+                          <a:latin typeface="+mn-lt"/>
+                          <a:ea typeface="+mn-ea"/>
+                          <a:cs typeface="+mn-cs"/>
+                        </a:rPr>
+                        <a:t>virtual </a:t>
+                      </a:r>
+                      <a:r>
+                        <a:rPr lang="en-US" altLang="zh-CN" sz="1800" b="0" kern="1200" dirty="0" err="1">
+                          <a:solidFill>
+                            <a:schemeClr val="tx1"/>
+                          </a:solidFill>
+                          <a:effectLst/>
+                          <a:latin typeface="+mn-lt"/>
+                          <a:ea typeface="+mn-ea"/>
+                          <a:cs typeface="+mn-cs"/>
+                        </a:rPr>
+                        <a:t>size_t</a:t>
+                      </a:r>
+                      <a:r>
+                        <a:rPr lang="en-US" altLang="zh-CN" sz="1800" b="0" kern="1200" dirty="0">
+                          <a:solidFill>
+                            <a:schemeClr val="tx1"/>
+                          </a:solidFill>
+                          <a:effectLst/>
+                          <a:latin typeface="+mn-lt"/>
+                          <a:ea typeface="+mn-ea"/>
+                          <a:cs typeface="+mn-cs"/>
+                        </a:rPr>
+                        <a:t> </a:t>
+                      </a:r>
+                      <a:r>
+                        <a:rPr lang="en-US" altLang="zh-CN" sz="1800" b="0" kern="1200" dirty="0" err="1">
+                          <a:solidFill>
+                            <a:schemeClr val="tx1"/>
+                          </a:solidFill>
+                          <a:effectLst/>
+                          <a:latin typeface="+mn-lt"/>
+                          <a:ea typeface="+mn-ea"/>
+                          <a:cs typeface="+mn-cs"/>
+                        </a:rPr>
+                        <a:t>GetEntry</a:t>
+                      </a:r>
+                      <a:r>
+                        <a:rPr lang="en-US" altLang="zh-CN" sz="1800" b="0" kern="1200" dirty="0">
+                          <a:solidFill>
+                            <a:schemeClr val="tx1"/>
+                          </a:solidFill>
+                          <a:effectLst/>
+                          <a:latin typeface="+mn-lt"/>
+                          <a:ea typeface="+mn-ea"/>
+                          <a:cs typeface="+mn-cs"/>
+                        </a:rPr>
+                        <a:t>(){ return -1;};</a:t>
+                      </a:r>
                     </a:p>
                   </a:txBody>
                   <a:tcPr/>
@@ -9919,8 +10030,8 @@
         </p:nvCxnSpPr>
         <p:spPr>
           <a:xfrm>
-            <a:off x="6717926" y="3429000"/>
-            <a:ext cx="1856074" cy="617220"/>
+            <a:off x="6579330" y="3124200"/>
+            <a:ext cx="1994670" cy="412799"/>
           </a:xfrm>
           <a:prstGeom prst="line">
             <a:avLst/>
@@ -9961,7 +10072,7 @@
         </p:nvSpPr>
         <p:spPr>
           <a:xfrm>
-            <a:off x="8413072" y="4046220"/>
+            <a:off x="8413072" y="3536999"/>
             <a:ext cx="321856" cy="290666"/>
           </a:xfrm>
           <a:prstGeom prst="flowChartMerge">
@@ -10023,8 +10134,8 @@
         </p:nvCxnSpPr>
         <p:spPr>
           <a:xfrm flipH="1">
-            <a:off x="8574000" y="2907666"/>
-            <a:ext cx="1729854" cy="1138554"/>
+            <a:off x="8574000" y="2334260"/>
+            <a:ext cx="1639072" cy="1202739"/>
           </a:xfrm>
           <a:prstGeom prst="line">
             <a:avLst/>

--- a/docx/画图.pptx
+++ b/docx/画图.pptx
@@ -271,7 +271,7 @@
           <a:p>
             <a:fld id="{B1D4CC93-8288-4999-A88F-F5B0C6702533}" type="datetimeFigureOut">
               <a:rPr lang="zh-CN" altLang="en-US" smtClean="0"/>
-              <a:t>2024/12/11</a:t>
+              <a:t>2024/12/12</a:t>
             </a:fld>
             <a:endParaRPr lang="zh-CN" altLang="en-US"/>
           </a:p>
@@ -469,7 +469,7 @@
           <a:p>
             <a:fld id="{B1D4CC93-8288-4999-A88F-F5B0C6702533}" type="datetimeFigureOut">
               <a:rPr lang="zh-CN" altLang="en-US" smtClean="0"/>
-              <a:t>2024/12/11</a:t>
+              <a:t>2024/12/12</a:t>
             </a:fld>
             <a:endParaRPr lang="zh-CN" altLang="en-US"/>
           </a:p>
@@ -677,7 +677,7 @@
           <a:p>
             <a:fld id="{B1D4CC93-8288-4999-A88F-F5B0C6702533}" type="datetimeFigureOut">
               <a:rPr lang="zh-CN" altLang="en-US" smtClean="0"/>
-              <a:t>2024/12/11</a:t>
+              <a:t>2024/12/12</a:t>
             </a:fld>
             <a:endParaRPr lang="zh-CN" altLang="en-US"/>
           </a:p>
@@ -875,7 +875,7 @@
           <a:p>
             <a:fld id="{B1D4CC93-8288-4999-A88F-F5B0C6702533}" type="datetimeFigureOut">
               <a:rPr lang="zh-CN" altLang="en-US" smtClean="0"/>
-              <a:t>2024/12/11</a:t>
+              <a:t>2024/12/12</a:t>
             </a:fld>
             <a:endParaRPr lang="zh-CN" altLang="en-US"/>
           </a:p>
@@ -1150,7 +1150,7 @@
           <a:p>
             <a:fld id="{B1D4CC93-8288-4999-A88F-F5B0C6702533}" type="datetimeFigureOut">
               <a:rPr lang="zh-CN" altLang="en-US" smtClean="0"/>
-              <a:t>2024/12/11</a:t>
+              <a:t>2024/12/12</a:t>
             </a:fld>
             <a:endParaRPr lang="zh-CN" altLang="en-US"/>
           </a:p>
@@ -1415,7 +1415,7 @@
           <a:p>
             <a:fld id="{B1D4CC93-8288-4999-A88F-F5B0C6702533}" type="datetimeFigureOut">
               <a:rPr lang="zh-CN" altLang="en-US" smtClean="0"/>
-              <a:t>2024/12/11</a:t>
+              <a:t>2024/12/12</a:t>
             </a:fld>
             <a:endParaRPr lang="zh-CN" altLang="en-US"/>
           </a:p>
@@ -1827,7 +1827,7 @@
           <a:p>
             <a:fld id="{B1D4CC93-8288-4999-A88F-F5B0C6702533}" type="datetimeFigureOut">
               <a:rPr lang="zh-CN" altLang="en-US" smtClean="0"/>
-              <a:t>2024/12/11</a:t>
+              <a:t>2024/12/12</a:t>
             </a:fld>
             <a:endParaRPr lang="zh-CN" altLang="en-US"/>
           </a:p>
@@ -1968,7 +1968,7 @@
           <a:p>
             <a:fld id="{B1D4CC93-8288-4999-A88F-F5B0C6702533}" type="datetimeFigureOut">
               <a:rPr lang="zh-CN" altLang="en-US" smtClean="0"/>
-              <a:t>2024/12/11</a:t>
+              <a:t>2024/12/12</a:t>
             </a:fld>
             <a:endParaRPr lang="zh-CN" altLang="en-US"/>
           </a:p>
@@ -2081,7 +2081,7 @@
           <a:p>
             <a:fld id="{B1D4CC93-8288-4999-A88F-F5B0C6702533}" type="datetimeFigureOut">
               <a:rPr lang="zh-CN" altLang="en-US" smtClean="0"/>
-              <a:t>2024/12/11</a:t>
+              <a:t>2024/12/12</a:t>
             </a:fld>
             <a:endParaRPr lang="zh-CN" altLang="en-US"/>
           </a:p>
@@ -2392,7 +2392,7 @@
           <a:p>
             <a:fld id="{B1D4CC93-8288-4999-A88F-F5B0C6702533}" type="datetimeFigureOut">
               <a:rPr lang="zh-CN" altLang="en-US" smtClean="0"/>
-              <a:t>2024/12/11</a:t>
+              <a:t>2024/12/12</a:t>
             </a:fld>
             <a:endParaRPr lang="zh-CN" altLang="en-US"/>
           </a:p>
@@ -2680,7 +2680,7 @@
           <a:p>
             <a:fld id="{B1D4CC93-8288-4999-A88F-F5B0C6702533}" type="datetimeFigureOut">
               <a:rPr lang="zh-CN" altLang="en-US" smtClean="0"/>
-              <a:t>2024/12/11</a:t>
+              <a:t>2024/12/12</a:t>
             </a:fld>
             <a:endParaRPr lang="zh-CN" altLang="en-US"/>
           </a:p>
@@ -2921,7 +2921,7 @@
           <a:p>
             <a:fld id="{B1D4CC93-8288-4999-A88F-F5B0C6702533}" type="datetimeFigureOut">
               <a:rPr lang="zh-CN" altLang="en-US" smtClean="0"/>
-              <a:t>2024/12/11</a:t>
+              <a:t>2024/12/12</a:t>
             </a:fld>
             <a:endParaRPr lang="zh-CN" altLang="en-US"/>
           </a:p>
@@ -3986,6 +3986,425 @@
           <a:chExt cx="0" cy="0"/>
         </a:xfrm>
       </p:grpSpPr>
+      <p:graphicFrame>
+        <p:nvGraphicFramePr>
+          <p:cNvPr id="2" name="表格 1">
+            <a:extLst>
+              <a:ext uri="{FF2B5EF4-FFF2-40B4-BE49-F238E27FC236}">
+                <a16:creationId xmlns:a16="http://schemas.microsoft.com/office/drawing/2014/main" id="{DC6F61D0-6C38-FC05-AC0E-A26EB6268DC5}"/>
+              </a:ext>
+            </a:extLst>
+          </p:cNvPr>
+          <p:cNvGraphicFramePr>
+            <a:graphicFrameLocks noGrp="1"/>
+          </p:cNvGraphicFramePr>
+          <p:nvPr>
+            <p:extLst>
+              <p:ext uri="{D42A27DB-BD31-4B8C-83A1-F6EECF244321}">
+                <p14:modId xmlns:p14="http://schemas.microsoft.com/office/powerpoint/2010/main" val="3479120974"/>
+              </p:ext>
+            </p:extLst>
+          </p:nvPr>
+        </p:nvGraphicFramePr>
+        <p:xfrm>
+          <a:off x="2032000" y="719666"/>
+          <a:ext cx="8128000" cy="2392680"/>
+        </p:xfrm>
+        <a:graphic>
+          <a:graphicData uri="http://schemas.openxmlformats.org/drawingml/2006/table">
+            <a:tbl>
+              <a:tblPr firstRow="1" bandRow="1">
+                <a:tableStyleId>{5C22544A-7EE6-4342-B048-85BDC9FD1C3A}</a:tableStyleId>
+              </a:tblPr>
+              <a:tblGrid>
+                <a:gridCol w="3556000">
+                  <a:extLst>
+                    <a:ext uri="{9D8B030D-6E8A-4147-A177-3AD203B41FA5}">
+                      <a16:colId xmlns:a16="http://schemas.microsoft.com/office/drawing/2014/main" val="1706468860"/>
+                    </a:ext>
+                  </a:extLst>
+                </a:gridCol>
+                <a:gridCol w="4572000">
+                  <a:extLst>
+                    <a:ext uri="{9D8B030D-6E8A-4147-A177-3AD203B41FA5}">
+                      <a16:colId xmlns:a16="http://schemas.microsoft.com/office/drawing/2014/main" val="638690683"/>
+                    </a:ext>
+                  </a:extLst>
+                </a:gridCol>
+              </a:tblGrid>
+              <a:tr h="370840">
+                <a:tc>
+                  <a:txBody>
+                    <a:bodyPr/>
+                    <a:lstStyle/>
+                    <a:p>
+                      <a:r>
+                        <a:rPr lang="zh-CN" altLang="en-US" dirty="0"/>
+                        <a:t>函数声明</a:t>
+                      </a:r>
+                    </a:p>
+                  </a:txBody>
+                  <a:tcPr/>
+                </a:tc>
+                <a:tc>
+                  <a:txBody>
+                    <a:bodyPr/>
+                    <a:lstStyle/>
+                    <a:p>
+                      <a:r>
+                        <a:rPr lang="zh-CN" altLang="en-US" dirty="0"/>
+                        <a:t>说明</a:t>
+                      </a:r>
+                    </a:p>
+                  </a:txBody>
+                  <a:tcPr/>
+                </a:tc>
+                <a:extLst>
+                  <a:ext uri="{0D108BD9-81ED-4DB2-BD59-A6C34878D82A}">
+                    <a16:rowId xmlns:a16="http://schemas.microsoft.com/office/drawing/2014/main" val="2187525725"/>
+                  </a:ext>
+                </a:extLst>
+              </a:tr>
+              <a:tr h="370840">
+                <a:tc>
+                  <a:txBody>
+                    <a:bodyPr/>
+                    <a:lstStyle/>
+                    <a:p>
+                      <a:r>
+                        <a:rPr lang="en-US" altLang="zh-CN" sz="1800" b="0" i="0" kern="1200" dirty="0">
+                          <a:solidFill>
+                            <a:schemeClr val="dk1"/>
+                          </a:solidFill>
+                          <a:effectLst/>
+                          <a:latin typeface="+mn-lt"/>
+                          <a:ea typeface="+mn-ea"/>
+                          <a:cs typeface="+mn-cs"/>
+                        </a:rPr>
+                        <a:t>int emit(Operation op, int L, int a);</a:t>
+                      </a:r>
+                      <a:endParaRPr lang="zh-CN" altLang="en-US" dirty="0"/>
+                    </a:p>
+                  </a:txBody>
+                  <a:tcPr/>
+                </a:tc>
+                <a:tc>
+                  <a:txBody>
+                    <a:bodyPr/>
+                    <a:lstStyle/>
+                    <a:p>
+                      <a:r>
+                        <a:rPr lang="zh-CN" altLang="en-US" sz="1800" b="0" i="0" kern="1200" dirty="0">
+                          <a:solidFill>
+                            <a:schemeClr val="dk1"/>
+                          </a:solidFill>
+                          <a:effectLst/>
+                          <a:latin typeface="+mn-lt"/>
+                          <a:ea typeface="+mn-ea"/>
+                          <a:cs typeface="+mn-cs"/>
+                        </a:rPr>
+                        <a:t>根据给出参数，生成一条中间代码并存储至存储单元</a:t>
+                      </a:r>
+                      <a:endParaRPr lang="zh-CN" altLang="en-US" dirty="0"/>
+                    </a:p>
+                  </a:txBody>
+                  <a:tcPr/>
+                </a:tc>
+                <a:extLst>
+                  <a:ext uri="{0D108BD9-81ED-4DB2-BD59-A6C34878D82A}">
+                    <a16:rowId xmlns:a16="http://schemas.microsoft.com/office/drawing/2014/main" val="3114030745"/>
+                  </a:ext>
+                </a:extLst>
+              </a:tr>
+              <a:tr h="370840">
+                <a:tc>
+                  <a:txBody>
+                    <a:bodyPr/>
+                    <a:lstStyle/>
+                    <a:p>
+                      <a:r>
+                        <a:rPr lang="en-US" altLang="zh-CN" sz="1800" b="0" i="0" kern="1200" dirty="0">
+                          <a:solidFill>
+                            <a:schemeClr val="dk1"/>
+                          </a:solidFill>
+                          <a:effectLst/>
+                          <a:latin typeface="+mn-lt"/>
+                          <a:ea typeface="+mn-ea"/>
+                          <a:cs typeface="+mn-cs"/>
+                        </a:rPr>
+                        <a:t>void backpatch(</a:t>
+                      </a:r>
+                      <a:r>
+                        <a:rPr lang="en-US" altLang="zh-CN" sz="1800" b="0" i="0" kern="1200" dirty="0" err="1">
+                          <a:solidFill>
+                            <a:schemeClr val="dk1"/>
+                          </a:solidFill>
+                          <a:effectLst/>
+                          <a:latin typeface="+mn-lt"/>
+                          <a:ea typeface="+mn-ea"/>
+                          <a:cs typeface="+mn-cs"/>
+                        </a:rPr>
+                        <a:t>size_t</a:t>
+                      </a:r>
+                      <a:r>
+                        <a:rPr lang="en-US" altLang="zh-CN" sz="1800" b="0" i="0" kern="1200" dirty="0">
+                          <a:solidFill>
+                            <a:schemeClr val="dk1"/>
+                          </a:solidFill>
+                          <a:effectLst/>
+                          <a:latin typeface="+mn-lt"/>
+                          <a:ea typeface="+mn-ea"/>
+                          <a:cs typeface="+mn-cs"/>
+                        </a:rPr>
+                        <a:t> </a:t>
+                      </a:r>
+                      <a:r>
+                        <a:rPr lang="en-US" altLang="zh-CN" sz="1800" b="0" i="0" kern="1200" dirty="0" err="1">
+                          <a:solidFill>
+                            <a:schemeClr val="dk1"/>
+                          </a:solidFill>
+                          <a:effectLst/>
+                          <a:latin typeface="+mn-lt"/>
+                          <a:ea typeface="+mn-ea"/>
+                          <a:cs typeface="+mn-cs"/>
+                        </a:rPr>
+                        <a:t>target,size_t</a:t>
+                      </a:r>
+                      <a:r>
+                        <a:rPr lang="en-US" altLang="zh-CN" sz="1800" b="0" i="0" kern="1200" dirty="0">
+                          <a:solidFill>
+                            <a:schemeClr val="dk1"/>
+                          </a:solidFill>
+                          <a:effectLst/>
+                          <a:latin typeface="+mn-lt"/>
+                          <a:ea typeface="+mn-ea"/>
+                          <a:cs typeface="+mn-cs"/>
+                        </a:rPr>
+                        <a:t> </a:t>
+                      </a:r>
+                      <a:r>
+                        <a:rPr lang="en-US" altLang="zh-CN" sz="1800" b="0" i="0" kern="1200" dirty="0" err="1">
+                          <a:solidFill>
+                            <a:schemeClr val="dk1"/>
+                          </a:solidFill>
+                          <a:effectLst/>
+                          <a:latin typeface="+mn-lt"/>
+                          <a:ea typeface="+mn-ea"/>
+                          <a:cs typeface="+mn-cs"/>
+                        </a:rPr>
+                        <a:t>addr</a:t>
+                      </a:r>
+                      <a:r>
+                        <a:rPr lang="en-US" altLang="zh-CN" sz="1800" b="0" i="0" kern="1200" dirty="0">
+                          <a:solidFill>
+                            <a:schemeClr val="dk1"/>
+                          </a:solidFill>
+                          <a:effectLst/>
+                          <a:latin typeface="+mn-lt"/>
+                          <a:ea typeface="+mn-ea"/>
+                          <a:cs typeface="+mn-cs"/>
+                        </a:rPr>
+                        <a:t>);</a:t>
+                      </a:r>
+                      <a:endParaRPr lang="zh-CN" altLang="en-US" dirty="0"/>
+                    </a:p>
+                  </a:txBody>
+                  <a:tcPr/>
+                </a:tc>
+                <a:tc>
+                  <a:txBody>
+                    <a:bodyPr/>
+                    <a:lstStyle/>
+                    <a:p>
+                      <a:r>
+                        <a:rPr lang="zh-CN" altLang="en-US" sz="1800" b="0" i="0" kern="1200" dirty="0">
+                          <a:solidFill>
+                            <a:schemeClr val="dk1"/>
+                          </a:solidFill>
+                          <a:effectLst/>
+                          <a:latin typeface="+mn-lt"/>
+                          <a:ea typeface="+mn-ea"/>
+                          <a:cs typeface="+mn-cs"/>
+                        </a:rPr>
+                        <a:t>回填函数，将 </a:t>
+                      </a:r>
+                      <a:r>
+                        <a:rPr lang="en-US" altLang="zh-CN" sz="1800" b="0" i="0" kern="1200" dirty="0" err="1">
+                          <a:solidFill>
+                            <a:schemeClr val="dk1"/>
+                          </a:solidFill>
+                          <a:effectLst/>
+                          <a:latin typeface="+mn-lt"/>
+                          <a:ea typeface="+mn-ea"/>
+                          <a:cs typeface="+mn-cs"/>
+                        </a:rPr>
+                        <a:t>addr</a:t>
+                      </a:r>
+                      <a:r>
+                        <a:rPr lang="en-US" altLang="zh-CN" sz="1800" b="0" i="0" kern="1200" dirty="0">
+                          <a:solidFill>
+                            <a:schemeClr val="dk1"/>
+                          </a:solidFill>
+                          <a:effectLst/>
+                          <a:latin typeface="+mn-lt"/>
+                          <a:ea typeface="+mn-ea"/>
+                          <a:cs typeface="+mn-cs"/>
+                        </a:rPr>
+                        <a:t> </a:t>
+                      </a:r>
+                      <a:r>
+                        <a:rPr lang="zh-CN" altLang="en-US" sz="1800" b="0" i="0" kern="1200" dirty="0">
+                          <a:solidFill>
+                            <a:schemeClr val="dk1"/>
+                          </a:solidFill>
+                          <a:effectLst/>
+                          <a:latin typeface="+mn-lt"/>
+                          <a:ea typeface="+mn-ea"/>
+                          <a:cs typeface="+mn-cs"/>
+                        </a:rPr>
+                        <a:t>回填至 </a:t>
+                      </a:r>
+                      <a:r>
+                        <a:rPr lang="en-US" altLang="zh-CN" sz="1800" b="0" i="0" kern="1200" dirty="0">
+                          <a:solidFill>
+                            <a:schemeClr val="dk1"/>
+                          </a:solidFill>
+                          <a:effectLst/>
+                          <a:latin typeface="+mn-lt"/>
+                          <a:ea typeface="+mn-ea"/>
+                          <a:cs typeface="+mn-cs"/>
+                        </a:rPr>
+                        <a:t>target </a:t>
+                      </a:r>
+                      <a:r>
+                        <a:rPr lang="zh-CN" altLang="en-US" sz="1800" b="0" i="0" kern="1200" dirty="0">
+                          <a:solidFill>
+                            <a:schemeClr val="dk1"/>
+                          </a:solidFill>
+                          <a:effectLst/>
+                          <a:latin typeface="+mn-lt"/>
+                          <a:ea typeface="+mn-ea"/>
+                          <a:cs typeface="+mn-cs"/>
+                        </a:rPr>
+                        <a:t>处的中间代码的跳转地址处</a:t>
+                      </a:r>
+                      <a:endParaRPr lang="zh-CN" altLang="en-US" dirty="0"/>
+                    </a:p>
+                  </a:txBody>
+                  <a:tcPr/>
+                </a:tc>
+                <a:extLst>
+                  <a:ext uri="{0D108BD9-81ED-4DB2-BD59-A6C34878D82A}">
+                    <a16:rowId xmlns:a16="http://schemas.microsoft.com/office/drawing/2014/main" val="1177638227"/>
+                  </a:ext>
+                </a:extLst>
+              </a:tr>
+              <a:tr h="370840">
+                <a:tc>
+                  <a:txBody>
+                    <a:bodyPr/>
+                    <a:lstStyle/>
+                    <a:p>
+                      <a:r>
+                        <a:rPr lang="en-US" altLang="zh-CN" sz="1800" b="0" i="0" kern="1200" dirty="0">
+                          <a:solidFill>
+                            <a:schemeClr val="dk1"/>
+                          </a:solidFill>
+                          <a:effectLst/>
+                          <a:latin typeface="+mn-lt"/>
+                          <a:ea typeface="+mn-ea"/>
+                          <a:cs typeface="+mn-cs"/>
+                        </a:rPr>
+                        <a:t>void show();</a:t>
+                      </a:r>
+                      <a:endParaRPr lang="zh-CN" altLang="en-US" dirty="0"/>
+                    </a:p>
+                  </a:txBody>
+                  <a:tcPr/>
+                </a:tc>
+                <a:tc>
+                  <a:txBody>
+                    <a:bodyPr/>
+                    <a:lstStyle/>
+                    <a:p>
+                      <a:r>
+                        <a:rPr lang="zh-CN" altLang="en-US" sz="1800" b="0" i="0" kern="1200" dirty="0">
+                          <a:solidFill>
+                            <a:schemeClr val="dk1"/>
+                          </a:solidFill>
+                          <a:effectLst/>
+                          <a:latin typeface="+mn-lt"/>
+                          <a:ea typeface="+mn-ea"/>
+                          <a:cs typeface="+mn-cs"/>
+                        </a:rPr>
+                        <a:t>打印出存储单元中的所有中间代码</a:t>
+                      </a:r>
+                      <a:endParaRPr lang="zh-CN" altLang="en-US" dirty="0"/>
+                    </a:p>
+                  </a:txBody>
+                  <a:tcPr/>
+                </a:tc>
+                <a:extLst>
+                  <a:ext uri="{0D108BD9-81ED-4DB2-BD59-A6C34878D82A}">
+                    <a16:rowId xmlns:a16="http://schemas.microsoft.com/office/drawing/2014/main" val="1671771570"/>
+                  </a:ext>
+                </a:extLst>
+              </a:tr>
+              <a:tr h="370840">
+                <a:tc>
+                  <a:txBody>
+                    <a:bodyPr/>
+                    <a:lstStyle/>
+                    <a:p>
+                      <a:r>
+                        <a:rPr lang="en-US" altLang="zh-CN" sz="1800" b="0" i="0" kern="1200" dirty="0">
+                          <a:solidFill>
+                            <a:schemeClr val="dk1"/>
+                          </a:solidFill>
+                          <a:effectLst/>
+                          <a:latin typeface="+mn-lt"/>
+                          <a:ea typeface="+mn-ea"/>
+                          <a:cs typeface="+mn-cs"/>
+                        </a:rPr>
+                        <a:t>void clear(); </a:t>
+                      </a:r>
+                      <a:endParaRPr lang="zh-CN" altLang="en-US" dirty="0"/>
+                    </a:p>
+                  </a:txBody>
+                  <a:tcPr/>
+                </a:tc>
+                <a:tc>
+                  <a:txBody>
+                    <a:bodyPr/>
+                    <a:lstStyle/>
+                    <a:p>
+                      <a:r>
+                        <a:rPr lang="zh-CN" altLang="en-US" sz="1800" b="0" i="0" kern="1200" dirty="0">
+                          <a:solidFill>
+                            <a:schemeClr val="dk1"/>
+                          </a:solidFill>
+                          <a:effectLst/>
+                          <a:latin typeface="+mn-lt"/>
+                          <a:ea typeface="+mn-ea"/>
+                          <a:cs typeface="+mn-cs"/>
+                        </a:rPr>
+                        <a:t>清除中间代码的存储单元</a:t>
+                      </a:r>
+                      <a:endParaRPr lang="zh-CN" altLang="en-US" dirty="0"/>
+                    </a:p>
+                  </a:txBody>
+                  <a:tcPr/>
+                </a:tc>
+                <a:extLst>
+                  <a:ext uri="{0D108BD9-81ED-4DB2-BD59-A6C34878D82A}">
+                    <a16:rowId xmlns:a16="http://schemas.microsoft.com/office/drawing/2014/main" val="3078136188"/>
+                  </a:ext>
+                </a:extLst>
+              </a:tr>
+            </a:tbl>
+          </a:graphicData>
+        </a:graphic>
+      </p:graphicFrame>
     </p:spTree>
     <p:extLst>
       <p:ext uri="{BB962C8B-B14F-4D97-AF65-F5344CB8AC3E}">
